--- a/docs/RavenDB.pptx
+++ b/docs/RavenDB.pptx
@@ -2,13 +2,20 @@
 <file path=ppt/presentation.xml><?xml version="1.0" encoding="utf-8"?>
 <p:presentation xmlns:a="http://schemas.openxmlformats.org/drawingml/2006/main" xmlns:r="http://schemas.openxmlformats.org/officeDocument/2006/relationships" xmlns:p="http://schemas.openxmlformats.org/presentationml/2006/main" saveSubsetFonts="1">
   <p:sldMasterIdLst>
-    <p:sldMasterId id="2147483648" r:id="rId1"/>
+    <p:sldMasterId id="2147483660" r:id="rId1"/>
   </p:sldMasterIdLst>
+  <p:notesMasterIdLst>
+    <p:notesMasterId r:id="rId10"/>
+  </p:notesMasterIdLst>
   <p:sldIdLst>
     <p:sldId id="256" r:id="rId2"/>
     <p:sldId id="257" r:id="rId3"/>
     <p:sldId id="258" r:id="rId4"/>
     <p:sldId id="259" r:id="rId5"/>
+    <p:sldId id="260" r:id="rId6"/>
+    <p:sldId id="263" r:id="rId7"/>
+    <p:sldId id="262" r:id="rId8"/>
+    <p:sldId id="261" r:id="rId9"/>
   </p:sldIdLst>
   <p:sldSz cx="9144000" cy="6858000" type="screen4x3"/>
   <p:notesSz cx="6858000" cy="9144000"/>
@@ -110,6 +117,1155 @@
 </p:presentation>
 </file>
 
+<file path=ppt/notesMasters/notesMaster1.xml><?xml version="1.0" encoding="utf-8"?>
+<p:notesMaster xmlns:a="http://schemas.openxmlformats.org/drawingml/2006/main" xmlns:r="http://schemas.openxmlformats.org/officeDocument/2006/relationships" xmlns:p="http://schemas.openxmlformats.org/presentationml/2006/main">
+  <p:cSld>
+    <p:bg>
+      <p:bgRef idx="1001">
+        <a:schemeClr val="bg1"/>
+      </p:bgRef>
+    </p:bg>
+    <p:spTree>
+      <p:nvGrpSpPr>
+        <p:cNvPr id="1" name=""/>
+        <p:cNvGrpSpPr/>
+        <p:nvPr/>
+      </p:nvGrpSpPr>
+      <p:grpSpPr>
+        <a:xfrm>
+          <a:off x="0" y="0"/>
+          <a:ext cx="0" cy="0"/>
+          <a:chOff x="0" y="0"/>
+          <a:chExt cx="0" cy="0"/>
+        </a:xfrm>
+      </p:grpSpPr>
+      <p:sp>
+        <p:nvSpPr>
+          <p:cNvPr id="2" name="Header Placeholder 1"/>
+          <p:cNvSpPr>
+            <a:spLocks noGrp="1"/>
+          </p:cNvSpPr>
+          <p:nvPr>
+            <p:ph type="hdr" sz="quarter"/>
+          </p:nvPr>
+        </p:nvSpPr>
+        <p:spPr>
+          <a:xfrm>
+            <a:off x="0" y="0"/>
+            <a:ext cx="2971800" cy="457200"/>
+          </a:xfrm>
+          <a:prstGeom prst="rect">
+            <a:avLst/>
+          </a:prstGeom>
+        </p:spPr>
+        <p:txBody>
+          <a:bodyPr vert="horz" lIns="91440" tIns="45720" rIns="91440" bIns="45720" rtlCol="0"/>
+          <a:lstStyle>
+            <a:lvl1pPr algn="l">
+              <a:defRPr sz="1200"/>
+            </a:lvl1pPr>
+          </a:lstStyle>
+          <a:p>
+            <a:endParaRPr lang="en-US"/>
+          </a:p>
+        </p:txBody>
+      </p:sp>
+      <p:sp>
+        <p:nvSpPr>
+          <p:cNvPr id="3" name="Date Placeholder 2"/>
+          <p:cNvSpPr>
+            <a:spLocks noGrp="1"/>
+          </p:cNvSpPr>
+          <p:nvPr>
+            <p:ph type="dt" idx="1"/>
+          </p:nvPr>
+        </p:nvSpPr>
+        <p:spPr>
+          <a:xfrm>
+            <a:off x="3884613" y="0"/>
+            <a:ext cx="2971800" cy="457200"/>
+          </a:xfrm>
+          <a:prstGeom prst="rect">
+            <a:avLst/>
+          </a:prstGeom>
+        </p:spPr>
+        <p:txBody>
+          <a:bodyPr vert="horz" lIns="91440" tIns="45720" rIns="91440" bIns="45720" rtlCol="0"/>
+          <a:lstStyle>
+            <a:lvl1pPr algn="r">
+              <a:defRPr sz="1200"/>
+            </a:lvl1pPr>
+          </a:lstStyle>
+          <a:p>
+            <a:fld id="{6CBD5C98-7F79-422E-BD07-32DA2D269530}" type="datetimeFigureOut">
+              <a:rPr lang="en-US" smtClean="0"/>
+              <a:t>2/13/2014</a:t>
+            </a:fld>
+            <a:endParaRPr lang="en-US"/>
+          </a:p>
+        </p:txBody>
+      </p:sp>
+      <p:sp>
+        <p:nvSpPr>
+          <p:cNvPr id="4" name="Slide Image Placeholder 3"/>
+          <p:cNvSpPr>
+            <a:spLocks noGrp="1" noRot="1" noChangeAspect="1"/>
+          </p:cNvSpPr>
+          <p:nvPr>
+            <p:ph type="sldImg" idx="2"/>
+          </p:nvPr>
+        </p:nvSpPr>
+        <p:spPr>
+          <a:xfrm>
+            <a:off x="1143000" y="685800"/>
+            <a:ext cx="4572000" cy="3429000"/>
+          </a:xfrm>
+          <a:prstGeom prst="rect">
+            <a:avLst/>
+          </a:prstGeom>
+          <a:noFill/>
+          <a:ln w="12700">
+            <a:solidFill>
+              <a:prstClr val="black"/>
+            </a:solidFill>
+          </a:ln>
+        </p:spPr>
+        <p:txBody>
+          <a:bodyPr vert="horz" lIns="91440" tIns="45720" rIns="91440" bIns="45720" rtlCol="0" anchor="ctr"/>
+          <a:lstStyle/>
+          <a:p>
+            <a:endParaRPr lang="en-US"/>
+          </a:p>
+        </p:txBody>
+      </p:sp>
+      <p:sp>
+        <p:nvSpPr>
+          <p:cNvPr id="5" name="Notes Placeholder 4"/>
+          <p:cNvSpPr>
+            <a:spLocks noGrp="1"/>
+          </p:cNvSpPr>
+          <p:nvPr>
+            <p:ph type="body" sz="quarter" idx="3"/>
+          </p:nvPr>
+        </p:nvSpPr>
+        <p:spPr>
+          <a:xfrm>
+            <a:off x="685800" y="4343400"/>
+            <a:ext cx="5486400" cy="4114800"/>
+          </a:xfrm>
+          <a:prstGeom prst="rect">
+            <a:avLst/>
+          </a:prstGeom>
+        </p:spPr>
+        <p:txBody>
+          <a:bodyPr vert="horz" lIns="91440" tIns="45720" rIns="91440" bIns="45720" rtlCol="0"/>
+          <a:lstStyle/>
+          <a:p>
+            <a:pPr lvl="0"/>
+            <a:r>
+              <a:rPr lang="en-US" smtClean="0"/>
+              <a:t>Click to edit Master text styles</a:t>
+            </a:r>
+          </a:p>
+          <a:p>
+            <a:pPr lvl="1"/>
+            <a:r>
+              <a:rPr lang="en-US" smtClean="0"/>
+              <a:t>Second level</a:t>
+            </a:r>
+          </a:p>
+          <a:p>
+            <a:pPr lvl="2"/>
+            <a:r>
+              <a:rPr lang="en-US" smtClean="0"/>
+              <a:t>Third level</a:t>
+            </a:r>
+          </a:p>
+          <a:p>
+            <a:pPr lvl="3"/>
+            <a:r>
+              <a:rPr lang="en-US" smtClean="0"/>
+              <a:t>Fourth level</a:t>
+            </a:r>
+          </a:p>
+          <a:p>
+            <a:pPr lvl="4"/>
+            <a:r>
+              <a:rPr lang="en-US" smtClean="0"/>
+              <a:t>Fifth level</a:t>
+            </a:r>
+            <a:endParaRPr lang="en-US"/>
+          </a:p>
+        </p:txBody>
+      </p:sp>
+      <p:sp>
+        <p:nvSpPr>
+          <p:cNvPr id="6" name="Footer Placeholder 5"/>
+          <p:cNvSpPr>
+            <a:spLocks noGrp="1"/>
+          </p:cNvSpPr>
+          <p:nvPr>
+            <p:ph type="ftr" sz="quarter" idx="4"/>
+          </p:nvPr>
+        </p:nvSpPr>
+        <p:spPr>
+          <a:xfrm>
+            <a:off x="0" y="8685213"/>
+            <a:ext cx="2971800" cy="457200"/>
+          </a:xfrm>
+          <a:prstGeom prst="rect">
+            <a:avLst/>
+          </a:prstGeom>
+        </p:spPr>
+        <p:txBody>
+          <a:bodyPr vert="horz" lIns="91440" tIns="45720" rIns="91440" bIns="45720" rtlCol="0" anchor="b"/>
+          <a:lstStyle>
+            <a:lvl1pPr algn="l">
+              <a:defRPr sz="1200"/>
+            </a:lvl1pPr>
+          </a:lstStyle>
+          <a:p>
+            <a:endParaRPr lang="en-US"/>
+          </a:p>
+        </p:txBody>
+      </p:sp>
+      <p:sp>
+        <p:nvSpPr>
+          <p:cNvPr id="7" name="Slide Number Placeholder 6"/>
+          <p:cNvSpPr>
+            <a:spLocks noGrp="1"/>
+          </p:cNvSpPr>
+          <p:nvPr>
+            <p:ph type="sldNum" sz="quarter" idx="5"/>
+          </p:nvPr>
+        </p:nvSpPr>
+        <p:spPr>
+          <a:xfrm>
+            <a:off x="3884613" y="8685213"/>
+            <a:ext cx="2971800" cy="457200"/>
+          </a:xfrm>
+          <a:prstGeom prst="rect">
+            <a:avLst/>
+          </a:prstGeom>
+        </p:spPr>
+        <p:txBody>
+          <a:bodyPr vert="horz" lIns="91440" tIns="45720" rIns="91440" bIns="45720" rtlCol="0" anchor="b"/>
+          <a:lstStyle>
+            <a:lvl1pPr algn="r">
+              <a:defRPr sz="1200"/>
+            </a:lvl1pPr>
+          </a:lstStyle>
+          <a:p>
+            <a:fld id="{9EA69067-E6A7-4411-95E7-7AC23FA09CA0}" type="slidenum">
+              <a:rPr lang="en-US" smtClean="0"/>
+              <a:t>‹#›</a:t>
+            </a:fld>
+            <a:endParaRPr lang="en-US"/>
+          </a:p>
+        </p:txBody>
+      </p:sp>
+    </p:spTree>
+    <p:extLst>
+      <p:ext uri="{BB962C8B-B14F-4D97-AF65-F5344CB8AC3E}">
+        <p14:creationId xmlns:p14="http://schemas.microsoft.com/office/powerpoint/2010/main" val="491354688"/>
+      </p:ext>
+    </p:extLst>
+  </p:cSld>
+  <p:clrMap bg1="lt1" tx1="dk1" bg2="lt2" tx2="dk2" accent1="accent1" accent2="accent2" accent3="accent3" accent4="accent4" accent5="accent5" accent6="accent6" hlink="hlink" folHlink="folHlink"/>
+  <p:notesStyle>
+    <a:lvl1pPr marL="0" algn="l" defTabSz="914400" rtl="0" eaLnBrk="1" latinLnBrk="0" hangingPunct="1">
+      <a:defRPr sz="1200" kern="1200">
+        <a:solidFill>
+          <a:schemeClr val="tx1"/>
+        </a:solidFill>
+        <a:latin typeface="+mn-lt"/>
+        <a:ea typeface="+mn-ea"/>
+        <a:cs typeface="+mn-cs"/>
+      </a:defRPr>
+    </a:lvl1pPr>
+    <a:lvl2pPr marL="457200" algn="l" defTabSz="914400" rtl="0" eaLnBrk="1" latinLnBrk="0" hangingPunct="1">
+      <a:defRPr sz="1200" kern="1200">
+        <a:solidFill>
+          <a:schemeClr val="tx1"/>
+        </a:solidFill>
+        <a:latin typeface="+mn-lt"/>
+        <a:ea typeface="+mn-ea"/>
+        <a:cs typeface="+mn-cs"/>
+      </a:defRPr>
+    </a:lvl2pPr>
+    <a:lvl3pPr marL="914400" algn="l" defTabSz="914400" rtl="0" eaLnBrk="1" latinLnBrk="0" hangingPunct="1">
+      <a:defRPr sz="1200" kern="1200">
+        <a:solidFill>
+          <a:schemeClr val="tx1"/>
+        </a:solidFill>
+        <a:latin typeface="+mn-lt"/>
+        <a:ea typeface="+mn-ea"/>
+        <a:cs typeface="+mn-cs"/>
+      </a:defRPr>
+    </a:lvl3pPr>
+    <a:lvl4pPr marL="1371600" algn="l" defTabSz="914400" rtl="0" eaLnBrk="1" latinLnBrk="0" hangingPunct="1">
+      <a:defRPr sz="1200" kern="1200">
+        <a:solidFill>
+          <a:schemeClr val="tx1"/>
+        </a:solidFill>
+        <a:latin typeface="+mn-lt"/>
+        <a:ea typeface="+mn-ea"/>
+        <a:cs typeface="+mn-cs"/>
+      </a:defRPr>
+    </a:lvl4pPr>
+    <a:lvl5pPr marL="1828800" algn="l" defTabSz="914400" rtl="0" eaLnBrk="1" latinLnBrk="0" hangingPunct="1">
+      <a:defRPr sz="1200" kern="1200">
+        <a:solidFill>
+          <a:schemeClr val="tx1"/>
+        </a:solidFill>
+        <a:latin typeface="+mn-lt"/>
+        <a:ea typeface="+mn-ea"/>
+        <a:cs typeface="+mn-cs"/>
+      </a:defRPr>
+    </a:lvl5pPr>
+    <a:lvl6pPr marL="2286000" algn="l" defTabSz="914400" rtl="0" eaLnBrk="1" latinLnBrk="0" hangingPunct="1">
+      <a:defRPr sz="1200" kern="1200">
+        <a:solidFill>
+          <a:schemeClr val="tx1"/>
+        </a:solidFill>
+        <a:latin typeface="+mn-lt"/>
+        <a:ea typeface="+mn-ea"/>
+        <a:cs typeface="+mn-cs"/>
+      </a:defRPr>
+    </a:lvl6pPr>
+    <a:lvl7pPr marL="2743200" algn="l" defTabSz="914400" rtl="0" eaLnBrk="1" latinLnBrk="0" hangingPunct="1">
+      <a:defRPr sz="1200" kern="1200">
+        <a:solidFill>
+          <a:schemeClr val="tx1"/>
+        </a:solidFill>
+        <a:latin typeface="+mn-lt"/>
+        <a:ea typeface="+mn-ea"/>
+        <a:cs typeface="+mn-cs"/>
+      </a:defRPr>
+    </a:lvl7pPr>
+    <a:lvl8pPr marL="3200400" algn="l" defTabSz="914400" rtl="0" eaLnBrk="1" latinLnBrk="0" hangingPunct="1">
+      <a:defRPr sz="1200" kern="1200">
+        <a:solidFill>
+          <a:schemeClr val="tx1"/>
+        </a:solidFill>
+        <a:latin typeface="+mn-lt"/>
+        <a:ea typeface="+mn-ea"/>
+        <a:cs typeface="+mn-cs"/>
+      </a:defRPr>
+    </a:lvl8pPr>
+    <a:lvl9pPr marL="3657600" algn="l" defTabSz="914400" rtl="0" eaLnBrk="1" latinLnBrk="0" hangingPunct="1">
+      <a:defRPr sz="1200" kern="1200">
+        <a:solidFill>
+          <a:schemeClr val="tx1"/>
+        </a:solidFill>
+        <a:latin typeface="+mn-lt"/>
+        <a:ea typeface="+mn-ea"/>
+        <a:cs typeface="+mn-cs"/>
+      </a:defRPr>
+    </a:lvl9pPr>
+  </p:notesStyle>
+</p:notesMaster>
+</file>
+
+<file path=ppt/notesSlides/notesSlide1.xml><?xml version="1.0" encoding="utf-8"?>
+<p:notes xmlns:a="http://schemas.openxmlformats.org/drawingml/2006/main" xmlns:r="http://schemas.openxmlformats.org/officeDocument/2006/relationships" xmlns:p="http://schemas.openxmlformats.org/presentationml/2006/main">
+  <p:cSld>
+    <p:spTree>
+      <p:nvGrpSpPr>
+        <p:cNvPr id="1" name=""/>
+        <p:cNvGrpSpPr/>
+        <p:nvPr/>
+      </p:nvGrpSpPr>
+      <p:grpSpPr>
+        <a:xfrm>
+          <a:off x="0" y="0"/>
+          <a:ext cx="0" cy="0"/>
+          <a:chOff x="0" y="0"/>
+          <a:chExt cx="0" cy="0"/>
+        </a:xfrm>
+      </p:grpSpPr>
+      <p:sp>
+        <p:nvSpPr>
+          <p:cNvPr id="2" name="Slide Image Placeholder 1"/>
+          <p:cNvSpPr>
+            <a:spLocks noGrp="1" noRot="1" noChangeAspect="1"/>
+          </p:cNvSpPr>
+          <p:nvPr>
+            <p:ph type="sldImg"/>
+          </p:nvPr>
+        </p:nvSpPr>
+        <p:spPr/>
+      </p:sp>
+      <p:sp>
+        <p:nvSpPr>
+          <p:cNvPr id="3" name="Notes Placeholder 2"/>
+          <p:cNvSpPr>
+            <a:spLocks noGrp="1"/>
+          </p:cNvSpPr>
+          <p:nvPr>
+            <p:ph type="body" idx="1"/>
+          </p:nvPr>
+        </p:nvSpPr>
+        <p:spPr/>
+        <p:txBody>
+          <a:bodyPr/>
+          <a:lstStyle/>
+          <a:p>
+            <a:r>
+              <a:rPr lang="en-US" dirty="0" smtClean="0"/>
+              <a:t>I want to first talk about how</a:t>
+            </a:r>
+            <a:r>
+              <a:rPr lang="en-US" baseline="0" dirty="0" smtClean="0"/>
+              <a:t> we’ve chosen to use </a:t>
+            </a:r>
+            <a:r>
+              <a:rPr lang="en-US" baseline="0" dirty="0" err="1" smtClean="0"/>
+              <a:t>RavenDB</a:t>
+            </a:r>
+            <a:r>
+              <a:rPr lang="en-US" baseline="0" dirty="0" smtClean="0"/>
+              <a:t> so far in our applications.  These decisions were influenced by many factors, including the level of maturity of </a:t>
+            </a:r>
+            <a:r>
+              <a:rPr lang="en-US" baseline="0" dirty="0" err="1" smtClean="0"/>
+              <a:t>RavenDB</a:t>
+            </a:r>
+            <a:r>
+              <a:rPr lang="en-US" baseline="0" dirty="0" smtClean="0"/>
+              <a:t>, our level of familiarity with it, and some of the software development principles we try to follow.  Most of you already know that we have generally only used </a:t>
+            </a:r>
+            <a:r>
+              <a:rPr lang="en-US" baseline="0" dirty="0" err="1" smtClean="0"/>
+              <a:t>RavenDB</a:t>
+            </a:r>
+            <a:r>
+              <a:rPr lang="en-US" baseline="0" dirty="0" smtClean="0"/>
+              <a:t> as a data store, and haven’t taken advantage of many of the additional features it provides, so let me explain some of the reasons why we’ve gone that route up to this point.</a:t>
+            </a:r>
+            <a:endParaRPr lang="en-US" dirty="0" smtClean="0"/>
+          </a:p>
+          <a:p>
+            <a:endParaRPr lang="en-US" dirty="0" smtClean="0"/>
+          </a:p>
+          <a:p>
+            <a:r>
+              <a:rPr lang="en-US" dirty="0" smtClean="0"/>
+              <a:t>First off, can anyone tell me what</a:t>
+            </a:r>
+            <a:r>
+              <a:rPr lang="en-US" baseline="0" dirty="0" smtClean="0"/>
+              <a:t> reversibility refers to in software development?</a:t>
+            </a:r>
+            <a:endParaRPr lang="en-US" dirty="0"/>
+          </a:p>
+        </p:txBody>
+      </p:sp>
+      <p:sp>
+        <p:nvSpPr>
+          <p:cNvPr id="4" name="Slide Number Placeholder 3"/>
+          <p:cNvSpPr>
+            <a:spLocks noGrp="1"/>
+          </p:cNvSpPr>
+          <p:nvPr>
+            <p:ph type="sldNum" sz="quarter" idx="10"/>
+          </p:nvPr>
+        </p:nvSpPr>
+        <p:spPr/>
+        <p:txBody>
+          <a:bodyPr/>
+          <a:lstStyle/>
+          <a:p>
+            <a:fld id="{9EA69067-E6A7-4411-95E7-7AC23FA09CA0}" type="slidenum">
+              <a:rPr lang="en-US" smtClean="0"/>
+              <a:t>1</a:t>
+            </a:fld>
+            <a:endParaRPr lang="en-US"/>
+          </a:p>
+        </p:txBody>
+      </p:sp>
+    </p:spTree>
+    <p:extLst>
+      <p:ext uri="{BB962C8B-B14F-4D97-AF65-F5344CB8AC3E}">
+        <p14:creationId xmlns:p14="http://schemas.microsoft.com/office/powerpoint/2010/main" val="945194236"/>
+      </p:ext>
+    </p:extLst>
+  </p:cSld>
+  <p:clrMapOvr>
+    <a:masterClrMapping/>
+  </p:clrMapOvr>
+</p:notes>
+</file>
+
+<file path=ppt/notesSlides/notesSlide2.xml><?xml version="1.0" encoding="utf-8"?>
+<p:notes xmlns:a="http://schemas.openxmlformats.org/drawingml/2006/main" xmlns:r="http://schemas.openxmlformats.org/officeDocument/2006/relationships" xmlns:p="http://schemas.openxmlformats.org/presentationml/2006/main">
+  <p:cSld>
+    <p:spTree>
+      <p:nvGrpSpPr>
+        <p:cNvPr id="1" name=""/>
+        <p:cNvGrpSpPr/>
+        <p:nvPr/>
+      </p:nvGrpSpPr>
+      <p:grpSpPr>
+        <a:xfrm>
+          <a:off x="0" y="0"/>
+          <a:ext cx="0" cy="0"/>
+          <a:chOff x="0" y="0"/>
+          <a:chExt cx="0" cy="0"/>
+        </a:xfrm>
+      </p:grpSpPr>
+      <p:sp>
+        <p:nvSpPr>
+          <p:cNvPr id="2" name="Slide Image Placeholder 1"/>
+          <p:cNvSpPr>
+            <a:spLocks noGrp="1" noRot="1" noChangeAspect="1"/>
+          </p:cNvSpPr>
+          <p:nvPr>
+            <p:ph type="sldImg"/>
+          </p:nvPr>
+        </p:nvSpPr>
+        <p:spPr/>
+      </p:sp>
+      <p:sp>
+        <p:nvSpPr>
+          <p:cNvPr id="3" name="Notes Placeholder 2"/>
+          <p:cNvSpPr>
+            <a:spLocks noGrp="1"/>
+          </p:cNvSpPr>
+          <p:nvPr>
+            <p:ph type="body" idx="1"/>
+          </p:nvPr>
+        </p:nvSpPr>
+        <p:spPr/>
+        <p:txBody>
+          <a:bodyPr/>
+          <a:lstStyle/>
+          <a:p>
+            <a:r>
+              <a:rPr lang="en-US" baseline="0" dirty="0" smtClean="0"/>
+              <a:t>Reversibility </a:t>
+            </a:r>
+            <a:r>
+              <a:rPr lang="en-US" baseline="0" dirty="0" smtClean="0"/>
+              <a:t>is something Jeremy has talked about previously and it’s a concept that has been around for over a decade.  In brief, Reversibility means we can change our application easily when we’ve made the wrong decision.  This is especially important when we’re working with a new technology that might turn out to not be the right fit for our application.  In the case of </a:t>
+            </a:r>
+            <a:r>
+              <a:rPr lang="en-US" baseline="0" dirty="0" err="1" smtClean="0"/>
+              <a:t>RavenDB</a:t>
+            </a:r>
+            <a:r>
+              <a:rPr lang="en-US" baseline="0" dirty="0" smtClean="0"/>
+              <a:t>, it means we want to be able to easily switch to something else in the future if we decide to.  This is even more important when we’re evaluating a new product where we don’t know what it’ll be like to use it long term and might decide to switch to something else later on.</a:t>
+            </a:r>
+          </a:p>
+          <a:p>
+            <a:endParaRPr lang="en-US" dirty="0" smtClean="0"/>
+          </a:p>
+          <a:p>
+            <a:r>
+              <a:rPr lang="en-US" dirty="0" smtClean="0"/>
+              <a:t>For those of you who</a:t>
+            </a:r>
+            <a:r>
+              <a:rPr lang="en-US" baseline="0" dirty="0" smtClean="0"/>
+              <a:t> have seen Uncle Bob’s presentation on architecture, you may remember that he asserts that the database should NOT be the center of your application.  It should be something that sits off to the side that you can make a decision about later.  Remember, database vendors want you to use their product, and they want you to keep using their product so they keep making money.  When the database has it’s fingers in every aspect of your application it’s much harder to change your mind.</a:t>
+            </a:r>
+          </a:p>
+          <a:p>
+            <a:endParaRPr lang="en-US" baseline="0" dirty="0" smtClean="0"/>
+          </a:p>
+          <a:p>
+            <a:r>
+              <a:rPr lang="en-US" dirty="0" smtClean="0"/>
+              <a:t>So let’s weigh</a:t>
+            </a:r>
+            <a:r>
+              <a:rPr lang="en-US" baseline="0" dirty="0" smtClean="0"/>
+              <a:t> the pros and cons of tightly integrating with the database versus loosely integrating with the database.  There are additional features we could use in </a:t>
+            </a:r>
+            <a:r>
+              <a:rPr lang="en-US" baseline="0" dirty="0" err="1" smtClean="0"/>
+              <a:t>RavenDB</a:t>
+            </a:r>
+            <a:r>
+              <a:rPr lang="en-US" baseline="0" dirty="0" smtClean="0"/>
+              <a:t>, but we have to consider what we’ll do when we need something that isn’t provided out of the box.  Are there extensibility points that can take us from 80% of the way there to 100%, or will we hit a brick wall and watch our velocity drop to zero?  We also have to keep in mind how difficult it’d be to change to a different database in the future.</a:t>
+            </a:r>
+          </a:p>
+          <a:p>
+            <a:endParaRPr lang="en-US" baseline="0" dirty="0" smtClean="0"/>
+          </a:p>
+          <a:p>
+            <a:r>
+              <a:rPr lang="en-US" baseline="0" dirty="0" smtClean="0"/>
+              <a:t>On the other hand loosely integrating means there might be features that’d be useful to us, but that we hold off on using until we know that it’s working out for us long term.</a:t>
+            </a:r>
+            <a:endParaRPr lang="en-US" dirty="0"/>
+          </a:p>
+        </p:txBody>
+      </p:sp>
+      <p:sp>
+        <p:nvSpPr>
+          <p:cNvPr id="4" name="Slide Number Placeholder 3"/>
+          <p:cNvSpPr>
+            <a:spLocks noGrp="1"/>
+          </p:cNvSpPr>
+          <p:nvPr>
+            <p:ph type="sldNum" sz="quarter" idx="10"/>
+          </p:nvPr>
+        </p:nvSpPr>
+        <p:spPr/>
+        <p:txBody>
+          <a:bodyPr/>
+          <a:lstStyle/>
+          <a:p>
+            <a:fld id="{9EA69067-E6A7-4411-95E7-7AC23FA09CA0}" type="slidenum">
+              <a:rPr lang="en-US" smtClean="0"/>
+              <a:t>2</a:t>
+            </a:fld>
+            <a:endParaRPr lang="en-US"/>
+          </a:p>
+        </p:txBody>
+      </p:sp>
+    </p:spTree>
+    <p:extLst>
+      <p:ext uri="{BB962C8B-B14F-4D97-AF65-F5344CB8AC3E}">
+        <p14:creationId xmlns:p14="http://schemas.microsoft.com/office/powerpoint/2010/main" val="554403629"/>
+      </p:ext>
+    </p:extLst>
+  </p:cSld>
+  <p:clrMapOvr>
+    <a:masterClrMapping/>
+  </p:clrMapOvr>
+</p:notes>
+</file>
+
+<file path=ppt/notesSlides/notesSlide3.xml><?xml version="1.0" encoding="utf-8"?>
+<p:notes xmlns:a="http://schemas.openxmlformats.org/drawingml/2006/main" xmlns:r="http://schemas.openxmlformats.org/officeDocument/2006/relationships" xmlns:p="http://schemas.openxmlformats.org/presentationml/2006/main">
+  <p:cSld>
+    <p:spTree>
+      <p:nvGrpSpPr>
+        <p:cNvPr id="1" name=""/>
+        <p:cNvGrpSpPr/>
+        <p:nvPr/>
+      </p:nvGrpSpPr>
+      <p:grpSpPr>
+        <a:xfrm>
+          <a:off x="0" y="0"/>
+          <a:ext cx="0" cy="0"/>
+          <a:chOff x="0" y="0"/>
+          <a:chExt cx="0" cy="0"/>
+        </a:xfrm>
+      </p:grpSpPr>
+      <p:sp>
+        <p:nvSpPr>
+          <p:cNvPr id="2" name="Slide Image Placeholder 1"/>
+          <p:cNvSpPr>
+            <a:spLocks noGrp="1" noRot="1" noChangeAspect="1"/>
+          </p:cNvSpPr>
+          <p:nvPr>
+            <p:ph type="sldImg"/>
+          </p:nvPr>
+        </p:nvSpPr>
+        <p:spPr/>
+      </p:sp>
+      <p:sp>
+        <p:nvSpPr>
+          <p:cNvPr id="3" name="Notes Placeholder 2"/>
+          <p:cNvSpPr>
+            <a:spLocks noGrp="1"/>
+          </p:cNvSpPr>
+          <p:nvPr>
+            <p:ph type="body" idx="1"/>
+          </p:nvPr>
+        </p:nvSpPr>
+        <p:spPr/>
+        <p:txBody>
+          <a:bodyPr/>
+          <a:lstStyle/>
+          <a:p>
+            <a:r>
+              <a:rPr lang="en-US" dirty="0" smtClean="0"/>
+              <a:t>I find automatic</a:t>
+            </a:r>
+            <a:r>
+              <a:rPr lang="en-US" baseline="0" dirty="0" smtClean="0"/>
+              <a:t> indexes to be a good starting point for most queries, but there a few caveats with them.  First, </a:t>
+            </a:r>
+            <a:r>
+              <a:rPr lang="en-US" baseline="0" dirty="0" err="1" smtClean="0"/>
+              <a:t>RavenDB</a:t>
+            </a:r>
+            <a:r>
+              <a:rPr lang="en-US" baseline="0" dirty="0" smtClean="0"/>
+              <a:t> can only generate indexes for simple queries, and we’ve seen a few cases where the auto-index of a moderately complex query returned the wrong data.  You’ll want to be sure to have tests for your queries.</a:t>
+            </a:r>
+          </a:p>
+          <a:p>
+            <a:endParaRPr lang="en-US" baseline="0" dirty="0" smtClean="0"/>
+          </a:p>
+          <a:p>
+            <a:r>
+              <a:rPr lang="en-US" baseline="0" dirty="0" smtClean="0"/>
+              <a:t>The traditional type of index in </a:t>
+            </a:r>
+            <a:r>
+              <a:rPr lang="en-US" baseline="0" dirty="0" err="1" smtClean="0"/>
+              <a:t>RavenDB</a:t>
+            </a:r>
+            <a:r>
+              <a:rPr lang="en-US" baseline="0" dirty="0" smtClean="0"/>
+              <a:t> is known as a static index.  The </a:t>
+            </a:r>
+            <a:r>
+              <a:rPr lang="en-US" baseline="0" dirty="0" err="1" smtClean="0"/>
+              <a:t>RavenDB</a:t>
+            </a:r>
+            <a:r>
+              <a:rPr lang="en-US" baseline="0" dirty="0" smtClean="0"/>
+              <a:t> documentation still says that static indexes are the recommended way to do most queries.  Static indexes can be created from the management studio or from your application.  The benefit of creating them within your application is that you get the usual compile-time checks and </a:t>
+            </a:r>
+            <a:r>
+              <a:rPr lang="en-US" baseline="0" dirty="0" err="1" smtClean="0"/>
+              <a:t>intellisense</a:t>
+            </a:r>
+            <a:r>
+              <a:rPr lang="en-US" baseline="0" dirty="0" smtClean="0"/>
+              <a:t>.</a:t>
+            </a:r>
+          </a:p>
+          <a:p>
+            <a:endParaRPr lang="en-US" baseline="0" dirty="0" smtClean="0"/>
+          </a:p>
+          <a:p>
+            <a:r>
+              <a:rPr lang="en-US" baseline="0" dirty="0" smtClean="0"/>
+              <a:t>If you need to modify an index in the management studio and haven’t yet deployed the update to the index definition in your application, you can lock the index in the studio so it won’t revert back when the application restarts.</a:t>
+            </a:r>
+          </a:p>
+          <a:p>
+            <a:endParaRPr lang="en-US" baseline="0" dirty="0" smtClean="0"/>
+          </a:p>
+          <a:p>
+            <a:r>
+              <a:rPr lang="en-US" baseline="0" dirty="0" smtClean="0"/>
+              <a:t>There are a lot of other things you can do with indexes that I won’t cover now, but they’re all covered in the online documentation.</a:t>
+            </a:r>
+          </a:p>
+        </p:txBody>
+      </p:sp>
+      <p:sp>
+        <p:nvSpPr>
+          <p:cNvPr id="4" name="Slide Number Placeholder 3"/>
+          <p:cNvSpPr>
+            <a:spLocks noGrp="1"/>
+          </p:cNvSpPr>
+          <p:nvPr>
+            <p:ph type="sldNum" sz="quarter" idx="10"/>
+          </p:nvPr>
+        </p:nvSpPr>
+        <p:spPr/>
+        <p:txBody>
+          <a:bodyPr/>
+          <a:lstStyle/>
+          <a:p>
+            <a:fld id="{9EA69067-E6A7-4411-95E7-7AC23FA09CA0}" type="slidenum">
+              <a:rPr lang="en-US" smtClean="0"/>
+              <a:t>4</a:t>
+            </a:fld>
+            <a:endParaRPr lang="en-US"/>
+          </a:p>
+        </p:txBody>
+      </p:sp>
+    </p:spTree>
+    <p:extLst>
+      <p:ext uri="{BB962C8B-B14F-4D97-AF65-F5344CB8AC3E}">
+        <p14:creationId xmlns:p14="http://schemas.microsoft.com/office/powerpoint/2010/main" val="2635129486"/>
+      </p:ext>
+    </p:extLst>
+  </p:cSld>
+  <p:clrMapOvr>
+    <a:masterClrMapping/>
+  </p:clrMapOvr>
+</p:notes>
+</file>
+
+<file path=ppt/notesSlides/notesSlide4.xml><?xml version="1.0" encoding="utf-8"?>
+<p:notes xmlns:a="http://schemas.openxmlformats.org/drawingml/2006/main" xmlns:r="http://schemas.openxmlformats.org/officeDocument/2006/relationships" xmlns:p="http://schemas.openxmlformats.org/presentationml/2006/main">
+  <p:cSld>
+    <p:spTree>
+      <p:nvGrpSpPr>
+        <p:cNvPr id="1" name=""/>
+        <p:cNvGrpSpPr/>
+        <p:nvPr/>
+      </p:nvGrpSpPr>
+      <p:grpSpPr>
+        <a:xfrm>
+          <a:off x="0" y="0"/>
+          <a:ext cx="0" cy="0"/>
+          <a:chOff x="0" y="0"/>
+          <a:chExt cx="0" cy="0"/>
+        </a:xfrm>
+      </p:grpSpPr>
+      <p:sp>
+        <p:nvSpPr>
+          <p:cNvPr id="2" name="Slide Image Placeholder 1"/>
+          <p:cNvSpPr>
+            <a:spLocks noGrp="1" noRot="1" noChangeAspect="1"/>
+          </p:cNvSpPr>
+          <p:nvPr>
+            <p:ph type="sldImg"/>
+          </p:nvPr>
+        </p:nvSpPr>
+        <p:spPr/>
+      </p:sp>
+      <p:sp>
+        <p:nvSpPr>
+          <p:cNvPr id="3" name="Notes Placeholder 2"/>
+          <p:cNvSpPr>
+            <a:spLocks noGrp="1"/>
+          </p:cNvSpPr>
+          <p:nvPr>
+            <p:ph type="body" idx="1"/>
+          </p:nvPr>
+        </p:nvSpPr>
+        <p:spPr/>
+        <p:txBody>
+          <a:bodyPr/>
+          <a:lstStyle/>
+          <a:p>
+            <a:r>
+              <a:rPr lang="en-US" dirty="0" smtClean="0"/>
+              <a:t>Can anyone tell me the difference</a:t>
+            </a:r>
+            <a:r>
+              <a:rPr lang="en-US" baseline="0" dirty="0" smtClean="0"/>
+              <a:t> between scalability and high availability?</a:t>
+            </a:r>
+          </a:p>
+          <a:p>
+            <a:r>
+              <a:rPr lang="en-US" baseline="0" dirty="0" smtClean="0"/>
+              <a:t>Scalability – performance, the ability to handle the number of users of your system</a:t>
+            </a:r>
+          </a:p>
+          <a:p>
+            <a:r>
+              <a:rPr lang="en-US" baseline="0" dirty="0" smtClean="0"/>
+              <a:t>High Availability – uptime, the ability to continue operating when one or more servers go down</a:t>
+            </a:r>
+            <a:endParaRPr lang="en-US" dirty="0"/>
+          </a:p>
+        </p:txBody>
+      </p:sp>
+      <p:sp>
+        <p:nvSpPr>
+          <p:cNvPr id="4" name="Slide Number Placeholder 3"/>
+          <p:cNvSpPr>
+            <a:spLocks noGrp="1"/>
+          </p:cNvSpPr>
+          <p:nvPr>
+            <p:ph type="sldNum" sz="quarter" idx="10"/>
+          </p:nvPr>
+        </p:nvSpPr>
+        <p:spPr/>
+        <p:txBody>
+          <a:bodyPr/>
+          <a:lstStyle/>
+          <a:p>
+            <a:fld id="{9EA69067-E6A7-4411-95E7-7AC23FA09CA0}" type="slidenum">
+              <a:rPr lang="en-US" smtClean="0"/>
+              <a:t>5</a:t>
+            </a:fld>
+            <a:endParaRPr lang="en-US"/>
+          </a:p>
+        </p:txBody>
+      </p:sp>
+    </p:spTree>
+    <p:extLst>
+      <p:ext uri="{BB962C8B-B14F-4D97-AF65-F5344CB8AC3E}">
+        <p14:creationId xmlns:p14="http://schemas.microsoft.com/office/powerpoint/2010/main" val="503015712"/>
+      </p:ext>
+    </p:extLst>
+  </p:cSld>
+  <p:clrMapOvr>
+    <a:masterClrMapping/>
+  </p:clrMapOvr>
+</p:notes>
+</file>
+
+<file path=ppt/notesSlides/notesSlide5.xml><?xml version="1.0" encoding="utf-8"?>
+<p:notes xmlns:a="http://schemas.openxmlformats.org/drawingml/2006/main" xmlns:r="http://schemas.openxmlformats.org/officeDocument/2006/relationships" xmlns:p="http://schemas.openxmlformats.org/presentationml/2006/main">
+  <p:cSld>
+    <p:spTree>
+      <p:nvGrpSpPr>
+        <p:cNvPr id="1" name=""/>
+        <p:cNvGrpSpPr/>
+        <p:nvPr/>
+      </p:nvGrpSpPr>
+      <p:grpSpPr>
+        <a:xfrm>
+          <a:off x="0" y="0"/>
+          <a:ext cx="0" cy="0"/>
+          <a:chOff x="0" y="0"/>
+          <a:chExt cx="0" cy="0"/>
+        </a:xfrm>
+      </p:grpSpPr>
+      <p:sp>
+        <p:nvSpPr>
+          <p:cNvPr id="2" name="Slide Image Placeholder 1"/>
+          <p:cNvSpPr>
+            <a:spLocks noGrp="1" noRot="1" noChangeAspect="1"/>
+          </p:cNvSpPr>
+          <p:nvPr>
+            <p:ph type="sldImg"/>
+          </p:nvPr>
+        </p:nvSpPr>
+        <p:spPr/>
+      </p:sp>
+      <p:sp>
+        <p:nvSpPr>
+          <p:cNvPr id="3" name="Notes Placeholder 2"/>
+          <p:cNvSpPr>
+            <a:spLocks noGrp="1"/>
+          </p:cNvSpPr>
+          <p:nvPr>
+            <p:ph type="body" idx="1"/>
+          </p:nvPr>
+        </p:nvSpPr>
+        <p:spPr/>
+        <p:txBody>
+          <a:bodyPr/>
+          <a:lstStyle/>
+          <a:p>
+            <a:r>
+              <a:rPr lang="en-US" dirty="0" smtClean="0"/>
+              <a:t>When using replication,</a:t>
+            </a:r>
+            <a:r>
+              <a:rPr lang="en-US" baseline="0" dirty="0" smtClean="0"/>
+              <a:t> there is a chance that </a:t>
+            </a:r>
+            <a:r>
+              <a:rPr lang="en-US" baseline="0" dirty="0" err="1" smtClean="0"/>
+              <a:t>RavenDB</a:t>
+            </a:r>
+            <a:r>
+              <a:rPr lang="en-US" baseline="0" dirty="0" smtClean="0"/>
+              <a:t> will encounter a conflict when it replicates the document from one server to another.  This happens when the document was updated on the destination server and differs from the document on the source server.  The most common way this can happen is when the master server goes down in the short time between a document being updated and it getting replicated to the secondary server.  Then the document is changed on the secondary and the conflict is created when the master comes back up and resumes replication.  </a:t>
+            </a:r>
+          </a:p>
+          <a:p>
+            <a:endParaRPr lang="en-US" baseline="0" dirty="0" smtClean="0"/>
+          </a:p>
+          <a:p>
+            <a:r>
+              <a:rPr lang="en-US" baseline="0" dirty="0" smtClean="0"/>
+              <a:t>Usually the replication occurs so quickly that it’s highly unlikely this would happen.  Other ways this may happen is if an application is writing directly to the secondary database.</a:t>
+            </a:r>
+          </a:p>
+          <a:p>
+            <a:endParaRPr lang="en-US" baseline="0" dirty="0" smtClean="0"/>
+          </a:p>
+          <a:p>
+            <a:r>
+              <a:rPr lang="en-US" dirty="0" smtClean="0"/>
+              <a:t>Conflicts</a:t>
+            </a:r>
+            <a:r>
+              <a:rPr lang="en-US" baseline="0" dirty="0" smtClean="0"/>
+              <a:t> can be resolved in the studio (demo).</a:t>
+            </a:r>
+          </a:p>
+          <a:p>
+            <a:endParaRPr lang="en-US" baseline="0" dirty="0" smtClean="0"/>
+          </a:p>
+          <a:p>
+            <a:r>
+              <a:rPr lang="en-US" baseline="0" dirty="0" smtClean="0"/>
+              <a:t>Conflicts can also be resolved by wrapping your Load() or Query() in a try/catch handling the </a:t>
+            </a:r>
+            <a:r>
+              <a:rPr lang="en-US" baseline="0" dirty="0" err="1" smtClean="0"/>
+              <a:t>ConflictException</a:t>
+            </a:r>
+            <a:r>
+              <a:rPr lang="en-US" baseline="0" dirty="0" smtClean="0"/>
+              <a:t> by pushing a resolved version of the document to the server.  This is generally a bad idea because you’d have to catch the exception in every place that you call Load() or Query().</a:t>
+            </a:r>
+          </a:p>
+          <a:p>
+            <a:endParaRPr lang="en-US" baseline="0" dirty="0" smtClean="0"/>
+          </a:p>
+          <a:p>
+            <a:r>
+              <a:rPr lang="en-US" dirty="0" smtClean="0"/>
+              <a:t>One</a:t>
+            </a:r>
+            <a:r>
+              <a:rPr lang="en-US" baseline="0" dirty="0" smtClean="0"/>
+              <a:t> way you can handle conflicts across your whole application is to implement an </a:t>
+            </a:r>
+            <a:r>
+              <a:rPr lang="en-US" baseline="0" dirty="0" err="1" smtClean="0"/>
+              <a:t>IDocumentConflictListener</a:t>
+            </a:r>
+            <a:r>
+              <a:rPr lang="en-US" baseline="0" dirty="0" smtClean="0"/>
+              <a:t> and resolve the conflict however works best for your application.</a:t>
+            </a:r>
+          </a:p>
+          <a:p>
+            <a:endParaRPr lang="en-US" baseline="0" dirty="0" smtClean="0"/>
+          </a:p>
+          <a:p>
+            <a:r>
+              <a:rPr lang="en-US" baseline="0" dirty="0" smtClean="0"/>
+              <a:t>You can also resolve conflicts server-wide by dropping in a plugin that contains an implementation of </a:t>
+            </a:r>
+            <a:r>
+              <a:rPr lang="en-US" baseline="0" dirty="0" err="1" smtClean="0"/>
+              <a:t>AbstractDocumentReplicationConflictResolver</a:t>
+            </a:r>
+            <a:r>
+              <a:rPr lang="en-US" baseline="0" dirty="0" smtClean="0"/>
+              <a:t>.  Demo example of </a:t>
+            </a:r>
+            <a:r>
+              <a:rPr lang="en-US" sz="1200" kern="1200" dirty="0" err="1" smtClean="0">
+                <a:solidFill>
+                  <a:schemeClr val="tx1"/>
+                </a:solidFill>
+                <a:latin typeface="+mn-lt"/>
+                <a:ea typeface="+mn-ea"/>
+                <a:cs typeface="+mn-cs"/>
+              </a:rPr>
+              <a:t>LastInWinsReplicationConflictResolver</a:t>
+            </a:r>
+            <a:endParaRPr lang="en-US" dirty="0"/>
+          </a:p>
+        </p:txBody>
+      </p:sp>
+      <p:sp>
+        <p:nvSpPr>
+          <p:cNvPr id="4" name="Slide Number Placeholder 3"/>
+          <p:cNvSpPr>
+            <a:spLocks noGrp="1"/>
+          </p:cNvSpPr>
+          <p:nvPr>
+            <p:ph type="sldNum" sz="quarter" idx="10"/>
+          </p:nvPr>
+        </p:nvSpPr>
+        <p:spPr/>
+        <p:txBody>
+          <a:bodyPr/>
+          <a:lstStyle/>
+          <a:p>
+            <a:fld id="{9EA69067-E6A7-4411-95E7-7AC23FA09CA0}" type="slidenum">
+              <a:rPr lang="en-US" smtClean="0"/>
+              <a:t>6</a:t>
+            </a:fld>
+            <a:endParaRPr lang="en-US"/>
+          </a:p>
+        </p:txBody>
+      </p:sp>
+    </p:spTree>
+    <p:extLst>
+      <p:ext uri="{BB962C8B-B14F-4D97-AF65-F5344CB8AC3E}">
+        <p14:creationId xmlns:p14="http://schemas.microsoft.com/office/powerpoint/2010/main" val="469563097"/>
+      </p:ext>
+    </p:extLst>
+  </p:cSld>
+  <p:clrMapOvr>
+    <a:masterClrMapping/>
+  </p:clrMapOvr>
+</p:notes>
+</file>
+
+<file path=ppt/notesSlides/notesSlide6.xml><?xml version="1.0" encoding="utf-8"?>
+<p:notes xmlns:a="http://schemas.openxmlformats.org/drawingml/2006/main" xmlns:r="http://schemas.openxmlformats.org/officeDocument/2006/relationships" xmlns:p="http://schemas.openxmlformats.org/presentationml/2006/main">
+  <p:cSld>
+    <p:spTree>
+      <p:nvGrpSpPr>
+        <p:cNvPr id="1" name=""/>
+        <p:cNvGrpSpPr/>
+        <p:nvPr/>
+      </p:nvGrpSpPr>
+      <p:grpSpPr>
+        <a:xfrm>
+          <a:off x="0" y="0"/>
+          <a:ext cx="0" cy="0"/>
+          <a:chOff x="0" y="0"/>
+          <a:chExt cx="0" cy="0"/>
+        </a:xfrm>
+      </p:grpSpPr>
+      <p:sp>
+        <p:nvSpPr>
+          <p:cNvPr id="2" name="Slide Image Placeholder 1"/>
+          <p:cNvSpPr>
+            <a:spLocks noGrp="1" noRot="1" noChangeAspect="1"/>
+          </p:cNvSpPr>
+          <p:nvPr>
+            <p:ph type="sldImg"/>
+          </p:nvPr>
+        </p:nvSpPr>
+        <p:spPr/>
+      </p:sp>
+      <p:sp>
+        <p:nvSpPr>
+          <p:cNvPr id="3" name="Notes Placeholder 2"/>
+          <p:cNvSpPr>
+            <a:spLocks noGrp="1"/>
+          </p:cNvSpPr>
+          <p:nvPr>
+            <p:ph type="body" idx="1"/>
+          </p:nvPr>
+        </p:nvSpPr>
+        <p:spPr/>
+        <p:txBody>
+          <a:bodyPr/>
+          <a:lstStyle/>
+          <a:p>
+            <a:endParaRPr lang="en-US" dirty="0"/>
+          </a:p>
+        </p:txBody>
+      </p:sp>
+      <p:sp>
+        <p:nvSpPr>
+          <p:cNvPr id="4" name="Slide Number Placeholder 3"/>
+          <p:cNvSpPr>
+            <a:spLocks noGrp="1"/>
+          </p:cNvSpPr>
+          <p:nvPr>
+            <p:ph type="sldNum" sz="quarter" idx="10"/>
+          </p:nvPr>
+        </p:nvSpPr>
+        <p:spPr/>
+        <p:txBody>
+          <a:bodyPr/>
+          <a:lstStyle/>
+          <a:p>
+            <a:fld id="{9EA69067-E6A7-4411-95E7-7AC23FA09CA0}" type="slidenum">
+              <a:rPr lang="en-US" smtClean="0"/>
+              <a:t>7</a:t>
+            </a:fld>
+            <a:endParaRPr lang="en-US"/>
+          </a:p>
+        </p:txBody>
+      </p:sp>
+    </p:spTree>
+    <p:extLst>
+      <p:ext uri="{BB962C8B-B14F-4D97-AF65-F5344CB8AC3E}">
+        <p14:creationId xmlns:p14="http://schemas.microsoft.com/office/powerpoint/2010/main" val="1422483414"/>
+      </p:ext>
+    </p:extLst>
+  </p:cSld>
+  <p:clrMapOvr>
+    <a:masterClrMapping/>
+  </p:clrMapOvr>
+</p:notes>
+</file>
+
 <file path=ppt/slideLayouts/slideLayout1.xml><?xml version="1.0" encoding="utf-8"?>
 <p:sldLayout xmlns:a="http://schemas.openxmlformats.org/drawingml/2006/main" xmlns:r="http://schemas.openxmlformats.org/officeDocument/2006/relationships" xmlns:p="http://schemas.openxmlformats.org/presentationml/2006/main" type="title" preserve="1">
   <p:cSld name="Title Slide">
@@ -139,19 +1295,30 @@
         </p:nvSpPr>
         <p:spPr>
           <a:xfrm>
-            <a:off x="685800" y="2130425"/>
-            <a:ext cx="7772400" cy="1470025"/>
+            <a:off x="685800" y="1905000"/>
+            <a:ext cx="7543800" cy="2593975"/>
           </a:xfrm>
         </p:spPr>
         <p:txBody>
-          <a:bodyPr/>
-          <a:lstStyle/>
+          <a:bodyPr anchor="b"/>
+          <a:lstStyle>
+            <a:lvl1pPr>
+              <a:defRPr sz="6600">
+                <a:ln>
+                  <a:noFill/>
+                </a:ln>
+                <a:solidFill>
+                  <a:schemeClr val="tx2"/>
+                </a:solidFill>
+              </a:defRPr>
+            </a:lvl1pPr>
+          </a:lstStyle>
           <a:p>
             <a:r>
               <a:rPr lang="en-US" smtClean="0"/>
               <a:t>Click to edit Master title style</a:t>
             </a:r>
-            <a:endParaRPr lang="en-US"/>
+            <a:endParaRPr lang="en-US" dirty="0"/>
           </a:p>
         </p:txBody>
       </p:sp>
@@ -167,16 +1334,18 @@
         </p:nvSpPr>
         <p:spPr>
           <a:xfrm>
-            <a:off x="1371600" y="3886200"/>
-            <a:ext cx="6400800" cy="1752600"/>
+            <a:off x="685800" y="4572000"/>
+            <a:ext cx="6461760" cy="1066800"/>
           </a:xfrm>
         </p:spPr>
         <p:txBody>
-          <a:bodyPr/>
+          <a:bodyPr anchor="t">
+            <a:normAutofit/>
+          </a:bodyPr>
           <a:lstStyle>
-            <a:lvl1pPr marL="0" indent="0" algn="ctr">
+            <a:lvl1pPr marL="0" indent="0" algn="l">
               <a:buNone/>
-              <a:defRPr>
+              <a:defRPr sz="2000">
                 <a:solidFill>
                   <a:schemeClr val="tx1">
                     <a:tint val="75000"/>
@@ -270,7 +1439,7 @@
               <a:rPr lang="en-US" smtClean="0"/>
               <a:t>Click to edit Master subtitle style</a:t>
             </a:r>
-            <a:endParaRPr lang="en-US"/>
+            <a:endParaRPr lang="en-US" dirty="0"/>
           </a:p>
         </p:txBody>
       </p:sp>
@@ -292,7 +1461,7 @@
             <a:fld id="{1D8BD707-D9CF-40AE-B4C6-C98DA3205C09}" type="datetimeFigureOut">
               <a:rPr lang="en-US" smtClean="0"/>
               <a:pPr/>
-              <a:t>2/4/2014</a:t>
+              <a:t>2/13/2014</a:t>
             </a:fld>
             <a:endParaRPr lang="en-US"/>
           </a:p>
@@ -459,7 +1628,7 @@
             <a:fld id="{1D8BD707-D9CF-40AE-B4C6-C98DA3205C09}" type="datetimeFigureOut">
               <a:rPr lang="en-US" smtClean="0"/>
               <a:pPr/>
-              <a:t>2/4/2014</a:t>
+              <a:t>2/13/2014</a:t>
             </a:fld>
             <a:endParaRPr lang="en-US"/>
           </a:p>
@@ -546,18 +1715,18 @@
         <p:spPr>
           <a:xfrm>
             <a:off x="6629400" y="274638"/>
-            <a:ext cx="2057400" cy="5851525"/>
+            <a:ext cx="1752600" cy="5851525"/>
           </a:xfrm>
         </p:spPr>
         <p:txBody>
-          <a:bodyPr vert="eaVert"/>
+          <a:bodyPr vert="eaVert" anchor="b" anchorCtr="0"/>
           <a:lstStyle/>
           <a:p>
             <a:r>
               <a:rPr lang="en-US" smtClean="0"/>
               <a:t>Click to edit Master title style</a:t>
             </a:r>
-            <a:endParaRPr lang="en-US"/>
+            <a:endParaRPr lang="en-US" dirty="0"/>
           </a:p>
         </p:txBody>
       </p:sp>
@@ -636,7 +1805,7 @@
             <a:fld id="{1D8BD707-D9CF-40AE-B4C6-C98DA3205C09}" type="datetimeFigureOut">
               <a:rPr lang="en-US" smtClean="0"/>
               <a:pPr/>
-              <a:t>2/4/2014</a:t>
+              <a:t>2/13/2014</a:t>
             </a:fld>
             <a:endParaRPr lang="en-US"/>
           </a:p>
@@ -803,7 +1972,7 @@
             <a:fld id="{1D8BD707-D9CF-40AE-B4C6-C98DA3205C09}" type="datetimeFigureOut">
               <a:rPr lang="en-US" smtClean="0"/>
               <a:pPr/>
-              <a:t>2/4/2014</a:t>
+              <a:t>2/13/2014</a:t>
             </a:fld>
             <a:endParaRPr lang="en-US"/>
           </a:p>
@@ -889,15 +2058,15 @@
         </p:nvSpPr>
         <p:spPr>
           <a:xfrm>
-            <a:off x="722313" y="4406900"/>
-            <a:ext cx="7772400" cy="1362075"/>
+            <a:off x="722313" y="5486400"/>
+            <a:ext cx="7659687" cy="1168400"/>
           </a:xfrm>
         </p:spPr>
         <p:txBody>
           <a:bodyPr anchor="t"/>
           <a:lstStyle>
             <a:lvl1pPr algn="l">
-              <a:defRPr sz="4000" b="1" cap="all"/>
+              <a:defRPr sz="3600" b="0" cap="all"/>
             </a:lvl1pPr>
           </a:lstStyle>
           <a:p>
@@ -905,7 +2074,7 @@
               <a:rPr lang="en-US" smtClean="0"/>
               <a:t>Click to edit Master title style</a:t>
             </a:r>
-            <a:endParaRPr lang="en-US"/>
+            <a:endParaRPr lang="en-US" dirty="0"/>
           </a:p>
         </p:txBody>
       </p:sp>
@@ -921,8 +2090,8 @@
         </p:nvSpPr>
         <p:spPr>
           <a:xfrm>
-            <a:off x="722313" y="2906713"/>
-            <a:ext cx="7772400" cy="1500187"/>
+            <a:off x="722313" y="3852863"/>
+            <a:ext cx="6135687" cy="1633538"/>
           </a:xfrm>
         </p:spPr>
         <p:txBody>
@@ -1046,7 +2215,7 @@
             <a:fld id="{1D8BD707-D9CF-40AE-B4C6-C98DA3205C09}" type="datetimeFigureOut">
               <a:rPr lang="en-US" smtClean="0"/>
               <a:pPr/>
-              <a:t>2/4/2014</a:t>
+              <a:t>2/13/2014</a:t>
             </a:fld>
             <a:endParaRPr lang="en-US"/>
           </a:p>
@@ -1155,8 +2324,8 @@
         </p:nvSpPr>
         <p:spPr>
           <a:xfrm>
-            <a:off x="457200" y="1600200"/>
-            <a:ext cx="4038600" cy="4525963"/>
+            <a:off x="457200" y="1536192"/>
+            <a:ext cx="3657600" cy="4590288"/>
           </a:xfrm>
         </p:spPr>
         <p:txBody>
@@ -1224,7 +2393,7 @@
               <a:rPr lang="en-US" smtClean="0"/>
               <a:t>Fifth level</a:t>
             </a:r>
-            <a:endParaRPr lang="en-US"/>
+            <a:endParaRPr lang="en-US" dirty="0"/>
           </a:p>
         </p:txBody>
       </p:sp>
@@ -1240,8 +2409,8 @@
         </p:nvSpPr>
         <p:spPr>
           <a:xfrm>
-            <a:off x="4648200" y="1600200"/>
-            <a:ext cx="4038600" cy="4525963"/>
+            <a:off x="4419600" y="1536192"/>
+            <a:ext cx="3657600" cy="4590288"/>
           </a:xfrm>
         </p:spPr>
         <p:txBody>
@@ -1309,7 +2478,7 @@
               <a:rPr lang="en-US" smtClean="0"/>
               <a:t>Fifth level</a:t>
             </a:r>
-            <a:endParaRPr lang="en-US"/>
+            <a:endParaRPr lang="en-US" dirty="0"/>
           </a:p>
         </p:txBody>
       </p:sp>
@@ -1331,7 +2500,7 @@
             <a:fld id="{1D8BD707-D9CF-40AE-B4C6-C98DA3205C09}" type="datetimeFigureOut">
               <a:rPr lang="en-US" smtClean="0"/>
               <a:pPr/>
-              <a:t>2/4/2014</a:t>
+              <a:t>2/13/2014</a:t>
             </a:fld>
             <a:endParaRPr lang="en-US"/>
           </a:p>
@@ -1445,15 +2614,21 @@
         <p:spPr>
           <a:xfrm>
             <a:off x="457200" y="1535113"/>
-            <a:ext cx="4040188" cy="639762"/>
+            <a:ext cx="3657600" cy="639762"/>
           </a:xfrm>
         </p:spPr>
         <p:txBody>
-          <a:bodyPr anchor="b"/>
+          <a:bodyPr anchor="b">
+            <a:noAutofit/>
+          </a:bodyPr>
           <a:lstStyle>
-            <a:lvl1pPr marL="0" indent="0">
+            <a:lvl1pPr marL="0" indent="0" algn="ctr">
               <a:buNone/>
-              <a:defRPr sz="2400" b="1"/>
+              <a:defRPr sz="2000" b="1">
+                <a:solidFill>
+                  <a:schemeClr val="tx2"/>
+                </a:solidFill>
+              </a:defRPr>
             </a:lvl1pPr>
             <a:lvl2pPr marL="457200" indent="0">
               <a:buNone/>
@@ -1510,7 +2685,7 @@
         <p:spPr>
           <a:xfrm>
             <a:off x="457200" y="2174875"/>
-            <a:ext cx="4040188" cy="3951288"/>
+            <a:ext cx="3657600" cy="3951288"/>
           </a:xfrm>
         </p:spPr>
         <p:txBody>
@@ -1578,7 +2753,7 @@
               <a:rPr lang="en-US" smtClean="0"/>
               <a:t>Fifth level</a:t>
             </a:r>
-            <a:endParaRPr lang="en-US"/>
+            <a:endParaRPr lang="en-US" dirty="0"/>
           </a:p>
         </p:txBody>
       </p:sp>
@@ -1594,16 +2769,22 @@
         </p:nvSpPr>
         <p:spPr>
           <a:xfrm>
-            <a:off x="4645025" y="1535113"/>
-            <a:ext cx="4041775" cy="639762"/>
+            <a:off x="4419600" y="1535113"/>
+            <a:ext cx="3657600" cy="639762"/>
           </a:xfrm>
         </p:spPr>
         <p:txBody>
-          <a:bodyPr anchor="b"/>
+          <a:bodyPr anchor="b">
+            <a:noAutofit/>
+          </a:bodyPr>
           <a:lstStyle>
-            <a:lvl1pPr marL="0" indent="0">
+            <a:lvl1pPr marL="0" indent="0" algn="ctr">
               <a:buNone/>
-              <a:defRPr sz="2400" b="1"/>
+              <a:defRPr sz="2000" b="1">
+                <a:solidFill>
+                  <a:schemeClr val="tx2"/>
+                </a:solidFill>
+              </a:defRPr>
             </a:lvl1pPr>
             <a:lvl2pPr marL="457200" indent="0">
               <a:buNone/>
@@ -1659,8 +2840,8 @@
         </p:nvSpPr>
         <p:spPr>
           <a:xfrm>
-            <a:off x="4645025" y="2174875"/>
-            <a:ext cx="4041775" cy="3951288"/>
+            <a:off x="4419600" y="2174875"/>
+            <a:ext cx="3657600" cy="3951288"/>
           </a:xfrm>
         </p:spPr>
         <p:txBody>
@@ -1750,7 +2931,7 @@
             <a:fld id="{1D8BD707-D9CF-40AE-B4C6-C98DA3205C09}" type="datetimeFigureOut">
               <a:rPr lang="en-US" smtClean="0"/>
               <a:pPr/>
-              <a:t>2/4/2014</a:t>
+              <a:t>2/13/2014</a:t>
             </a:fld>
             <a:endParaRPr lang="en-US"/>
           </a:p>
@@ -1865,7 +3046,7 @@
             <a:fld id="{1D8BD707-D9CF-40AE-B4C6-C98DA3205C09}" type="datetimeFigureOut">
               <a:rPr lang="en-US" smtClean="0"/>
               <a:pPr/>
-              <a:t>2/4/2014</a:t>
+              <a:t>2/13/2014</a:t>
             </a:fld>
             <a:endParaRPr lang="en-US"/>
           </a:p>
@@ -1957,7 +3138,7 @@
             <a:fld id="{1D8BD707-D9CF-40AE-B4C6-C98DA3205C09}" type="datetimeFigureOut">
               <a:rPr lang="en-US" smtClean="0"/>
               <a:pPr/>
-              <a:t>2/4/2014</a:t>
+              <a:t>2/13/2014</a:t>
             </a:fld>
             <a:endParaRPr lang="en-US"/>
           </a:p>
@@ -2043,15 +3224,15 @@
         </p:nvSpPr>
         <p:spPr>
           <a:xfrm>
-            <a:off x="457200" y="273050"/>
-            <a:ext cx="3008313" cy="1162050"/>
+            <a:off x="304801" y="5495544"/>
+            <a:ext cx="7772400" cy="594360"/>
           </a:xfrm>
         </p:spPr>
         <p:txBody>
           <a:bodyPr anchor="b"/>
           <a:lstStyle>
-            <a:lvl1pPr algn="l">
-              <a:defRPr sz="2000" b="1"/>
+            <a:lvl1pPr algn="ctr">
+              <a:defRPr sz="2200" b="1"/>
             </a:lvl1pPr>
           </a:lstStyle>
           <a:p>
@@ -2059,117 +3240,34 @@
               <a:rPr lang="en-US" smtClean="0"/>
               <a:t>Click to edit Master title style</a:t>
             </a:r>
-            <a:endParaRPr lang="en-US"/>
-          </a:p>
-        </p:txBody>
-      </p:sp>
-      <p:sp>
-        <p:nvSpPr>
-          <p:cNvPr id="3" name="Content Placeholder 2"/>
-          <p:cNvSpPr>
-            <a:spLocks noGrp="1"/>
-          </p:cNvSpPr>
-          <p:nvPr>
-            <p:ph idx="1"/>
+            <a:endParaRPr lang="en-US" dirty="0"/>
+          </a:p>
+        </p:txBody>
+      </p:sp>
+      <p:sp>
+        <p:nvSpPr>
+          <p:cNvPr id="4" name="Text Placeholder 3"/>
+          <p:cNvSpPr>
+            <a:spLocks noGrp="1"/>
+          </p:cNvSpPr>
+          <p:nvPr>
+            <p:ph type="body" sz="half" idx="2"/>
           </p:nvPr>
         </p:nvSpPr>
         <p:spPr>
           <a:xfrm>
-            <a:off x="3575050" y="273050"/>
-            <a:ext cx="5111750" cy="5853113"/>
+            <a:off x="304799" y="6096000"/>
+            <a:ext cx="7772401" cy="609600"/>
           </a:xfrm>
         </p:spPr>
         <p:txBody>
-          <a:bodyPr/>
+          <a:bodyPr>
+            <a:normAutofit/>
+          </a:bodyPr>
           <a:lstStyle>
-            <a:lvl1pPr>
-              <a:defRPr sz="3200"/>
-            </a:lvl1pPr>
-            <a:lvl2pPr>
-              <a:defRPr sz="2800"/>
-            </a:lvl2pPr>
-            <a:lvl3pPr>
-              <a:defRPr sz="2400"/>
-            </a:lvl3pPr>
-            <a:lvl4pPr>
-              <a:defRPr sz="2000"/>
-            </a:lvl4pPr>
-            <a:lvl5pPr>
-              <a:defRPr sz="2000"/>
-            </a:lvl5pPr>
-            <a:lvl6pPr>
-              <a:defRPr sz="2000"/>
-            </a:lvl6pPr>
-            <a:lvl7pPr>
-              <a:defRPr sz="2000"/>
-            </a:lvl7pPr>
-            <a:lvl8pPr>
-              <a:defRPr sz="2000"/>
-            </a:lvl8pPr>
-            <a:lvl9pPr>
-              <a:defRPr sz="2000"/>
-            </a:lvl9pPr>
-          </a:lstStyle>
-          <a:p>
-            <a:pPr lvl="0"/>
-            <a:r>
-              <a:rPr lang="en-US" smtClean="0"/>
-              <a:t>Click to edit Master text styles</a:t>
-            </a:r>
-          </a:p>
-          <a:p>
-            <a:pPr lvl="1"/>
-            <a:r>
-              <a:rPr lang="en-US" smtClean="0"/>
-              <a:t>Second level</a:t>
-            </a:r>
-          </a:p>
-          <a:p>
-            <a:pPr lvl="2"/>
-            <a:r>
-              <a:rPr lang="en-US" smtClean="0"/>
-              <a:t>Third level</a:t>
-            </a:r>
-          </a:p>
-          <a:p>
-            <a:pPr lvl="3"/>
-            <a:r>
-              <a:rPr lang="en-US" smtClean="0"/>
-              <a:t>Fourth level</a:t>
-            </a:r>
-          </a:p>
-          <a:p>
-            <a:pPr lvl="4"/>
-            <a:r>
-              <a:rPr lang="en-US" smtClean="0"/>
-              <a:t>Fifth level</a:t>
-            </a:r>
-            <a:endParaRPr lang="en-US"/>
-          </a:p>
-        </p:txBody>
-      </p:sp>
-      <p:sp>
-        <p:nvSpPr>
-          <p:cNvPr id="4" name="Text Placeholder 3"/>
-          <p:cNvSpPr>
-            <a:spLocks noGrp="1"/>
-          </p:cNvSpPr>
-          <p:nvPr>
-            <p:ph type="body" sz="half" idx="2"/>
-          </p:nvPr>
-        </p:nvSpPr>
-        <p:spPr>
-          <a:xfrm>
-            <a:off x="457200" y="1435100"/>
-            <a:ext cx="3008313" cy="4691063"/>
-          </a:xfrm>
-        </p:spPr>
-        <p:txBody>
-          <a:bodyPr/>
-          <a:lstStyle>
-            <a:lvl1pPr marL="0" indent="0">
+            <a:lvl1pPr marL="0" indent="0" algn="ctr">
               <a:buNone/>
-              <a:defRPr sz="1400"/>
+              <a:defRPr sz="1600"/>
             </a:lvl1pPr>
             <a:lvl2pPr marL="457200" indent="0">
               <a:buNone/>
@@ -2231,7 +3329,7 @@
             <a:fld id="{1D8BD707-D9CF-40AE-B4C6-C98DA3205C09}" type="datetimeFigureOut">
               <a:rPr lang="en-US" smtClean="0"/>
               <a:pPr/>
-              <a:t>2/4/2014</a:t>
+              <a:t>2/13/2014</a:t>
             </a:fld>
             <a:endParaRPr lang="en-US"/>
           </a:p>
@@ -2276,6 +3374,63 @@
               <a:pPr/>
               <a:t>‹#›</a:t>
             </a:fld>
+            <a:endParaRPr lang="en-US"/>
+          </a:p>
+        </p:txBody>
+      </p:sp>
+      <p:sp>
+        <p:nvSpPr>
+          <p:cNvPr id="9" name="Content Placeholder 8"/>
+          <p:cNvSpPr>
+            <a:spLocks noGrp="1"/>
+          </p:cNvSpPr>
+          <p:nvPr>
+            <p:ph sz="quarter" idx="13"/>
+          </p:nvPr>
+        </p:nvSpPr>
+        <p:spPr>
+          <a:xfrm>
+            <a:off x="304800" y="381000"/>
+            <a:ext cx="7772400" cy="4942840"/>
+          </a:xfrm>
+        </p:spPr>
+        <p:txBody>
+          <a:bodyPr/>
+          <a:lstStyle/>
+          <a:p>
+            <a:pPr lvl="0"/>
+            <a:r>
+              <a:rPr lang="en-US" smtClean="0"/>
+              <a:t>Click to edit Master text styles</a:t>
+            </a:r>
+          </a:p>
+          <a:p>
+            <a:pPr lvl="1"/>
+            <a:r>
+              <a:rPr lang="en-US" smtClean="0"/>
+              <a:t>Second level</a:t>
+            </a:r>
+          </a:p>
+          <a:p>
+            <a:pPr lvl="2"/>
+            <a:r>
+              <a:rPr lang="en-US" smtClean="0"/>
+              <a:t>Third level</a:t>
+            </a:r>
+          </a:p>
+          <a:p>
+            <a:pPr lvl="3"/>
+            <a:r>
+              <a:rPr lang="en-US" smtClean="0"/>
+              <a:t>Fourth level</a:t>
+            </a:r>
+          </a:p>
+          <a:p>
+            <a:pPr lvl="4"/>
+            <a:r>
+              <a:rPr lang="en-US" smtClean="0"/>
+              <a:t>Fifth level</a:t>
+            </a:r>
             <a:endParaRPr lang="en-US"/>
           </a:p>
         </p:txBody>
@@ -2317,15 +3472,22 @@
         </p:nvSpPr>
         <p:spPr>
           <a:xfrm>
-            <a:off x="1792288" y="4800600"/>
-            <a:ext cx="5486400" cy="566738"/>
+            <a:off x="301752" y="5495278"/>
+            <a:ext cx="7772400" cy="594626"/>
           </a:xfrm>
         </p:spPr>
         <p:txBody>
           <a:bodyPr anchor="b"/>
           <a:lstStyle>
-            <a:lvl1pPr algn="l">
-              <a:defRPr sz="2000" b="1"/>
+            <a:lvl1pPr algn="ctr">
+              <a:defRPr sz="2200" b="1">
+                <a:ln>
+                  <a:noFill/>
+                </a:ln>
+                <a:solidFill>
+                  <a:schemeClr val="tx2"/>
+                </a:solidFill>
+              </a:defRPr>
             </a:lvl1pPr>
           </a:lstStyle>
           <a:p>
@@ -2333,7 +3495,7 @@
               <a:rPr lang="en-US" smtClean="0"/>
               <a:t>Click to edit Master title style</a:t>
             </a:r>
-            <a:endParaRPr lang="en-US"/>
+            <a:endParaRPr lang="en-US" dirty="0"/>
           </a:p>
         </p:txBody>
       </p:sp>
@@ -2349,8 +3511,8 @@
         </p:nvSpPr>
         <p:spPr>
           <a:xfrm>
-            <a:off x="1792288" y="612775"/>
-            <a:ext cx="5486400" cy="4114800"/>
+            <a:off x="0" y="0"/>
+            <a:ext cx="8458200" cy="5486400"/>
           </a:xfrm>
         </p:spPr>
         <p:txBody>
@@ -2394,7 +3556,11 @@
             </a:lvl9pPr>
           </a:lstStyle>
           <a:p>
-            <a:endParaRPr lang="en-US"/>
+            <a:r>
+              <a:rPr lang="en-US" smtClean="0"/>
+              <a:t>Click icon to add picture</a:t>
+            </a:r>
+            <a:endParaRPr lang="en-US" dirty="0"/>
           </a:p>
         </p:txBody>
       </p:sp>
@@ -2410,16 +3576,18 @@
         </p:nvSpPr>
         <p:spPr>
           <a:xfrm>
-            <a:off x="1792288" y="5367338"/>
-            <a:ext cx="5486400" cy="804862"/>
+            <a:off x="301752" y="6096000"/>
+            <a:ext cx="7772400" cy="612648"/>
           </a:xfrm>
         </p:spPr>
         <p:txBody>
-          <a:bodyPr/>
+          <a:bodyPr>
+            <a:normAutofit/>
+          </a:bodyPr>
           <a:lstStyle>
-            <a:lvl1pPr marL="0" indent="0">
+            <a:lvl1pPr marL="0" indent="0" algn="ctr">
               <a:buNone/>
-              <a:defRPr sz="1400"/>
+              <a:defRPr sz="1600"/>
             </a:lvl1pPr>
             <a:lvl2pPr marL="457200" indent="0">
               <a:buNone/>
@@ -2465,7 +3633,7 @@
       </p:sp>
       <p:sp>
         <p:nvSpPr>
-          <p:cNvPr id="5" name="Date Placeholder 4"/>
+          <p:cNvPr id="8" name="Date Placeholder 7"/>
           <p:cNvSpPr>
             <a:spLocks noGrp="1"/>
           </p:cNvSpPr>
@@ -2481,7 +3649,7 @@
             <a:fld id="{1D8BD707-D9CF-40AE-B4C6-C98DA3205C09}" type="datetimeFigureOut">
               <a:rPr lang="en-US" smtClean="0"/>
               <a:pPr/>
-              <a:t>2/4/2014</a:t>
+              <a:t>2/13/2014</a:t>
             </a:fld>
             <a:endParaRPr lang="en-US"/>
           </a:p>
@@ -2489,31 +3657,12 @@
       </p:sp>
       <p:sp>
         <p:nvSpPr>
-          <p:cNvPr id="6" name="Footer Placeholder 5"/>
-          <p:cNvSpPr>
-            <a:spLocks noGrp="1"/>
-          </p:cNvSpPr>
-          <p:nvPr>
-            <p:ph type="ftr" sz="quarter" idx="11"/>
-          </p:nvPr>
-        </p:nvSpPr>
-        <p:spPr/>
-        <p:txBody>
-          <a:bodyPr/>
-          <a:lstStyle/>
-          <a:p>
-            <a:endParaRPr lang="en-US"/>
-          </a:p>
-        </p:txBody>
-      </p:sp>
-      <p:sp>
-        <p:nvSpPr>
-          <p:cNvPr id="7" name="Slide Number Placeholder 6"/>
-          <p:cNvSpPr>
-            <a:spLocks noGrp="1"/>
-          </p:cNvSpPr>
-          <p:nvPr>
-            <p:ph type="sldNum" sz="quarter" idx="12"/>
+          <p:cNvPr id="9" name="Slide Number Placeholder 8"/>
+          <p:cNvSpPr>
+            <a:spLocks noGrp="1"/>
+          </p:cNvSpPr>
+          <p:nvPr>
+            <p:ph type="sldNum" sz="quarter" idx="11"/>
           </p:nvPr>
         </p:nvSpPr>
         <p:spPr/>
@@ -2526,6 +3675,25 @@
               <a:pPr/>
               <a:t>‹#›</a:t>
             </a:fld>
+            <a:endParaRPr lang="en-US"/>
+          </a:p>
+        </p:txBody>
+      </p:sp>
+      <p:sp>
+        <p:nvSpPr>
+          <p:cNvPr id="10" name="Footer Placeholder 9"/>
+          <p:cNvSpPr>
+            <a:spLocks noGrp="1"/>
+          </p:cNvSpPr>
+          <p:nvPr>
+            <p:ph type="ftr" sz="quarter" idx="12"/>
+          </p:nvPr>
+        </p:nvSpPr>
+        <p:spPr/>
+        <p:txBody>
+          <a:bodyPr/>
+          <a:lstStyle/>
+          <a:p>
             <a:endParaRPr lang="en-US"/>
           </a:p>
         </p:txBody>
@@ -2542,7 +3710,7 @@
 <p:sldMaster xmlns:a="http://schemas.openxmlformats.org/drawingml/2006/main" xmlns:r="http://schemas.openxmlformats.org/officeDocument/2006/relationships" xmlns:p="http://schemas.openxmlformats.org/presentationml/2006/main">
   <p:cSld>
     <p:bg>
-      <p:bgRef idx="1001">
+      <p:bgRef idx="1002">
         <a:schemeClr val="bg1"/>
       </p:bgRef>
     </p:bg>
@@ -2573,7 +3741,7 @@
         <p:spPr>
           <a:xfrm>
             <a:off x="457200" y="274638"/>
-            <a:ext cx="8229600" cy="1143000"/>
+            <a:ext cx="7620000" cy="1143000"/>
           </a:xfrm>
           <a:prstGeom prst="rect">
             <a:avLst/>
@@ -2581,7 +3749,7 @@
         </p:spPr>
         <p:txBody>
           <a:bodyPr vert="horz" lIns="91440" tIns="45720" rIns="91440" bIns="45720" rtlCol="0" anchor="ctr">
-            <a:normAutofit/>
+            <a:noAutofit/>
           </a:bodyPr>
           <a:lstStyle/>
           <a:p>
@@ -2589,7 +3757,7 @@
               <a:rPr lang="en-US" smtClean="0"/>
               <a:t>Click to edit Master title style</a:t>
             </a:r>
-            <a:endParaRPr lang="en-US"/>
+            <a:endParaRPr lang="en-US" dirty="0"/>
           </a:p>
         </p:txBody>
       </p:sp>
@@ -2606,7 +3774,7 @@
         <p:spPr>
           <a:xfrm>
             <a:off x="457200" y="1600200"/>
-            <a:ext cx="8229600" cy="4525963"/>
+            <a:ext cx="7620000" cy="4800600"/>
           </a:xfrm>
           <a:prstGeom prst="rect">
             <a:avLst/>
@@ -2651,24 +3819,163 @@
               <a:rPr lang="en-US" smtClean="0"/>
               <a:t>Fifth level</a:t>
             </a:r>
-            <a:endParaRPr lang="en-US"/>
-          </a:p>
-        </p:txBody>
-      </p:sp>
-      <p:sp>
-        <p:nvSpPr>
-          <p:cNvPr id="4" name="Date Placeholder 3"/>
-          <p:cNvSpPr>
-            <a:spLocks noGrp="1"/>
-          </p:cNvSpPr>
-          <p:nvPr>
-            <p:ph type="dt" sz="half" idx="2"/>
-          </p:nvPr>
+            <a:endParaRPr lang="en-US" dirty="0"/>
+          </a:p>
+        </p:txBody>
+      </p:sp>
+      <p:sp>
+        <p:nvSpPr>
+          <p:cNvPr id="7" name="Rectangle 6"/>
+          <p:cNvSpPr/>
+          <p:nvPr/>
         </p:nvSpPr>
         <p:spPr>
           <a:xfrm>
-            <a:off x="457200" y="6356350"/>
-            <a:ext cx="2133600" cy="365125"/>
+            <a:off x="8458200" y="0"/>
+            <a:ext cx="685800" cy="6858000"/>
+          </a:xfrm>
+          <a:prstGeom prst="rect">
+            <a:avLst/>
+          </a:prstGeom>
+          <a:solidFill>
+            <a:schemeClr val="tx2"/>
+          </a:solidFill>
+          <a:ln>
+            <a:noFill/>
+          </a:ln>
+        </p:spPr>
+        <p:style>
+          <a:lnRef idx="2">
+            <a:schemeClr val="accent1">
+              <a:shade val="50000"/>
+            </a:schemeClr>
+          </a:lnRef>
+          <a:fillRef idx="1">
+            <a:schemeClr val="accent1"/>
+          </a:fillRef>
+          <a:effectRef idx="0">
+            <a:schemeClr val="accent1"/>
+          </a:effectRef>
+          <a:fontRef idx="minor">
+            <a:schemeClr val="lt1"/>
+          </a:fontRef>
+        </p:style>
+        <p:txBody>
+          <a:bodyPr rtlCol="0" anchor="ctr"/>
+          <a:lstStyle/>
+          <a:p>
+            <a:pPr algn="ctr"/>
+            <a:endParaRPr lang="en-US"/>
+          </a:p>
+        </p:txBody>
+      </p:sp>
+      <p:sp>
+        <p:nvSpPr>
+          <p:cNvPr id="8" name="Rectangle 7"/>
+          <p:cNvSpPr/>
+          <p:nvPr/>
+        </p:nvSpPr>
+        <p:spPr>
+          <a:xfrm>
+            <a:off x="8458200" y="5486400"/>
+            <a:ext cx="685800" cy="685800"/>
+          </a:xfrm>
+          <a:prstGeom prst="rect">
+            <a:avLst/>
+          </a:prstGeom>
+          <a:solidFill>
+            <a:schemeClr val="accent1"/>
+          </a:solidFill>
+          <a:ln>
+            <a:noFill/>
+          </a:ln>
+        </p:spPr>
+        <p:style>
+          <a:lnRef idx="2">
+            <a:schemeClr val="accent1">
+              <a:shade val="50000"/>
+            </a:schemeClr>
+          </a:lnRef>
+          <a:fillRef idx="1">
+            <a:schemeClr val="accent1"/>
+          </a:fillRef>
+          <a:effectRef idx="0">
+            <a:schemeClr val="accent1"/>
+          </a:effectRef>
+          <a:fontRef idx="minor">
+            <a:schemeClr val="lt1"/>
+          </a:fontRef>
+        </p:style>
+        <p:txBody>
+          <a:bodyPr rtlCol="0" anchor="ctr"/>
+          <a:lstStyle/>
+          <a:p>
+            <a:pPr algn="ctr"/>
+            <a:endParaRPr lang="en-US"/>
+          </a:p>
+        </p:txBody>
+      </p:sp>
+      <p:sp>
+        <p:nvSpPr>
+          <p:cNvPr id="6" name="Slide Number Placeholder 5"/>
+          <p:cNvSpPr>
+            <a:spLocks noGrp="1"/>
+          </p:cNvSpPr>
+          <p:nvPr>
+            <p:ph type="sldNum" sz="quarter" idx="4"/>
+          </p:nvPr>
+        </p:nvSpPr>
+        <p:spPr>
+          <a:xfrm>
+            <a:off x="8531788" y="5648960"/>
+            <a:ext cx="548640" cy="396240"/>
+          </a:xfrm>
+          <a:prstGeom prst="bracketPair">
+            <a:avLst>
+              <a:gd name="adj" fmla="val 17949"/>
+            </a:avLst>
+          </a:prstGeom>
+          <a:ln w="19050">
+            <a:solidFill>
+              <a:srgbClr val="FFFFFF"/>
+            </a:solidFill>
+          </a:ln>
+        </p:spPr>
+        <p:txBody>
+          <a:bodyPr vert="horz" lIns="0" tIns="0" rIns="0" bIns="0" rtlCol="0" anchor="ctr"/>
+          <a:lstStyle>
+            <a:lvl1pPr algn="ctr">
+              <a:defRPr sz="1800">
+                <a:solidFill>
+                  <a:srgbClr val="FFFFFF"/>
+                </a:solidFill>
+              </a:defRPr>
+            </a:lvl1pPr>
+          </a:lstStyle>
+          <a:p>
+            <a:fld id="{B6F15528-21DE-4FAA-801E-634DDDAF4B2B}" type="slidenum">
+              <a:rPr lang="en-US" smtClean="0"/>
+              <a:pPr/>
+              <a:t>‹#›</a:t>
+            </a:fld>
+            <a:endParaRPr lang="en-US"/>
+          </a:p>
+        </p:txBody>
+      </p:sp>
+      <p:sp>
+        <p:nvSpPr>
+          <p:cNvPr id="5" name="Footer Placeholder 4"/>
+          <p:cNvSpPr>
+            <a:spLocks noGrp="1"/>
+          </p:cNvSpPr>
+          <p:nvPr>
+            <p:ph type="ftr" sz="quarter" idx="3"/>
+          </p:nvPr>
+        </p:nvSpPr>
+        <p:spPr>
+          <a:xfrm rot="16200000">
+            <a:off x="7586910" y="4048760"/>
+            <a:ext cx="2367281" cy="365760"/>
           </a:xfrm>
           <a:prstGeom prst="rect">
             <a:avLst/>
@@ -2677,40 +3984,33 @@
         <p:txBody>
           <a:bodyPr vert="horz" lIns="91440" tIns="45720" rIns="91440" bIns="45720" rtlCol="0" anchor="ctr"/>
           <a:lstStyle>
-            <a:lvl1pPr algn="l">
+            <a:lvl1pPr algn="r">
               <a:defRPr sz="1200">
                 <a:solidFill>
-                  <a:schemeClr val="tx1">
-                    <a:tint val="75000"/>
-                  </a:schemeClr>
+                  <a:schemeClr val="bg2"/>
                 </a:solidFill>
               </a:defRPr>
             </a:lvl1pPr>
           </a:lstStyle>
           <a:p>
-            <a:fld id="{1D8BD707-D9CF-40AE-B4C6-C98DA3205C09}" type="datetimeFigureOut">
-              <a:rPr lang="en-US" smtClean="0"/>
-              <a:pPr/>
-              <a:t>2/4/2014</a:t>
-            </a:fld>
             <a:endParaRPr lang="en-US"/>
           </a:p>
         </p:txBody>
       </p:sp>
       <p:sp>
         <p:nvSpPr>
-          <p:cNvPr id="5" name="Footer Placeholder 4"/>
-          <p:cNvSpPr>
-            <a:spLocks noGrp="1"/>
-          </p:cNvSpPr>
-          <p:nvPr>
-            <p:ph type="ftr" sz="quarter" idx="3"/>
+          <p:cNvPr id="4" name="Date Placeholder 3"/>
+          <p:cNvSpPr>
+            <a:spLocks noGrp="1"/>
+          </p:cNvSpPr>
+          <p:nvPr>
+            <p:ph type="dt" sz="half" idx="2"/>
           </p:nvPr>
         </p:nvSpPr>
         <p:spPr>
-          <a:xfrm>
-            <a:off x="3124200" y="6356350"/>
-            <a:ext cx="2895600" cy="365125"/>
+          <a:xfrm rot="16200000">
+            <a:off x="7551351" y="1645920"/>
+            <a:ext cx="2438399" cy="365760"/>
           </a:xfrm>
           <a:prstGeom prst="rect">
             <a:avLst/>
@@ -2719,58 +4019,19 @@
         <p:txBody>
           <a:bodyPr vert="horz" lIns="91440" tIns="45720" rIns="91440" bIns="45720" rtlCol="0" anchor="ctr"/>
           <a:lstStyle>
-            <a:lvl1pPr algn="ctr">
+            <a:lvl1pPr algn="l">
               <a:defRPr sz="1200">
                 <a:solidFill>
-                  <a:schemeClr val="tx1">
-                    <a:tint val="75000"/>
-                  </a:schemeClr>
+                  <a:schemeClr val="bg2"/>
                 </a:solidFill>
               </a:defRPr>
             </a:lvl1pPr>
           </a:lstStyle>
           <a:p>
-            <a:endParaRPr lang="en-US"/>
-          </a:p>
-        </p:txBody>
-      </p:sp>
-      <p:sp>
-        <p:nvSpPr>
-          <p:cNvPr id="6" name="Slide Number Placeholder 5"/>
-          <p:cNvSpPr>
-            <a:spLocks noGrp="1"/>
-          </p:cNvSpPr>
-          <p:nvPr>
-            <p:ph type="sldNum" sz="quarter" idx="4"/>
-          </p:nvPr>
-        </p:nvSpPr>
-        <p:spPr>
-          <a:xfrm>
-            <a:off x="6553200" y="6356350"/>
-            <a:ext cx="2133600" cy="365125"/>
-          </a:xfrm>
-          <a:prstGeom prst="rect">
-            <a:avLst/>
-          </a:prstGeom>
-        </p:spPr>
-        <p:txBody>
-          <a:bodyPr vert="horz" lIns="91440" tIns="45720" rIns="91440" bIns="45720" rtlCol="0" anchor="ctr"/>
-          <a:lstStyle>
-            <a:lvl1pPr algn="r">
-              <a:defRPr sz="1200">
-                <a:solidFill>
-                  <a:schemeClr val="tx1">
-                    <a:tint val="75000"/>
-                  </a:schemeClr>
-                </a:solidFill>
-              </a:defRPr>
-            </a:lvl1pPr>
-          </a:lstStyle>
-          <a:p>
-            <a:fld id="{B6F15528-21DE-4FAA-801E-634DDDAF4B2B}" type="slidenum">
+            <a:fld id="{1D8BD707-D9CF-40AE-B4C6-C98DA3205C09}" type="datetimeFigureOut">
               <a:rPr lang="en-US" smtClean="0"/>
               <a:pPr/>
-              <a:t>‹#›</a:t>
+              <a:t>2/13/2014</a:t>
             </a:fld>
             <a:endParaRPr lang="en-US"/>
           </a:p>
@@ -2780,29 +4041,33 @@
   </p:cSld>
   <p:clrMap bg1="lt1" tx1="dk1" bg2="lt2" tx2="dk2" accent1="accent1" accent2="accent2" accent3="accent3" accent4="accent4" accent5="accent5" accent6="accent6" hlink="hlink" folHlink="folHlink"/>
   <p:sldLayoutIdLst>
-    <p:sldLayoutId id="2147483649" r:id="rId1"/>
-    <p:sldLayoutId id="2147483650" r:id="rId2"/>
-    <p:sldLayoutId id="2147483651" r:id="rId3"/>
-    <p:sldLayoutId id="2147483652" r:id="rId4"/>
-    <p:sldLayoutId id="2147483653" r:id="rId5"/>
-    <p:sldLayoutId id="2147483654" r:id="rId6"/>
-    <p:sldLayoutId id="2147483655" r:id="rId7"/>
-    <p:sldLayoutId id="2147483656" r:id="rId8"/>
-    <p:sldLayoutId id="2147483657" r:id="rId9"/>
-    <p:sldLayoutId id="2147483658" r:id="rId10"/>
-    <p:sldLayoutId id="2147483659" r:id="rId11"/>
+    <p:sldLayoutId id="2147483661" r:id="rId1"/>
+    <p:sldLayoutId id="2147483662" r:id="rId2"/>
+    <p:sldLayoutId id="2147483663" r:id="rId3"/>
+    <p:sldLayoutId id="2147483664" r:id="rId4"/>
+    <p:sldLayoutId id="2147483665" r:id="rId5"/>
+    <p:sldLayoutId id="2147483666" r:id="rId6"/>
+    <p:sldLayoutId id="2147483667" r:id="rId7"/>
+    <p:sldLayoutId id="2147483668" r:id="rId8"/>
+    <p:sldLayoutId id="2147483669" r:id="rId9"/>
+    <p:sldLayoutId id="2147483670" r:id="rId10"/>
+    <p:sldLayoutId id="2147483671" r:id="rId11"/>
   </p:sldLayoutIdLst>
   <p:txStyles>
     <p:titleStyle>
-      <a:lvl1pPr algn="ctr" defTabSz="914400" rtl="0" eaLnBrk="1" latinLnBrk="0" hangingPunct="1">
+      <a:lvl1pPr algn="l" defTabSz="914400" rtl="0" eaLnBrk="1" latinLnBrk="0" hangingPunct="1">
         <a:spcBef>
           <a:spcPct val="0"/>
         </a:spcBef>
         <a:buNone/>
-        <a:defRPr sz="4400" kern="1200">
+        <a:defRPr sz="4600" kern="1200" cap="none" spc="-100" baseline="0">
+          <a:ln>
+            <a:noFill/>
+          </a:ln>
           <a:solidFill>
-            <a:schemeClr val="tx1"/>
+            <a:schemeClr val="tx2"/>
           </a:solidFill>
+          <a:effectLst/>
           <a:latin typeface="+mj-lt"/>
           <a:ea typeface="+mj-ea"/>
           <a:cs typeface="+mj-cs"/>
@@ -2810,13 +4075,16 @@
       </a:lvl1pPr>
     </p:titleStyle>
     <p:bodyStyle>
-      <a:lvl1pPr marL="342900" indent="-342900" algn="l" defTabSz="914400" rtl="0" eaLnBrk="1" latinLnBrk="0" hangingPunct="1">
+      <a:lvl1pPr marL="342900" indent="-228600" algn="l" defTabSz="914400" rtl="0" eaLnBrk="1" latinLnBrk="0" hangingPunct="1">
         <a:spcBef>
           <a:spcPct val="20000"/>
         </a:spcBef>
+        <a:buClr>
+          <a:schemeClr val="accent1"/>
+        </a:buClr>
         <a:buFont typeface="Arial" pitchFamily="34" charset="0"/>
         <a:buChar char="•"/>
-        <a:defRPr sz="3200" kern="1200">
+        <a:defRPr sz="2200" kern="1200">
           <a:solidFill>
             <a:schemeClr val="tx1"/>
           </a:solidFill>
@@ -2825,70 +4093,13 @@
           <a:cs typeface="+mn-cs"/>
         </a:defRPr>
       </a:lvl1pPr>
-      <a:lvl2pPr marL="742950" indent="-285750" algn="l" defTabSz="914400" rtl="0" eaLnBrk="1" latinLnBrk="0" hangingPunct="1">
+      <a:lvl2pPr marL="640080" indent="-228600" algn="l" defTabSz="914400" rtl="0" eaLnBrk="1" latinLnBrk="0" hangingPunct="1">
         <a:spcBef>
           <a:spcPct val="20000"/>
         </a:spcBef>
-        <a:buFont typeface="Arial" pitchFamily="34" charset="0"/>
-        <a:buChar char="–"/>
-        <a:defRPr sz="2800" kern="1200">
-          <a:solidFill>
-            <a:schemeClr val="tx1"/>
-          </a:solidFill>
-          <a:latin typeface="+mn-lt"/>
-          <a:ea typeface="+mn-ea"/>
-          <a:cs typeface="+mn-cs"/>
-        </a:defRPr>
-      </a:lvl2pPr>
-      <a:lvl3pPr marL="1143000" indent="-228600" algn="l" defTabSz="914400" rtl="0" eaLnBrk="1" latinLnBrk="0" hangingPunct="1">
-        <a:spcBef>
-          <a:spcPct val="20000"/>
-        </a:spcBef>
-        <a:buFont typeface="Arial" pitchFamily="34" charset="0"/>
-        <a:buChar char="•"/>
-        <a:defRPr sz="2400" kern="1200">
-          <a:solidFill>
-            <a:schemeClr val="tx1"/>
-          </a:solidFill>
-          <a:latin typeface="+mn-lt"/>
-          <a:ea typeface="+mn-ea"/>
-          <a:cs typeface="+mn-cs"/>
-        </a:defRPr>
-      </a:lvl3pPr>
-      <a:lvl4pPr marL="1600200" indent="-228600" algn="l" defTabSz="914400" rtl="0" eaLnBrk="1" latinLnBrk="0" hangingPunct="1">
-        <a:spcBef>
-          <a:spcPct val="20000"/>
-        </a:spcBef>
-        <a:buFont typeface="Arial" pitchFamily="34" charset="0"/>
-        <a:buChar char="–"/>
-        <a:defRPr sz="2000" kern="1200">
-          <a:solidFill>
-            <a:schemeClr val="tx1"/>
-          </a:solidFill>
-          <a:latin typeface="+mn-lt"/>
-          <a:ea typeface="+mn-ea"/>
-          <a:cs typeface="+mn-cs"/>
-        </a:defRPr>
-      </a:lvl4pPr>
-      <a:lvl5pPr marL="2057400" indent="-228600" algn="l" defTabSz="914400" rtl="0" eaLnBrk="1" latinLnBrk="0" hangingPunct="1">
-        <a:spcBef>
-          <a:spcPct val="20000"/>
-        </a:spcBef>
-        <a:buFont typeface="Arial" pitchFamily="34" charset="0"/>
-        <a:buChar char="»"/>
-        <a:defRPr sz="2000" kern="1200">
-          <a:solidFill>
-            <a:schemeClr val="tx1"/>
-          </a:solidFill>
-          <a:latin typeface="+mn-lt"/>
-          <a:ea typeface="+mn-ea"/>
-          <a:cs typeface="+mn-cs"/>
-        </a:defRPr>
-      </a:lvl5pPr>
-      <a:lvl6pPr marL="2514600" indent="-228600" algn="l" defTabSz="914400" rtl="0" eaLnBrk="1" latinLnBrk="0" hangingPunct="1">
-        <a:spcBef>
-          <a:spcPct val="20000"/>
-        </a:spcBef>
+        <a:buClr>
+          <a:schemeClr val="accent2"/>
+        </a:buClr>
         <a:buFont typeface="Arial" pitchFamily="34" charset="0"/>
         <a:buChar char="•"/>
         <a:defRPr sz="2000" kern="1200">
@@ -2899,14 +4110,89 @@
           <a:ea typeface="+mn-ea"/>
           <a:cs typeface="+mn-cs"/>
         </a:defRPr>
-      </a:lvl6pPr>
-      <a:lvl7pPr marL="2971800" indent="-228600" algn="l" defTabSz="914400" rtl="0" eaLnBrk="1" latinLnBrk="0" hangingPunct="1">
+      </a:lvl2pPr>
+      <a:lvl3pPr marL="1005840" indent="-228600" algn="l" defTabSz="914400" rtl="0" eaLnBrk="1" latinLnBrk="0" hangingPunct="1">
         <a:spcBef>
           <a:spcPct val="20000"/>
         </a:spcBef>
+        <a:buClr>
+          <a:schemeClr val="accent3"/>
+        </a:buClr>
         <a:buFont typeface="Arial" pitchFamily="34" charset="0"/>
         <a:buChar char="•"/>
-        <a:defRPr sz="2000" kern="1200">
+        <a:defRPr sz="1800" kern="1200">
+          <a:solidFill>
+            <a:schemeClr val="tx1"/>
+          </a:solidFill>
+          <a:latin typeface="+mn-lt"/>
+          <a:ea typeface="+mn-ea"/>
+          <a:cs typeface="+mn-cs"/>
+        </a:defRPr>
+      </a:lvl3pPr>
+      <a:lvl4pPr marL="1280160" indent="-228600" algn="l" defTabSz="914400" rtl="0" eaLnBrk="1" latinLnBrk="0" hangingPunct="1">
+        <a:spcBef>
+          <a:spcPct val="20000"/>
+        </a:spcBef>
+        <a:buClr>
+          <a:schemeClr val="accent4"/>
+        </a:buClr>
+        <a:buFont typeface="Arial" pitchFamily="34" charset="0"/>
+        <a:buChar char="•"/>
+        <a:defRPr sz="1600" kern="1200">
+          <a:solidFill>
+            <a:schemeClr val="tx1"/>
+          </a:solidFill>
+          <a:latin typeface="+mn-lt"/>
+          <a:ea typeface="+mn-ea"/>
+          <a:cs typeface="+mn-cs"/>
+        </a:defRPr>
+      </a:lvl4pPr>
+      <a:lvl5pPr marL="1554480" indent="-228600" algn="l" defTabSz="914400" rtl="0" eaLnBrk="1" latinLnBrk="0" hangingPunct="1">
+        <a:spcBef>
+          <a:spcPct val="20000"/>
+        </a:spcBef>
+        <a:buClr>
+          <a:schemeClr val="accent5"/>
+        </a:buClr>
+        <a:buFont typeface="Arial" pitchFamily="34" charset="0"/>
+        <a:buChar char="•"/>
+        <a:defRPr sz="1400" kern="1200" baseline="0">
+          <a:solidFill>
+            <a:schemeClr val="tx1"/>
+          </a:solidFill>
+          <a:latin typeface="+mn-lt"/>
+          <a:ea typeface="+mn-ea"/>
+          <a:cs typeface="+mn-cs"/>
+        </a:defRPr>
+      </a:lvl5pPr>
+      <a:lvl6pPr marL="1737360" indent="-182880" algn="l" defTabSz="914400" rtl="0" eaLnBrk="1" latinLnBrk="0" hangingPunct="1">
+        <a:spcBef>
+          <a:spcPct val="20000"/>
+        </a:spcBef>
+        <a:buClr>
+          <a:schemeClr val="accent1"/>
+        </a:buClr>
+        <a:buFont typeface="Arial" pitchFamily="34" charset="0"/>
+        <a:buChar char="•"/>
+        <a:defRPr sz="1400" kern="1200" baseline="0">
+          <a:solidFill>
+            <a:schemeClr val="tx1"/>
+          </a:solidFill>
+          <a:latin typeface="+mn-lt"/>
+          <a:ea typeface="+mn-ea"/>
+          <a:cs typeface="+mn-cs"/>
+        </a:defRPr>
+      </a:lvl6pPr>
+      <a:lvl7pPr marL="1920240" indent="-182880" algn="l" defTabSz="914400" rtl="0" eaLnBrk="1" latinLnBrk="0" hangingPunct="1">
+        <a:spcBef>
+          <a:spcPct val="20000"/>
+        </a:spcBef>
+        <a:buClr>
+          <a:schemeClr val="accent2"/>
+        </a:buClr>
+        <a:buFont typeface="Arial" pitchFamily="34" charset="0"/>
+        <a:buChar char="•"/>
+        <a:defRPr sz="1400" kern="1200">
           <a:solidFill>
             <a:schemeClr val="tx1"/>
           </a:solidFill>
@@ -2915,13 +4201,16 @@
           <a:cs typeface="+mn-cs"/>
         </a:defRPr>
       </a:lvl7pPr>
-      <a:lvl8pPr marL="3429000" indent="-228600" algn="l" defTabSz="914400" rtl="0" eaLnBrk="1" latinLnBrk="0" hangingPunct="1">
+      <a:lvl8pPr marL="2103120" indent="-182880" algn="l" defTabSz="914400" rtl="0" eaLnBrk="1" latinLnBrk="0" hangingPunct="1">
         <a:spcBef>
           <a:spcPct val="20000"/>
         </a:spcBef>
+        <a:buClr>
+          <a:schemeClr val="accent3"/>
+        </a:buClr>
         <a:buFont typeface="Arial" pitchFamily="34" charset="0"/>
         <a:buChar char="•"/>
-        <a:defRPr sz="2000" kern="1200">
+        <a:defRPr sz="1400" kern="1200">
           <a:solidFill>
             <a:schemeClr val="tx1"/>
           </a:solidFill>
@@ -2930,13 +4219,16 @@
           <a:cs typeface="+mn-cs"/>
         </a:defRPr>
       </a:lvl8pPr>
-      <a:lvl9pPr marL="3886200" indent="-228600" algn="l" defTabSz="914400" rtl="0" eaLnBrk="1" latinLnBrk="0" hangingPunct="1">
+      <a:lvl9pPr marL="2286000" indent="-182880" algn="l" defTabSz="914400" rtl="0" eaLnBrk="1" latinLnBrk="0" hangingPunct="1">
         <a:spcBef>
           <a:spcPct val="20000"/>
         </a:spcBef>
+        <a:buClr>
+          <a:schemeClr val="accent4"/>
+        </a:buClr>
         <a:buFont typeface="Arial" pitchFamily="34" charset="0"/>
         <a:buChar char="•"/>
-        <a:defRPr sz="2000" kern="1200">
+        <a:defRPr sz="1400" kern="1200">
           <a:solidFill>
             <a:schemeClr val="tx1"/>
           </a:solidFill>
@@ -3072,7 +4364,12 @@
             <p:ph type="ctrTitle"/>
           </p:nvPr>
         </p:nvSpPr>
-        <p:spPr/>
+        <p:spPr>
+          <a:xfrm>
+            <a:off x="685800" y="1905000"/>
+            <a:ext cx="7772400" cy="1470025"/>
+          </a:xfrm>
+        </p:spPr>
         <p:txBody>
           <a:bodyPr/>
           <a:lstStyle/>
@@ -3082,7 +4379,7 @@
               <a:t>RavenDB</a:t>
             </a:r>
             <a:r>
-              <a:rPr lang="en-US" smtClean="0"/>
+              <a:rPr lang="en-US" dirty="0" smtClean="0"/>
               <a:t> Review</a:t>
             </a:r>
             <a:endParaRPr lang="en-US" dirty="0"/>
@@ -3091,7 +4388,7 @@
       </p:sp>
       <p:sp>
         <p:nvSpPr>
-          <p:cNvPr id="3" name="Subtitle 2"/>
+          <p:cNvPr id="4" name="Subtitle 3"/>
           <p:cNvSpPr>
             <a:spLocks noGrp="1"/>
           </p:cNvSpPr>
@@ -3104,22 +4401,40 @@
           <a:bodyPr/>
           <a:lstStyle/>
           <a:p>
-            <a:r>
-              <a:rPr lang="en-US" dirty="0" smtClean="0"/>
-              <a:t>What a developer needs to know to use </a:t>
-            </a:r>
-            <a:r>
-              <a:rPr lang="en-US" dirty="0" err="1" smtClean="0"/>
-              <a:t>RavenDB</a:t>
-            </a:r>
-            <a:r>
-              <a:rPr lang="en-US" dirty="0" smtClean="0"/>
-              <a:t> effectively</a:t>
-            </a:r>
             <a:endParaRPr lang="en-US" dirty="0"/>
           </a:p>
         </p:txBody>
       </p:sp>
+      <p:pic>
+        <p:nvPicPr>
+          <p:cNvPr id="5" name="Picture 4"/>
+          <p:cNvPicPr>
+            <a:picLocks noChangeAspect="1"/>
+          </p:cNvPicPr>
+          <p:nvPr/>
+        </p:nvPicPr>
+        <p:blipFill>
+          <a:blip r:embed="rId3">
+            <a:extLst>
+              <a:ext uri="{28A0092B-C50C-407E-A947-70E740481C1C}">
+                <a14:useLocalDpi xmlns:a14="http://schemas.microsoft.com/office/drawing/2010/main" val="0"/>
+              </a:ext>
+            </a:extLst>
+          </a:blip>
+          <a:stretch>
+            <a:fillRect/>
+          </a:stretch>
+        </p:blipFill>
+        <p:spPr>
+          <a:xfrm>
+            <a:off x="4953000" y="5486400"/>
+            <a:ext cx="3429000" cy="1190625"/>
+          </a:xfrm>
+          <a:prstGeom prst="rect">
+            <a:avLst/>
+          </a:prstGeom>
+        </p:spPr>
+      </p:pic>
     </p:spTree>
     <p:extLst>
       <p:ext uri="{BB962C8B-B14F-4D97-AF65-F5344CB8AC3E}">
@@ -3130,6 +4445,25 @@
   <p:clrMapOvr>
     <a:masterClrMapping/>
   </p:clrMapOvr>
+  <mc:AlternateContent xmlns:mc="http://schemas.openxmlformats.org/markup-compatibility/2006">
+    <mc:Choice xmlns:p14="http://schemas.microsoft.com/office/powerpoint/2010/main" Requires="p14">
+      <p:transition spd="med" p14:dur="700">
+        <p:fade/>
+      </p:transition>
+    </mc:Choice>
+    <mc:Fallback>
+      <p:transition spd="med">
+        <p:fade/>
+      </p:transition>
+    </mc:Fallback>
+  </mc:AlternateContent>
+  <p:timing>
+    <p:tnLst>
+      <p:par>
+        <p:cTn id="1" dur="indefinite" restart="never" nodeType="tmRoot"/>
+      </p:par>
+    </p:tnLst>
+  </p:timing>
 </p:sld>
 </file>
 
@@ -3187,8 +4521,43 @@
         </p:nvSpPr>
         <p:spPr/>
         <p:txBody>
-          <a:bodyPr/>
-          <a:lstStyle/>
+          <a:bodyPr>
+            <a:normAutofit lnSpcReduction="10000"/>
+          </a:bodyPr>
+          <a:lstStyle/>
+          <a:p>
+            <a:r>
+              <a:rPr lang="en-US" dirty="0" smtClean="0"/>
+              <a:t>Reversibility</a:t>
+            </a:r>
+          </a:p>
+          <a:p>
+            <a:pPr lvl="1"/>
+            <a:r>
+              <a:rPr lang="en-US" dirty="0"/>
+              <a:t>“If you can easily change your decisions, this means it’s less important to get them right – which makes your life much simpler</a:t>
+            </a:r>
+            <a:r>
+              <a:rPr lang="en-US" dirty="0" smtClean="0"/>
+              <a:t>.” – Martin Fowler</a:t>
+            </a:r>
+          </a:p>
+          <a:p>
+            <a:pPr lvl="1"/>
+            <a:r>
+              <a:rPr lang="en-US" dirty="0" smtClean="0"/>
+              <a:t>“A good architecture maximizes the number of decisions </a:t>
+            </a:r>
+            <a:r>
+              <a:rPr lang="en-US" i="1" dirty="0" smtClean="0"/>
+              <a:t>not</a:t>
+            </a:r>
+            <a:r>
+              <a:rPr lang="en-US" dirty="0" smtClean="0"/>
+              <a:t> made.” – Robert C. Martin</a:t>
+            </a:r>
+            <a:endParaRPr lang="en-US" dirty="0"/>
+          </a:p>
           <a:p>
             <a:r>
               <a:rPr lang="en-US" dirty="0" smtClean="0"/>
@@ -3233,7 +4602,14 @@
             <a:pPr lvl="1"/>
             <a:r>
               <a:rPr lang="en-US" dirty="0" smtClean="0"/>
-              <a:t>Reversibility</a:t>
+              <a:t>Keeps the business logic in your application</a:t>
+            </a:r>
+          </a:p>
+          <a:p>
+            <a:pPr lvl="1"/>
+            <a:r>
+              <a:rPr lang="en-US" dirty="0" smtClean="0"/>
+              <a:t>Allows for Reversibility</a:t>
             </a:r>
           </a:p>
           <a:p>
@@ -3251,6 +4627,18 @@
   <p:clrMapOvr>
     <a:masterClrMapping/>
   </p:clrMapOvr>
+  <mc:AlternateContent xmlns:mc="http://schemas.openxmlformats.org/markup-compatibility/2006">
+    <mc:Choice xmlns:p14="http://schemas.microsoft.com/office/powerpoint/2010/main" Requires="p14">
+      <p:transition spd="med" p14:dur="700">
+        <p:fade/>
+      </p:transition>
+    </mc:Choice>
+    <mc:Fallback>
+      <p:transition spd="med">
+        <p:fade/>
+      </p:transition>
+    </mc:Fallback>
+  </mc:AlternateContent>
   <p:timing>
     <p:tnLst>
       <p:par>
@@ -3342,7 +4730,68 @@
               <a:rPr lang="en-US" dirty="0" smtClean="0"/>
               <a:t>Query() can be stale</a:t>
             </a:r>
+          </a:p>
+          <a:p>
+            <a:r>
+              <a:rPr lang="en-US" dirty="0" err="1" smtClean="0"/>
+              <a:t>WaitForNonStaleResults</a:t>
+            </a:r>
+            <a:r>
+              <a:rPr lang="en-US" dirty="0" smtClean="0"/>
+              <a:t>()</a:t>
+            </a:r>
+          </a:p>
+          <a:p>
+            <a:pPr lvl="1"/>
+            <a:r>
+              <a:rPr lang="en-US" dirty="0" smtClean="0"/>
+              <a:t>Only use in tests</a:t>
+            </a:r>
+          </a:p>
+          <a:p>
+            <a:r>
+              <a:rPr lang="en-US" dirty="0" err="1" smtClean="0"/>
+              <a:t>WaitForNonStaleResultsAsOfLastWrite</a:t>
+            </a:r>
+            <a:r>
+              <a:rPr lang="en-US" dirty="0" smtClean="0"/>
+              <a:t>()</a:t>
+            </a:r>
+          </a:p>
+          <a:p>
+            <a:pPr lvl="1"/>
+            <a:r>
+              <a:rPr lang="en-US" dirty="0" smtClean="0"/>
+              <a:t>Waits for the index to include the last write made by the current document store</a:t>
+            </a:r>
+          </a:p>
+          <a:p>
+            <a:pPr lvl="1"/>
+            <a:r>
+              <a:rPr lang="en-US" dirty="0" smtClean="0"/>
+              <a:t>Map/Reduce indexes may still be stale</a:t>
+            </a:r>
             <a:endParaRPr lang="en-US" dirty="0"/>
+          </a:p>
+          <a:p>
+            <a:r>
+              <a:rPr lang="en-US" dirty="0" err="1" smtClean="0"/>
+              <a:t>WaitForNonStaleResultsAsOfNow</a:t>
+            </a:r>
+            <a:r>
+              <a:rPr lang="en-US" dirty="0" smtClean="0"/>
+              <a:t>()</a:t>
+            </a:r>
+          </a:p>
+          <a:p>
+            <a:r>
+              <a:rPr lang="en-US" dirty="0" err="1" smtClean="0"/>
+              <a:t>WaitForNonStaleResultsAsOf</a:t>
+            </a:r>
+            <a:r>
+              <a:rPr lang="en-US" dirty="0" smtClean="0"/>
+              <a:t>(cutoff)</a:t>
+            </a:r>
           </a:p>
         </p:txBody>
       </p:sp>
@@ -3356,6 +4805,25 @@
   <p:clrMapOvr>
     <a:masterClrMapping/>
   </p:clrMapOvr>
+  <mc:AlternateContent xmlns:mc="http://schemas.openxmlformats.org/markup-compatibility/2006">
+    <mc:Choice xmlns:p14="http://schemas.microsoft.com/office/powerpoint/2010/main" Requires="p14">
+      <p:transition spd="med" p14:dur="700">
+        <p:fade/>
+      </p:transition>
+    </mc:Choice>
+    <mc:Fallback>
+      <p:transition spd="med">
+        <p:fade/>
+      </p:transition>
+    </mc:Fallback>
+  </mc:AlternateContent>
+  <p:timing>
+    <p:tnLst>
+      <p:par>
+        <p:cTn id="1" dur="indefinite" restart="never" nodeType="tmRoot"/>
+      </p:par>
+    </p:tnLst>
+  </p:timing>
 </p:sld>
 </file>
 
@@ -3409,7 +4877,12 @@
             <p:ph idx="1"/>
           </p:nvPr>
         </p:nvSpPr>
-        <p:spPr/>
+        <p:spPr>
+          <a:xfrm>
+            <a:off x="457200" y="1600200"/>
+            <a:ext cx="7696200" cy="4800600"/>
+          </a:xfrm>
+        </p:spPr>
         <p:txBody>
           <a:bodyPr/>
           <a:lstStyle/>
@@ -3420,12 +4893,86 @@
             </a:r>
           </a:p>
           <a:p>
+            <a:pPr lvl="1"/>
+            <a:r>
+              <a:rPr lang="en-US" dirty="0" smtClean="0"/>
+              <a:t>Will be automatically disabled if not accessed after a while</a:t>
+            </a:r>
+          </a:p>
+          <a:p>
             <a:r>
               <a:rPr lang="en-US" dirty="0" smtClean="0"/>
               <a:t>Static indexes are still recommended for most operations</a:t>
             </a:r>
           </a:p>
           <a:p>
+            <a:pPr lvl="1"/>
+            <a:r>
+              <a:rPr lang="en-US" dirty="0" smtClean="0"/>
+              <a:t>Inherit from </a:t>
+            </a:r>
+            <a:r>
+              <a:rPr lang="en-US" dirty="0" err="1" smtClean="0"/>
+              <a:t>AbstractIndexCreationTask</a:t>
+            </a:r>
+            <a:endParaRPr lang="en-US" dirty="0" smtClean="0"/>
+          </a:p>
+          <a:p>
+            <a:pPr lvl="1"/>
+            <a:r>
+              <a:rPr lang="en-US" dirty="0" smtClean="0"/>
+              <a:t>Call </a:t>
+            </a:r>
+            <a:r>
+              <a:rPr lang="en-US" dirty="0" err="1" smtClean="0"/>
+              <a:t>IndexCreation.CreateIndexes</a:t>
+            </a:r>
+            <a:r>
+              <a:rPr lang="en-US" dirty="0" smtClean="0"/>
+              <a:t>() on app startup</a:t>
+            </a:r>
+          </a:p>
+          <a:p>
+            <a:pPr lvl="1"/>
+            <a:r>
+              <a:rPr lang="en-US" dirty="0" smtClean="0"/>
+              <a:t>Indexes can be locked from the studio if you’ve made manual changes and haven’t deployed your app yet.</a:t>
+            </a:r>
+          </a:p>
+          <a:p>
+            <a:pPr lvl="1"/>
+            <a:r>
+              <a:rPr lang="en-US" dirty="0" smtClean="0"/>
+              <a:t>The different options on an index can be confusing</a:t>
+            </a:r>
+          </a:p>
+          <a:p>
+            <a:pPr lvl="1"/>
+            <a:r>
+              <a:rPr lang="en-US" dirty="0" smtClean="0"/>
+              <a:t>An auto index can be a good starting point</a:t>
+            </a:r>
+          </a:p>
+          <a:p>
+            <a:r>
+              <a:rPr lang="en-US" dirty="0" smtClean="0"/>
+              <a:t>Queries don’t need to be modified, </a:t>
+            </a:r>
+            <a:r>
+              <a:rPr lang="en-US" dirty="0" err="1" smtClean="0"/>
+              <a:t>RavenDB</a:t>
+            </a:r>
+            <a:r>
+              <a:rPr lang="en-US" dirty="0" smtClean="0"/>
+              <a:t> will automatically choose the appropriate index</a:t>
+            </a:r>
+          </a:p>
+          <a:p>
+            <a:pPr lvl="1"/>
+            <a:r>
+              <a:rPr lang="en-US" dirty="0" smtClean="0"/>
+              <a:t>You can optionally specify which index to use when calling Query()</a:t>
+            </a:r>
             <a:endParaRPr lang="en-US" dirty="0"/>
           </a:p>
         </p:txBody>
@@ -3440,10 +4987,934 @@
   <p:clrMapOvr>
     <a:masterClrMapping/>
   </p:clrMapOvr>
+  <mc:AlternateContent xmlns:mc="http://schemas.openxmlformats.org/markup-compatibility/2006">
+    <mc:Choice xmlns:p14="http://schemas.microsoft.com/office/powerpoint/2010/main" Requires="p14">
+      <p:transition spd="med" p14:dur="700">
+        <p:fade/>
+      </p:transition>
+    </mc:Choice>
+    <mc:Fallback>
+      <p:transition spd="med">
+        <p:fade/>
+      </p:transition>
+    </mc:Fallback>
+  </mc:AlternateContent>
+  <p:timing>
+    <p:tnLst>
+      <p:par>
+        <p:cTn id="1" dur="indefinite" restart="never" nodeType="tmRoot"/>
+      </p:par>
+    </p:tnLst>
+  </p:timing>
+</p:sld>
+</file>
+
+<file path=ppt/slides/slide5.xml><?xml version="1.0" encoding="utf-8"?>
+<p:sld xmlns:a="http://schemas.openxmlformats.org/drawingml/2006/main" xmlns:r="http://schemas.openxmlformats.org/officeDocument/2006/relationships" xmlns:p="http://schemas.openxmlformats.org/presentationml/2006/main">
+  <p:cSld>
+    <p:spTree>
+      <p:nvGrpSpPr>
+        <p:cNvPr id="1" name=""/>
+        <p:cNvGrpSpPr/>
+        <p:nvPr/>
+      </p:nvGrpSpPr>
+      <p:grpSpPr>
+        <a:xfrm>
+          <a:off x="0" y="0"/>
+          <a:ext cx="0" cy="0"/>
+          <a:chOff x="0" y="0"/>
+          <a:chExt cx="0" cy="0"/>
+        </a:xfrm>
+      </p:grpSpPr>
+      <p:sp>
+        <p:nvSpPr>
+          <p:cNvPr id="2" name="Title 1"/>
+          <p:cNvSpPr>
+            <a:spLocks noGrp="1"/>
+          </p:cNvSpPr>
+          <p:nvPr>
+            <p:ph type="title"/>
+          </p:nvPr>
+        </p:nvSpPr>
+        <p:spPr/>
+        <p:txBody>
+          <a:bodyPr/>
+          <a:lstStyle/>
+          <a:p>
+            <a:r>
+              <a:rPr lang="en-US" dirty="0" smtClean="0"/>
+              <a:t>Replication</a:t>
+            </a:r>
+            <a:endParaRPr lang="en-US" dirty="0"/>
+          </a:p>
+        </p:txBody>
+      </p:sp>
+      <p:sp>
+        <p:nvSpPr>
+          <p:cNvPr id="3" name="Content Placeholder 2"/>
+          <p:cNvSpPr>
+            <a:spLocks noGrp="1"/>
+          </p:cNvSpPr>
+          <p:nvPr>
+            <p:ph idx="1"/>
+          </p:nvPr>
+        </p:nvSpPr>
+        <p:spPr/>
+        <p:txBody>
+          <a:bodyPr/>
+          <a:lstStyle/>
+          <a:p>
+            <a:r>
+              <a:rPr lang="en-US" dirty="0" err="1" smtClean="0"/>
+              <a:t>FailoverBehavior</a:t>
+            </a:r>
+            <a:endParaRPr lang="en-US" dirty="0" smtClean="0"/>
+          </a:p>
+          <a:p>
+            <a:pPr lvl="1"/>
+            <a:r>
+              <a:rPr lang="en-US" dirty="0" smtClean="0"/>
+              <a:t>Default is </a:t>
+            </a:r>
+            <a:r>
+              <a:rPr lang="en-US" dirty="0" err="1" smtClean="0"/>
+              <a:t>AllowReadsFromSecondaries</a:t>
+            </a:r>
+            <a:r>
+              <a:rPr lang="en-US" dirty="0" smtClean="0"/>
+              <a:t> (no writes)</a:t>
+            </a:r>
+          </a:p>
+          <a:p>
+            <a:pPr lvl="1"/>
+            <a:r>
+              <a:rPr lang="en-US" dirty="0" err="1" smtClean="0"/>
+              <a:t>AllowReadsFromSecondariesAndWritesToSecondaries</a:t>
+            </a:r>
+            <a:endParaRPr lang="en-US" dirty="0" smtClean="0"/>
+          </a:p>
+          <a:p>
+            <a:pPr lvl="1"/>
+            <a:r>
+              <a:rPr lang="en-US" dirty="0" err="1" smtClean="0"/>
+              <a:t>FailImmediately</a:t>
+            </a:r>
+            <a:endParaRPr lang="en-US" dirty="0" smtClean="0"/>
+          </a:p>
+          <a:p>
+            <a:pPr lvl="1"/>
+            <a:r>
+              <a:rPr lang="en-US" dirty="0" err="1" smtClean="0"/>
+              <a:t>ReadFromAllServers</a:t>
+            </a:r>
+            <a:endParaRPr lang="en-US" dirty="0" smtClean="0"/>
+          </a:p>
+          <a:p>
+            <a:r>
+              <a:rPr lang="en-US" dirty="0"/>
+              <a:t>Master-slave</a:t>
+            </a:r>
+          </a:p>
+          <a:p>
+            <a:pPr lvl="1"/>
+            <a:r>
+              <a:rPr lang="en-US" dirty="0"/>
+              <a:t>Provides failover but changes on the slave are not replicated back to the master node.</a:t>
+            </a:r>
+          </a:p>
+          <a:p>
+            <a:r>
+              <a:rPr lang="en-US" dirty="0" smtClean="0"/>
+              <a:t>Master-master</a:t>
+            </a:r>
+          </a:p>
+          <a:p>
+            <a:pPr lvl="1"/>
+            <a:r>
+              <a:rPr lang="en-US" dirty="0" smtClean="0"/>
+              <a:t>Writes to the primary server as long as it is up.</a:t>
+            </a:r>
+          </a:p>
+          <a:p>
+            <a:pPr lvl="1"/>
+            <a:r>
+              <a:rPr lang="en-US" dirty="0" smtClean="0"/>
+              <a:t>Writes to the secondary get replicated back to the primary when it comes back online.</a:t>
+            </a:r>
+            <a:endParaRPr lang="en-US" dirty="0"/>
+          </a:p>
+        </p:txBody>
+      </p:sp>
+    </p:spTree>
+    <p:extLst>
+      <p:ext uri="{BB962C8B-B14F-4D97-AF65-F5344CB8AC3E}">
+        <p14:creationId xmlns:p14="http://schemas.microsoft.com/office/powerpoint/2010/main" val="3550692995"/>
+      </p:ext>
+    </p:extLst>
+  </p:cSld>
+  <p:clrMapOvr>
+    <a:masterClrMapping/>
+  </p:clrMapOvr>
+  <mc:AlternateContent xmlns:mc="http://schemas.openxmlformats.org/markup-compatibility/2006">
+    <mc:Choice xmlns:p14="http://schemas.microsoft.com/office/powerpoint/2010/main" Requires="p14">
+      <p:transition spd="med" p14:dur="700">
+        <p:fade/>
+      </p:transition>
+    </mc:Choice>
+    <mc:Fallback>
+      <p:transition spd="med">
+        <p:fade/>
+      </p:transition>
+    </mc:Fallback>
+  </mc:AlternateContent>
+  <p:timing>
+    <p:tnLst>
+      <p:par>
+        <p:cTn id="1" dur="indefinite" restart="never" nodeType="tmRoot"/>
+      </p:par>
+    </p:tnLst>
+  </p:timing>
+</p:sld>
+</file>
+
+<file path=ppt/slides/slide6.xml><?xml version="1.0" encoding="utf-8"?>
+<p:sld xmlns:a="http://schemas.openxmlformats.org/drawingml/2006/main" xmlns:r="http://schemas.openxmlformats.org/officeDocument/2006/relationships" xmlns:p="http://schemas.openxmlformats.org/presentationml/2006/main">
+  <p:cSld>
+    <p:spTree>
+      <p:nvGrpSpPr>
+        <p:cNvPr id="1" name=""/>
+        <p:cNvGrpSpPr/>
+        <p:nvPr/>
+      </p:nvGrpSpPr>
+      <p:grpSpPr>
+        <a:xfrm>
+          <a:off x="0" y="0"/>
+          <a:ext cx="0" cy="0"/>
+          <a:chOff x="0" y="0"/>
+          <a:chExt cx="0" cy="0"/>
+        </a:xfrm>
+      </p:grpSpPr>
+      <p:sp>
+        <p:nvSpPr>
+          <p:cNvPr id="2" name="Title 1"/>
+          <p:cNvSpPr>
+            <a:spLocks noGrp="1"/>
+          </p:cNvSpPr>
+          <p:nvPr>
+            <p:ph type="title"/>
+          </p:nvPr>
+        </p:nvSpPr>
+        <p:spPr/>
+        <p:txBody>
+          <a:bodyPr/>
+          <a:lstStyle/>
+          <a:p>
+            <a:r>
+              <a:rPr lang="en-US" dirty="0" smtClean="0"/>
+              <a:t>Conflicts</a:t>
+            </a:r>
+            <a:endParaRPr lang="en-US" dirty="0"/>
+          </a:p>
+        </p:txBody>
+      </p:sp>
+      <p:sp>
+        <p:nvSpPr>
+          <p:cNvPr id="3" name="Content Placeholder 2"/>
+          <p:cNvSpPr>
+            <a:spLocks noGrp="1"/>
+          </p:cNvSpPr>
+          <p:nvPr>
+            <p:ph idx="1"/>
+          </p:nvPr>
+        </p:nvSpPr>
+        <p:spPr/>
+        <p:txBody>
+          <a:bodyPr/>
+          <a:lstStyle/>
+          <a:p>
+            <a:r>
+              <a:rPr lang="en-US" dirty="0" smtClean="0"/>
+              <a:t>Resolve manually through the studio</a:t>
+            </a:r>
+          </a:p>
+          <a:p>
+            <a:r>
+              <a:rPr lang="en-US" dirty="0" smtClean="0"/>
+              <a:t>Handle them in your application by catching </a:t>
+            </a:r>
+            <a:r>
+              <a:rPr lang="en-US" dirty="0" err="1" smtClean="0"/>
+              <a:t>ConflictExceptions</a:t>
+            </a:r>
+            <a:r>
+              <a:rPr lang="en-US" dirty="0" smtClean="0"/>
+              <a:t> (not recommended)</a:t>
+            </a:r>
+          </a:p>
+          <a:p>
+            <a:r>
+              <a:rPr lang="en-US" dirty="0" smtClean="0"/>
+              <a:t>Or </a:t>
+            </a:r>
+            <a:r>
+              <a:rPr lang="en-US" dirty="0"/>
+              <a:t>by implementing an </a:t>
+            </a:r>
+            <a:r>
+              <a:rPr lang="en-US" dirty="0" err="1" smtClean="0"/>
+              <a:t>IDocumentConflictListener</a:t>
+            </a:r>
+            <a:endParaRPr lang="en-US" dirty="0" smtClean="0"/>
+          </a:p>
+          <a:p>
+            <a:r>
+              <a:rPr lang="en-US" dirty="0" smtClean="0"/>
+              <a:t>Or handle them on the server by writing an </a:t>
+            </a:r>
+            <a:r>
+              <a:rPr lang="en-US" dirty="0" err="1" smtClean="0"/>
+              <a:t>AbstractDocumentReplicationConflictResolver</a:t>
+            </a:r>
+            <a:endParaRPr lang="en-US" dirty="0" smtClean="0"/>
+          </a:p>
+          <a:p>
+            <a:pPr lvl="1"/>
+            <a:r>
+              <a:rPr lang="en-US" dirty="0" smtClean="0"/>
+              <a:t>Place the </a:t>
+            </a:r>
+            <a:r>
+              <a:rPr lang="en-US" dirty="0" err="1" smtClean="0"/>
+              <a:t>dll</a:t>
+            </a:r>
+            <a:r>
+              <a:rPr lang="en-US" dirty="0" smtClean="0"/>
+              <a:t> into the Plugins folder of the </a:t>
+            </a:r>
+            <a:r>
+              <a:rPr lang="en-US" dirty="0" err="1" smtClean="0"/>
+              <a:t>RavenDB</a:t>
+            </a:r>
+            <a:r>
+              <a:rPr lang="en-US" dirty="0" smtClean="0"/>
+              <a:t> process</a:t>
+            </a:r>
+            <a:endParaRPr lang="en-US" dirty="0"/>
+          </a:p>
+        </p:txBody>
+      </p:sp>
+    </p:spTree>
+    <p:extLst>
+      <p:ext uri="{BB962C8B-B14F-4D97-AF65-F5344CB8AC3E}">
+        <p14:creationId xmlns:p14="http://schemas.microsoft.com/office/powerpoint/2010/main" val="746222546"/>
+      </p:ext>
+    </p:extLst>
+  </p:cSld>
+  <p:clrMapOvr>
+    <a:masterClrMapping/>
+  </p:clrMapOvr>
+  <mc:AlternateContent xmlns:mc="http://schemas.openxmlformats.org/markup-compatibility/2006">
+    <mc:Choice xmlns:p14="http://schemas.microsoft.com/office/powerpoint/2010/main" Requires="p14">
+      <p:transition spd="med" p14:dur="700">
+        <p:fade/>
+      </p:transition>
+    </mc:Choice>
+    <mc:Fallback>
+      <p:transition spd="med">
+        <p:fade/>
+      </p:transition>
+    </mc:Fallback>
+  </mc:AlternateContent>
+  <p:timing>
+    <p:tnLst>
+      <p:par>
+        <p:cTn id="1" dur="indefinite" restart="never" nodeType="tmRoot"/>
+      </p:par>
+    </p:tnLst>
+  </p:timing>
+</p:sld>
+</file>
+
+<file path=ppt/slides/slide7.xml><?xml version="1.0" encoding="utf-8"?>
+<p:sld xmlns:a="http://schemas.openxmlformats.org/drawingml/2006/main" xmlns:r="http://schemas.openxmlformats.org/officeDocument/2006/relationships" xmlns:p="http://schemas.openxmlformats.org/presentationml/2006/main">
+  <p:cSld>
+    <p:spTree>
+      <p:nvGrpSpPr>
+        <p:cNvPr id="1" name=""/>
+        <p:cNvGrpSpPr/>
+        <p:nvPr/>
+      </p:nvGrpSpPr>
+      <p:grpSpPr>
+        <a:xfrm>
+          <a:off x="0" y="0"/>
+          <a:ext cx="0" cy="0"/>
+          <a:chOff x="0" y="0"/>
+          <a:chExt cx="0" cy="0"/>
+        </a:xfrm>
+      </p:grpSpPr>
+      <p:sp>
+        <p:nvSpPr>
+          <p:cNvPr id="2" name="Title 1"/>
+          <p:cNvSpPr>
+            <a:spLocks noGrp="1"/>
+          </p:cNvSpPr>
+          <p:nvPr>
+            <p:ph type="title"/>
+          </p:nvPr>
+        </p:nvSpPr>
+        <p:spPr/>
+        <p:txBody>
+          <a:bodyPr/>
+          <a:lstStyle/>
+          <a:p>
+            <a:r>
+              <a:rPr lang="en-US" dirty="0" smtClean="0"/>
+              <a:t>Backup/Restore</a:t>
+            </a:r>
+            <a:endParaRPr lang="en-US" dirty="0"/>
+          </a:p>
+        </p:txBody>
+      </p:sp>
+      <p:sp>
+        <p:nvSpPr>
+          <p:cNvPr id="3" name="Content Placeholder 2"/>
+          <p:cNvSpPr>
+            <a:spLocks noGrp="1"/>
+          </p:cNvSpPr>
+          <p:nvPr>
+            <p:ph idx="1"/>
+          </p:nvPr>
+        </p:nvSpPr>
+        <p:spPr/>
+        <p:txBody>
+          <a:bodyPr/>
+          <a:lstStyle/>
+          <a:p>
+            <a:r>
+              <a:rPr lang="en-US" dirty="0" smtClean="0"/>
+              <a:t>IT is creating nightly and incremental backups using VSS</a:t>
+            </a:r>
+          </a:p>
+          <a:p>
+            <a:r>
+              <a:rPr lang="en-US" dirty="0" smtClean="0"/>
+              <a:t>We can also create backups through the studio or Raven.Backup.exe</a:t>
+            </a:r>
+          </a:p>
+          <a:p>
+            <a:r>
+              <a:rPr lang="en-US" dirty="0" smtClean="0"/>
+              <a:t>Restore is an offline operation</a:t>
+            </a:r>
+          </a:p>
+          <a:p>
+            <a:pPr lvl="1"/>
+            <a:r>
+              <a:rPr lang="en-US" dirty="0" smtClean="0"/>
+              <a:t>VSS backups are restored by copying the data back to the original location and starting </a:t>
+            </a:r>
+            <a:r>
+              <a:rPr lang="en-US" dirty="0" err="1" smtClean="0"/>
+              <a:t>RavenDB</a:t>
+            </a:r>
+            <a:endParaRPr lang="en-US" dirty="0" smtClean="0"/>
+          </a:p>
+          <a:p>
+            <a:pPr lvl="1"/>
+            <a:r>
+              <a:rPr lang="en-US" dirty="0" smtClean="0"/>
+              <a:t>Other backups can be restored through the studio or Raven.Backup.exe</a:t>
+            </a:r>
+          </a:p>
+          <a:p>
+            <a:r>
+              <a:rPr lang="en-US" dirty="0" smtClean="0"/>
+              <a:t>Import/Export can also come in handy</a:t>
+            </a:r>
+          </a:p>
+          <a:p>
+            <a:pPr lvl="1"/>
+            <a:r>
+              <a:rPr lang="en-US" dirty="0" smtClean="0"/>
+              <a:t>Can be done through the studio or by using Raven.Smuggler.exe</a:t>
+            </a:r>
+            <a:endParaRPr lang="en-US" dirty="0"/>
+          </a:p>
+        </p:txBody>
+      </p:sp>
+    </p:spTree>
+    <p:extLst>
+      <p:ext uri="{BB962C8B-B14F-4D97-AF65-F5344CB8AC3E}">
+        <p14:creationId xmlns:p14="http://schemas.microsoft.com/office/powerpoint/2010/main" val="2691524604"/>
+      </p:ext>
+    </p:extLst>
+  </p:cSld>
+  <p:clrMapOvr>
+    <a:masterClrMapping/>
+  </p:clrMapOvr>
+  <mc:AlternateContent xmlns:mc="http://schemas.openxmlformats.org/markup-compatibility/2006">
+    <mc:Choice xmlns:p14="http://schemas.microsoft.com/office/powerpoint/2010/main" Requires="p14">
+      <p:transition spd="med" p14:dur="700">
+        <p:fade/>
+      </p:transition>
+    </mc:Choice>
+    <mc:Fallback>
+      <p:transition spd="med">
+        <p:fade/>
+      </p:transition>
+    </mc:Fallback>
+  </mc:AlternateContent>
+  <p:timing>
+    <p:tnLst>
+      <p:par>
+        <p:cTn id="1" dur="indefinite" restart="never" nodeType="tmRoot"/>
+      </p:par>
+    </p:tnLst>
+  </p:timing>
+</p:sld>
+</file>
+
+<file path=ppt/slides/slide8.xml><?xml version="1.0" encoding="utf-8"?>
+<p:sld xmlns:a="http://schemas.openxmlformats.org/drawingml/2006/main" xmlns:r="http://schemas.openxmlformats.org/officeDocument/2006/relationships" xmlns:p="http://schemas.openxmlformats.org/presentationml/2006/main">
+  <p:cSld>
+    <p:spTree>
+      <p:nvGrpSpPr>
+        <p:cNvPr id="1" name=""/>
+        <p:cNvGrpSpPr/>
+        <p:nvPr/>
+      </p:nvGrpSpPr>
+      <p:grpSpPr>
+        <a:xfrm>
+          <a:off x="0" y="0"/>
+          <a:ext cx="0" cy="0"/>
+          <a:chOff x="0" y="0"/>
+          <a:chExt cx="0" cy="0"/>
+        </a:xfrm>
+      </p:grpSpPr>
+      <p:sp>
+        <p:nvSpPr>
+          <p:cNvPr id="2" name="Title 1"/>
+          <p:cNvSpPr>
+            <a:spLocks noGrp="1"/>
+          </p:cNvSpPr>
+          <p:nvPr>
+            <p:ph type="title"/>
+          </p:nvPr>
+        </p:nvSpPr>
+        <p:spPr/>
+        <p:txBody>
+          <a:bodyPr/>
+          <a:lstStyle/>
+          <a:p>
+            <a:r>
+              <a:rPr lang="en-US" dirty="0" smtClean="0"/>
+              <a:t>Resources</a:t>
+            </a:r>
+            <a:endParaRPr lang="en-US" dirty="0"/>
+          </a:p>
+        </p:txBody>
+      </p:sp>
+      <p:sp>
+        <p:nvSpPr>
+          <p:cNvPr id="3" name="Content Placeholder 2"/>
+          <p:cNvSpPr>
+            <a:spLocks noGrp="1"/>
+          </p:cNvSpPr>
+          <p:nvPr>
+            <p:ph idx="1"/>
+          </p:nvPr>
+        </p:nvSpPr>
+        <p:spPr>
+          <a:xfrm>
+            <a:off x="457200" y="1600200"/>
+            <a:ext cx="7924800" cy="4800600"/>
+          </a:xfrm>
+        </p:spPr>
+        <p:txBody>
+          <a:bodyPr/>
+          <a:lstStyle/>
+          <a:p>
+            <a:r>
+              <a:rPr lang="en-US" dirty="0" smtClean="0"/>
+              <a:t>Documentation can be found </a:t>
+            </a:r>
+            <a:r>
+              <a:rPr lang="en-US" dirty="0"/>
+              <a:t>at </a:t>
+            </a:r>
+            <a:r>
+              <a:rPr lang="en-US" dirty="0">
+                <a:hlinkClick r:id="rId2"/>
+              </a:rPr>
+              <a:t>http://ravendb.net/docs</a:t>
+            </a:r>
+            <a:r>
+              <a:rPr lang="en-US" dirty="0" smtClean="0">
+                <a:hlinkClick r:id="rId2"/>
+              </a:rPr>
+              <a:t>/</a:t>
+            </a:r>
+            <a:endParaRPr lang="en-US" dirty="0" smtClean="0"/>
+          </a:p>
+          <a:p>
+            <a:r>
+              <a:rPr lang="en-US" dirty="0" smtClean="0"/>
+              <a:t>Mailing list</a:t>
+            </a:r>
+            <a:r>
+              <a:rPr lang="en-US" dirty="0"/>
+              <a:t>: </a:t>
+            </a:r>
+            <a:r>
+              <a:rPr lang="en-US" dirty="0">
+                <a:hlinkClick r:id="rId3"/>
+              </a:rPr>
+              <a:t>https://groups.google.com/forum/#!</a:t>
+            </a:r>
+            <a:r>
+              <a:rPr lang="en-US" dirty="0" smtClean="0">
+                <a:hlinkClick r:id="rId3"/>
+              </a:rPr>
+              <a:t>forum/ravendb</a:t>
+            </a:r>
+            <a:endParaRPr lang="en-US" dirty="0" smtClean="0"/>
+          </a:p>
+          <a:p>
+            <a:r>
+              <a:rPr lang="en-US" dirty="0" err="1" smtClean="0"/>
+              <a:t>GitHub</a:t>
+            </a:r>
+            <a:r>
+              <a:rPr lang="en-US" dirty="0"/>
+              <a:t>: </a:t>
+            </a:r>
+            <a:r>
+              <a:rPr lang="en-US" dirty="0">
+                <a:hlinkClick r:id="rId4"/>
+              </a:rPr>
+              <a:t>https://github.com/ravendb</a:t>
+            </a:r>
+            <a:r>
+              <a:rPr lang="en-US" dirty="0" smtClean="0">
+                <a:hlinkClick r:id="rId4"/>
+              </a:rPr>
+              <a:t>/</a:t>
+            </a:r>
+            <a:endParaRPr lang="en-US" dirty="0" smtClean="0"/>
+          </a:p>
+          <a:p>
+            <a:r>
+              <a:rPr lang="en-US" dirty="0" smtClean="0"/>
+              <a:t>Jeremy Miller on Reversibility: </a:t>
+            </a:r>
+          </a:p>
+          <a:p>
+            <a:pPr lvl="1"/>
+            <a:r>
+              <a:rPr lang="en-US" dirty="0">
+                <a:hlinkClick r:id="rId5"/>
+              </a:rPr>
+              <a:t>http://codebetter.com/jeremymiller/2008/02/11/first-causes-reversibility</a:t>
+            </a:r>
+            <a:r>
+              <a:rPr lang="en-US" dirty="0" smtClean="0">
+                <a:hlinkClick r:id="rId5"/>
+              </a:rPr>
+              <a:t>/</a:t>
+            </a:r>
+            <a:endParaRPr lang="en-US" dirty="0" smtClean="0"/>
+          </a:p>
+          <a:p>
+            <a:pPr lvl="1"/>
+            <a:r>
+              <a:rPr lang="en-US" dirty="0">
+                <a:hlinkClick r:id="rId6"/>
+              </a:rPr>
+              <a:t>http://jeremydmiller.com/2013/01/02/continuous-design-and-reversibility-at-agile-vancouver-video</a:t>
+            </a:r>
+            <a:r>
+              <a:rPr lang="en-US" dirty="0" smtClean="0">
+                <a:hlinkClick r:id="rId6"/>
+              </a:rPr>
+              <a:t>/</a:t>
+            </a:r>
+            <a:endParaRPr lang="en-US" dirty="0" smtClean="0"/>
+          </a:p>
+          <a:p>
+            <a:pPr lvl="1"/>
+            <a:endParaRPr lang="en-US" dirty="0" smtClean="0"/>
+          </a:p>
+          <a:p>
+            <a:endParaRPr lang="en-US" dirty="0"/>
+          </a:p>
+        </p:txBody>
+      </p:sp>
+    </p:spTree>
+    <p:extLst>
+      <p:ext uri="{BB962C8B-B14F-4D97-AF65-F5344CB8AC3E}">
+        <p14:creationId xmlns:p14="http://schemas.microsoft.com/office/powerpoint/2010/main" val="2591485194"/>
+      </p:ext>
+    </p:extLst>
+  </p:cSld>
+  <p:clrMapOvr>
+    <a:masterClrMapping/>
+  </p:clrMapOvr>
+  <mc:AlternateContent xmlns:mc="http://schemas.openxmlformats.org/markup-compatibility/2006">
+    <mc:Choice xmlns:p14="http://schemas.microsoft.com/office/powerpoint/2010/main" Requires="p14">
+      <p:transition spd="med" p14:dur="700">
+        <p:fade/>
+      </p:transition>
+    </mc:Choice>
+    <mc:Fallback>
+      <p:transition spd="med">
+        <p:fade/>
+      </p:transition>
+    </mc:Fallback>
+  </mc:AlternateContent>
+  <p:timing>
+    <p:tnLst>
+      <p:par>
+        <p:cTn id="1" dur="indefinite" restart="never" nodeType="tmRoot"/>
+      </p:par>
+    </p:tnLst>
+  </p:timing>
 </p:sld>
 </file>
 
 <file path=ppt/theme/theme1.xml><?xml version="1.0" encoding="utf-8"?>
+<a:theme xmlns:a="http://schemas.openxmlformats.org/drawingml/2006/main" name="Adjacency">
+  <a:themeElements>
+    <a:clrScheme name="Adjacency">
+      <a:dk1>
+        <a:srgbClr val="2F2B20"/>
+      </a:dk1>
+      <a:lt1>
+        <a:srgbClr val="FFFFFF"/>
+      </a:lt1>
+      <a:dk2>
+        <a:srgbClr val="675E47"/>
+      </a:dk2>
+      <a:lt2>
+        <a:srgbClr val="DFDCB7"/>
+      </a:lt2>
+      <a:accent1>
+        <a:srgbClr val="A9A57C"/>
+      </a:accent1>
+      <a:accent2>
+        <a:srgbClr val="9CBEBD"/>
+      </a:accent2>
+      <a:accent3>
+        <a:srgbClr val="D2CB6C"/>
+      </a:accent3>
+      <a:accent4>
+        <a:srgbClr val="95A39D"/>
+      </a:accent4>
+      <a:accent5>
+        <a:srgbClr val="C89F5D"/>
+      </a:accent5>
+      <a:accent6>
+        <a:srgbClr val="B1A089"/>
+      </a:accent6>
+      <a:hlink>
+        <a:srgbClr val="D25814"/>
+      </a:hlink>
+      <a:folHlink>
+        <a:srgbClr val="849A0A"/>
+      </a:folHlink>
+    </a:clrScheme>
+    <a:fontScheme name="Office">
+      <a:majorFont>
+        <a:latin typeface="Cambria"/>
+        <a:ea typeface=""/>
+        <a:cs typeface=""/>
+        <a:font script="Jpan" typeface="ＭＳ ゴシック"/>
+        <a:font script="Hang" typeface="맑은 고딕"/>
+        <a:font script="Hans" typeface="宋体"/>
+        <a:font script="Hant" typeface="新細明體"/>
+        <a:font script="Arab" typeface="Times New Roman"/>
+        <a:font script="Hebr" typeface="Times New Roman"/>
+        <a:font script="Thai" typeface="Angsana New"/>
+        <a:font script="Ethi" typeface="Nyala"/>
+        <a:font script="Beng" typeface="Vrinda"/>
+        <a:font script="Gujr" typeface="Shruti"/>
+        <a:font script="Khmr" typeface="MoolBoran"/>
+        <a:font script="Knda" typeface="Tunga"/>
+        <a:font script="Guru" typeface="Raavi"/>
+        <a:font script="Cans" typeface="Euphemia"/>
+        <a:font script="Cher" typeface="Plantagenet Cherokee"/>
+        <a:font script="Yiii" typeface="Microsoft Yi Baiti"/>
+        <a:font script="Tibt" typeface="Microsoft Himalaya"/>
+        <a:font script="Thaa" typeface="MV Boli"/>
+        <a:font script="Deva" typeface="Mangal"/>
+        <a:font script="Telu" typeface="Gautami"/>
+        <a:font script="Taml" typeface="Latha"/>
+        <a:font script="Syrc" typeface="Estrangelo Edessa"/>
+        <a:font script="Orya" typeface="Kalinga"/>
+        <a:font script="Mlym" typeface="Kartika"/>
+        <a:font script="Laoo" typeface="DokChampa"/>
+        <a:font script="Sinh" typeface="Iskoola Pota"/>
+        <a:font script="Mong" typeface="Mongolian Baiti"/>
+        <a:font script="Viet" typeface="Times New Roman"/>
+        <a:font script="Uigh" typeface="Microsoft Uighur"/>
+        <a:font script="Geor" typeface="Sylfaen"/>
+      </a:majorFont>
+      <a:minorFont>
+        <a:latin typeface="Calibri"/>
+        <a:ea typeface=""/>
+        <a:cs typeface=""/>
+        <a:font script="Jpan" typeface="ＭＳ 明朝"/>
+        <a:font script="Hang" typeface="맑은 고딕"/>
+        <a:font script="Hans" typeface="宋体"/>
+        <a:font script="Hant" typeface="新細明體"/>
+        <a:font script="Arab" typeface="Arial"/>
+        <a:font script="Hebr" typeface="Arial"/>
+        <a:font script="Thai" typeface="Cordia New"/>
+        <a:font script="Ethi" typeface="Nyala"/>
+        <a:font script="Beng" typeface="Vrinda"/>
+        <a:font script="Gujr" typeface="Shruti"/>
+        <a:font script="Khmr" typeface="DaunPenh"/>
+        <a:font script="Knda" typeface="Tunga"/>
+        <a:font script="Guru" typeface="Raavi"/>
+        <a:font script="Cans" typeface="Euphemia"/>
+        <a:font script="Cher" typeface="Plantagenet Cherokee"/>
+        <a:font script="Yiii" typeface="Microsoft Yi Baiti"/>
+        <a:font script="Tibt" typeface="Microsoft Himalaya"/>
+        <a:font script="Thaa" typeface="MV Boli"/>
+        <a:font script="Deva" typeface="Mangal"/>
+        <a:font script="Telu" typeface="Gautami"/>
+        <a:font script="Taml" typeface="Latha"/>
+        <a:font script="Syrc" typeface="Estrangelo Edessa"/>
+        <a:font script="Orya" typeface="Kalinga"/>
+        <a:font script="Mlym" typeface="Kartika"/>
+        <a:font script="Laoo" typeface="DokChampa"/>
+        <a:font script="Sinh" typeface="Iskoola Pota"/>
+        <a:font script="Mong" typeface="Mongolian Baiti"/>
+        <a:font script="Viet" typeface="Arial"/>
+        <a:font script="Uigh" typeface="Microsoft Uighur"/>
+        <a:font script="Geor" typeface="Sylfaen"/>
+      </a:minorFont>
+    </a:fontScheme>
+    <a:fmtScheme name="Adjacency">
+      <a:fillStyleLst>
+        <a:solidFill>
+          <a:schemeClr val="phClr"/>
+        </a:solidFill>
+        <a:solidFill>
+          <a:schemeClr val="phClr">
+            <a:tint val="55000"/>
+          </a:schemeClr>
+        </a:solidFill>
+        <a:solidFill>
+          <a:schemeClr val="phClr"/>
+        </a:solidFill>
+      </a:fillStyleLst>
+      <a:lnStyleLst>
+        <a:ln w="12700" cap="flat" cmpd="sng" algn="ctr">
+          <a:solidFill>
+            <a:schemeClr val="phClr">
+              <a:shade val="95000"/>
+              <a:satMod val="105000"/>
+            </a:schemeClr>
+          </a:solidFill>
+          <a:prstDash val="solid"/>
+        </a:ln>
+        <a:ln w="25400" cap="flat" cmpd="sng" algn="ctr">
+          <a:solidFill>
+            <a:schemeClr val="phClr"/>
+          </a:solidFill>
+          <a:prstDash val="solid"/>
+        </a:ln>
+        <a:ln w="38100" cap="flat" cmpd="sng" algn="ctr">
+          <a:solidFill>
+            <a:schemeClr val="phClr"/>
+          </a:solidFill>
+          <a:prstDash val="solid"/>
+        </a:ln>
+      </a:lnStyleLst>
+      <a:effectStyleLst>
+        <a:effectStyle>
+          <a:effectLst/>
+        </a:effectStyle>
+        <a:effectStyle>
+          <a:effectLst>
+            <a:outerShdw blurRad="50800" dist="25400" algn="bl" rotWithShape="0">
+              <a:srgbClr val="000000">
+                <a:alpha val="60000"/>
+              </a:srgbClr>
+            </a:outerShdw>
+          </a:effectLst>
+        </a:effectStyle>
+        <a:effectStyle>
+          <a:effectLst/>
+          <a:scene3d>
+            <a:camera prst="orthographicFront">
+              <a:rot lat="0" lon="0" rev="0"/>
+            </a:camera>
+            <a:lightRig rig="brightRoom" dir="tl">
+              <a:rot lat="0" lon="0" rev="1800000"/>
+            </a:lightRig>
+          </a:scene3d>
+          <a:sp3d contourW="10160" prstMaterial="dkEdge">
+            <a:bevelT w="38100" h="50800" prst="angle"/>
+            <a:contourClr>
+              <a:schemeClr val="phClr">
+                <a:shade val="40000"/>
+                <a:satMod val="150000"/>
+              </a:schemeClr>
+            </a:contourClr>
+          </a:sp3d>
+        </a:effectStyle>
+      </a:effectStyleLst>
+      <a:bgFillStyleLst>
+        <a:solidFill>
+          <a:schemeClr val="phClr"/>
+        </a:solidFill>
+        <a:gradFill rotWithShape="1">
+          <a:gsLst>
+            <a:gs pos="0">
+              <a:schemeClr val="phClr">
+                <a:tint val="90000"/>
+              </a:schemeClr>
+            </a:gs>
+            <a:gs pos="75000">
+              <a:schemeClr val="phClr">
+                <a:shade val="100000"/>
+                <a:satMod val="115000"/>
+              </a:schemeClr>
+            </a:gs>
+            <a:gs pos="100000">
+              <a:schemeClr val="phClr">
+                <a:shade val="70000"/>
+                <a:satMod val="130000"/>
+              </a:schemeClr>
+            </a:gs>
+          </a:gsLst>
+          <a:path path="circle">
+            <a:fillToRect l="20000" t="50000" r="100000" b="50000"/>
+          </a:path>
+        </a:gradFill>
+        <a:blipFill rotWithShape="1">
+          <a:blip xmlns:r="http://schemas.openxmlformats.org/officeDocument/2006/relationships" r:embed="rId1">
+            <a:duotone>
+              <a:schemeClr val="phClr">
+                <a:tint val="97000"/>
+              </a:schemeClr>
+              <a:schemeClr val="phClr">
+                <a:shade val="96000"/>
+              </a:schemeClr>
+            </a:duotone>
+          </a:blip>
+          <a:tile tx="0" ty="0" sx="32000" sy="32000" flip="none" algn="tl"/>
+        </a:blipFill>
+      </a:bgFillStyleLst>
+    </a:fmtScheme>
+  </a:themeElements>
+  <a:objectDefaults/>
+  <a:extraClrSchemeLst/>
+</a:theme>
+</file>
+
+<file path=ppt/theme/theme2.xml><?xml version="1.0" encoding="utf-8"?>
 <a:theme xmlns:a="http://schemas.openxmlformats.org/drawingml/2006/main" name="Office Theme">
   <a:themeElements>
     <a:clrScheme name="Office">
@@ -3518,6 +5989,7 @@
         <a:font script="Mong" typeface="Mongolian Baiti"/>
         <a:font script="Viet" typeface="Times New Roman"/>
         <a:font script="Uigh" typeface="Microsoft Uighur"/>
+        <a:font script="Geor" typeface="Sylfaen"/>
       </a:majorFont>
       <a:minorFont>
         <a:latin typeface="Calibri"/>
@@ -3552,6 +6024,7 @@
         <a:font script="Mong" typeface="Mongolian Baiti"/>
         <a:font script="Viet" typeface="Arial"/>
         <a:font script="Uigh" typeface="Microsoft Uighur"/>
+        <a:font script="Geor" typeface="Sylfaen"/>
       </a:minorFont>
     </a:fontScheme>
     <a:fmtScheme name="Office">

--- a/docs/RavenDB.pptx
+++ b/docs/RavenDB.pptx
@@ -5,17 +5,19 @@
     <p:sldMasterId id="2147483660" r:id="rId1"/>
   </p:sldMasterIdLst>
   <p:notesMasterIdLst>
-    <p:notesMasterId r:id="rId10"/>
+    <p:notesMasterId r:id="rId12"/>
   </p:notesMasterIdLst>
   <p:sldIdLst>
     <p:sldId id="256" r:id="rId2"/>
     <p:sldId id="257" r:id="rId3"/>
     <p:sldId id="258" r:id="rId4"/>
-    <p:sldId id="259" r:id="rId5"/>
-    <p:sldId id="260" r:id="rId6"/>
-    <p:sldId id="263" r:id="rId7"/>
-    <p:sldId id="262" r:id="rId8"/>
-    <p:sldId id="261" r:id="rId9"/>
+    <p:sldId id="264" r:id="rId5"/>
+    <p:sldId id="259" r:id="rId6"/>
+    <p:sldId id="260" r:id="rId7"/>
+    <p:sldId id="263" r:id="rId8"/>
+    <p:sldId id="262" r:id="rId9"/>
+    <p:sldId id="265" r:id="rId10"/>
+    <p:sldId id="261" r:id="rId11"/>
   </p:sldIdLst>
   <p:sldSz cx="9144000" cy="6858000" type="screen4x3"/>
   <p:notesSz cx="6858000" cy="9144000"/>
@@ -199,7 +201,7 @@
           <a:p>
             <a:fld id="{6CBD5C98-7F79-422E-BD07-32DA2D269530}" type="datetimeFigureOut">
               <a:rPr lang="en-US" smtClean="0"/>
-              <a:t>2/13/2014</a:t>
+              <a:t>2/14/2014</a:t>
             </a:fld>
             <a:endParaRPr lang="en-US"/>
           </a:p>
@@ -643,11 +645,7 @@
           <a:p>
             <a:r>
               <a:rPr lang="en-US" baseline="0" dirty="0" smtClean="0"/>
-              <a:t>Reversibility </a:t>
-            </a:r>
-            <a:r>
-              <a:rPr lang="en-US" baseline="0" dirty="0" smtClean="0"/>
-              <a:t>is something Jeremy has talked about previously and it’s a concept that has been around for over a decade.  In brief, Reversibility means we can change our application easily when we’ve made the wrong decision.  This is especially important when we’re working with a new technology that might turn out to not be the right fit for our application.  In the case of </a:t>
+              <a:t>Reversibility is something Jeremy has talked about previously and it’s a concept that has been around for over a decade.  In brief, Reversibility means we can change our application easily when we’ve made the wrong decision.  This is especially important when we’re working with a new technology that might turn out to not be the right fit for our application.  In the case of </a:t>
             </a:r>
             <a:r>
               <a:rPr lang="en-US" baseline="0" dirty="0" err="1" smtClean="0"/>
@@ -871,7 +869,7 @@
           <a:p>
             <a:fld id="{9EA69067-E6A7-4411-95E7-7AC23FA09CA0}" type="slidenum">
               <a:rPr lang="en-US" smtClean="0"/>
-              <a:t>4</a:t>
+              <a:t>5</a:t>
             </a:fld>
             <a:endParaRPr lang="en-US"/>
           </a:p>
@@ -975,7 +973,7 @@
           <a:p>
             <a:fld id="{9EA69067-E6A7-4411-95E7-7AC23FA09CA0}" type="slidenum">
               <a:rPr lang="en-US" smtClean="0"/>
-              <a:t>5</a:t>
+              <a:t>6</a:t>
             </a:fld>
             <a:endParaRPr lang="en-US"/>
           </a:p>
@@ -1163,7 +1161,7 @@
           <a:p>
             <a:fld id="{9EA69067-E6A7-4411-95E7-7AC23FA09CA0}" type="slidenum">
               <a:rPr lang="en-US" smtClean="0"/>
-              <a:t>6</a:t>
+              <a:t>7</a:t>
             </a:fld>
             <a:endParaRPr lang="en-US"/>
           </a:p>
@@ -1247,7 +1245,7 @@
           <a:p>
             <a:fld id="{9EA69067-E6A7-4411-95E7-7AC23FA09CA0}" type="slidenum">
               <a:rPr lang="en-US" smtClean="0"/>
-              <a:t>7</a:t>
+              <a:t>8</a:t>
             </a:fld>
             <a:endParaRPr lang="en-US"/>
           </a:p>
@@ -1461,7 +1459,7 @@
             <a:fld id="{1D8BD707-D9CF-40AE-B4C6-C98DA3205C09}" type="datetimeFigureOut">
               <a:rPr lang="en-US" smtClean="0"/>
               <a:pPr/>
-              <a:t>2/13/2014</a:t>
+              <a:t>2/14/2014</a:t>
             </a:fld>
             <a:endParaRPr lang="en-US"/>
           </a:p>
@@ -1628,7 +1626,7 @@
             <a:fld id="{1D8BD707-D9CF-40AE-B4C6-C98DA3205C09}" type="datetimeFigureOut">
               <a:rPr lang="en-US" smtClean="0"/>
               <a:pPr/>
-              <a:t>2/13/2014</a:t>
+              <a:t>2/14/2014</a:t>
             </a:fld>
             <a:endParaRPr lang="en-US"/>
           </a:p>
@@ -1805,7 +1803,7 @@
             <a:fld id="{1D8BD707-D9CF-40AE-B4C6-C98DA3205C09}" type="datetimeFigureOut">
               <a:rPr lang="en-US" smtClean="0"/>
               <a:pPr/>
-              <a:t>2/13/2014</a:t>
+              <a:t>2/14/2014</a:t>
             </a:fld>
             <a:endParaRPr lang="en-US"/>
           </a:p>
@@ -1972,7 +1970,7 @@
             <a:fld id="{1D8BD707-D9CF-40AE-B4C6-C98DA3205C09}" type="datetimeFigureOut">
               <a:rPr lang="en-US" smtClean="0"/>
               <a:pPr/>
-              <a:t>2/13/2014</a:t>
+              <a:t>2/14/2014</a:t>
             </a:fld>
             <a:endParaRPr lang="en-US"/>
           </a:p>
@@ -2215,7 +2213,7 @@
             <a:fld id="{1D8BD707-D9CF-40AE-B4C6-C98DA3205C09}" type="datetimeFigureOut">
               <a:rPr lang="en-US" smtClean="0"/>
               <a:pPr/>
-              <a:t>2/13/2014</a:t>
+              <a:t>2/14/2014</a:t>
             </a:fld>
             <a:endParaRPr lang="en-US"/>
           </a:p>
@@ -2500,7 +2498,7 @@
             <a:fld id="{1D8BD707-D9CF-40AE-B4C6-C98DA3205C09}" type="datetimeFigureOut">
               <a:rPr lang="en-US" smtClean="0"/>
               <a:pPr/>
-              <a:t>2/13/2014</a:t>
+              <a:t>2/14/2014</a:t>
             </a:fld>
             <a:endParaRPr lang="en-US"/>
           </a:p>
@@ -2931,7 +2929,7 @@
             <a:fld id="{1D8BD707-D9CF-40AE-B4C6-C98DA3205C09}" type="datetimeFigureOut">
               <a:rPr lang="en-US" smtClean="0"/>
               <a:pPr/>
-              <a:t>2/13/2014</a:t>
+              <a:t>2/14/2014</a:t>
             </a:fld>
             <a:endParaRPr lang="en-US"/>
           </a:p>
@@ -3046,7 +3044,7 @@
             <a:fld id="{1D8BD707-D9CF-40AE-B4C6-C98DA3205C09}" type="datetimeFigureOut">
               <a:rPr lang="en-US" smtClean="0"/>
               <a:pPr/>
-              <a:t>2/13/2014</a:t>
+              <a:t>2/14/2014</a:t>
             </a:fld>
             <a:endParaRPr lang="en-US"/>
           </a:p>
@@ -3138,7 +3136,7 @@
             <a:fld id="{1D8BD707-D9CF-40AE-B4C6-C98DA3205C09}" type="datetimeFigureOut">
               <a:rPr lang="en-US" smtClean="0"/>
               <a:pPr/>
-              <a:t>2/13/2014</a:t>
+              <a:t>2/14/2014</a:t>
             </a:fld>
             <a:endParaRPr lang="en-US"/>
           </a:p>
@@ -3329,7 +3327,7 @@
             <a:fld id="{1D8BD707-D9CF-40AE-B4C6-C98DA3205C09}" type="datetimeFigureOut">
               <a:rPr lang="en-US" smtClean="0"/>
               <a:pPr/>
-              <a:t>2/13/2014</a:t>
+              <a:t>2/14/2014</a:t>
             </a:fld>
             <a:endParaRPr lang="en-US"/>
           </a:p>
@@ -3649,7 +3647,7 @@
             <a:fld id="{1D8BD707-D9CF-40AE-B4C6-C98DA3205C09}" type="datetimeFigureOut">
               <a:rPr lang="en-US" smtClean="0"/>
               <a:pPr/>
-              <a:t>2/13/2014</a:t>
+              <a:t>2/14/2014</a:t>
             </a:fld>
             <a:endParaRPr lang="en-US"/>
           </a:p>
@@ -4031,7 +4029,7 @@
             <a:fld id="{1D8BD707-D9CF-40AE-B4C6-C98DA3205C09}" type="datetimeFigureOut">
               <a:rPr lang="en-US" smtClean="0"/>
               <a:pPr/>
-              <a:t>2/13/2014</a:t>
+              <a:t>2/14/2014</a:t>
             </a:fld>
             <a:endParaRPr lang="en-US"/>
           </a:p>
@@ -4374,13 +4372,14 @@
           <a:bodyPr/>
           <a:lstStyle/>
           <a:p>
+            <a:pPr algn="ctr"/>
+            <a:r>
+              <a:rPr lang="en-US" dirty="0" smtClean="0"/>
+              <a:t>A look back at </a:t>
+            </a:r>
             <a:r>
               <a:rPr lang="en-US" dirty="0" err="1" smtClean="0"/>
               <a:t>RavenDB</a:t>
-            </a:r>
-            <a:r>
-              <a:rPr lang="en-US" dirty="0" smtClean="0"/>
-              <a:t> Review</a:t>
             </a:r>
             <a:endParaRPr lang="en-US" dirty="0"/>
           </a:p>
@@ -4447,12 +4446,219 @@
   </p:clrMapOvr>
   <mc:AlternateContent xmlns:mc="http://schemas.openxmlformats.org/markup-compatibility/2006">
     <mc:Choice xmlns:p14="http://schemas.microsoft.com/office/powerpoint/2010/main" Requires="p14">
-      <p:transition spd="med" p14:dur="700">
+      <p:transition p14:dur="350">
         <p:fade/>
       </p:transition>
     </mc:Choice>
     <mc:Fallback>
-      <p:transition spd="med">
+      <p:transition>
+        <p:fade/>
+      </p:transition>
+    </mc:Fallback>
+  </mc:AlternateContent>
+  <p:timing>
+    <p:tnLst>
+      <p:par>
+        <p:cTn id="1" dur="indefinite" restart="never" nodeType="tmRoot"/>
+      </p:par>
+    </p:tnLst>
+  </p:timing>
+</p:sld>
+</file>
+
+<file path=ppt/slides/slide10.xml><?xml version="1.0" encoding="utf-8"?>
+<p:sld xmlns:a="http://schemas.openxmlformats.org/drawingml/2006/main" xmlns:r="http://schemas.openxmlformats.org/officeDocument/2006/relationships" xmlns:p="http://schemas.openxmlformats.org/presentationml/2006/main">
+  <p:cSld>
+    <p:spTree>
+      <p:nvGrpSpPr>
+        <p:cNvPr id="1" name=""/>
+        <p:cNvGrpSpPr/>
+        <p:nvPr/>
+      </p:nvGrpSpPr>
+      <p:grpSpPr>
+        <a:xfrm>
+          <a:off x="0" y="0"/>
+          <a:ext cx="0" cy="0"/>
+          <a:chOff x="0" y="0"/>
+          <a:chExt cx="0" cy="0"/>
+        </a:xfrm>
+      </p:grpSpPr>
+      <p:sp>
+        <p:nvSpPr>
+          <p:cNvPr id="2" name="Title 1"/>
+          <p:cNvSpPr>
+            <a:spLocks noGrp="1"/>
+          </p:cNvSpPr>
+          <p:nvPr>
+            <p:ph type="title"/>
+          </p:nvPr>
+        </p:nvSpPr>
+        <p:spPr/>
+        <p:txBody>
+          <a:bodyPr/>
+          <a:lstStyle/>
+          <a:p>
+            <a:r>
+              <a:rPr lang="en-US" dirty="0" smtClean="0"/>
+              <a:t>Resources</a:t>
+            </a:r>
+            <a:endParaRPr lang="en-US" dirty="0"/>
+          </a:p>
+        </p:txBody>
+      </p:sp>
+      <p:sp>
+        <p:nvSpPr>
+          <p:cNvPr id="3" name="Content Placeholder 2"/>
+          <p:cNvSpPr>
+            <a:spLocks noGrp="1"/>
+          </p:cNvSpPr>
+          <p:nvPr>
+            <p:ph idx="1"/>
+          </p:nvPr>
+        </p:nvSpPr>
+        <p:spPr>
+          <a:xfrm>
+            <a:off x="457200" y="1600200"/>
+            <a:ext cx="7924800" cy="4800600"/>
+          </a:xfrm>
+        </p:spPr>
+        <p:txBody>
+          <a:bodyPr/>
+          <a:lstStyle/>
+          <a:p>
+            <a:r>
+              <a:rPr lang="en-US" dirty="0" smtClean="0"/>
+              <a:t>Documentation can be found </a:t>
+            </a:r>
+            <a:r>
+              <a:rPr lang="en-US" dirty="0"/>
+              <a:t>at </a:t>
+            </a:r>
+            <a:r>
+              <a:rPr lang="en-US" dirty="0">
+                <a:hlinkClick r:id="rId2"/>
+              </a:rPr>
+              <a:t>http://ravendb.net/docs</a:t>
+            </a:r>
+            <a:r>
+              <a:rPr lang="en-US" dirty="0" smtClean="0">
+                <a:hlinkClick r:id="rId2"/>
+              </a:rPr>
+              <a:t>/</a:t>
+            </a:r>
+            <a:endParaRPr lang="en-US" dirty="0" smtClean="0"/>
+          </a:p>
+          <a:p>
+            <a:r>
+              <a:rPr lang="en-US" dirty="0" smtClean="0"/>
+              <a:t>Mailing list</a:t>
+            </a:r>
+            <a:r>
+              <a:rPr lang="en-US" dirty="0"/>
+              <a:t>: </a:t>
+            </a:r>
+            <a:r>
+              <a:rPr lang="en-US" dirty="0">
+                <a:hlinkClick r:id="rId3"/>
+              </a:rPr>
+              <a:t>https://groups.google.com/forum/#!</a:t>
+            </a:r>
+            <a:r>
+              <a:rPr lang="en-US" dirty="0" smtClean="0">
+                <a:hlinkClick r:id="rId3"/>
+              </a:rPr>
+              <a:t>forum/ravendb</a:t>
+            </a:r>
+            <a:endParaRPr lang="en-US" dirty="0" smtClean="0"/>
+          </a:p>
+          <a:p>
+            <a:r>
+              <a:rPr lang="en-US" dirty="0" err="1" smtClean="0"/>
+              <a:t>GitHub</a:t>
+            </a:r>
+            <a:r>
+              <a:rPr lang="en-US" dirty="0"/>
+              <a:t>: </a:t>
+            </a:r>
+            <a:r>
+              <a:rPr lang="en-US" dirty="0">
+                <a:hlinkClick r:id="rId4"/>
+              </a:rPr>
+              <a:t>https://github.com/ravendb</a:t>
+            </a:r>
+            <a:r>
+              <a:rPr lang="en-US" dirty="0" smtClean="0">
+                <a:hlinkClick r:id="rId4"/>
+              </a:rPr>
+              <a:t>/</a:t>
+            </a:r>
+            <a:endParaRPr lang="en-US" dirty="0" smtClean="0"/>
+          </a:p>
+          <a:p>
+            <a:r>
+              <a:rPr lang="en-US" dirty="0" smtClean="0"/>
+              <a:t>Jeremy Miller on Reversibility: </a:t>
+            </a:r>
+          </a:p>
+          <a:p>
+            <a:pPr lvl="1"/>
+            <a:r>
+              <a:rPr lang="en-US" dirty="0">
+                <a:hlinkClick r:id="rId5"/>
+              </a:rPr>
+              <a:t>http://codebetter.com/jeremymiller/2008/02/11/first-causes-reversibility</a:t>
+            </a:r>
+            <a:r>
+              <a:rPr lang="en-US" dirty="0" smtClean="0">
+                <a:hlinkClick r:id="rId5"/>
+              </a:rPr>
+              <a:t>/</a:t>
+            </a:r>
+            <a:endParaRPr lang="en-US" dirty="0" smtClean="0"/>
+          </a:p>
+          <a:p>
+            <a:pPr lvl="1"/>
+            <a:r>
+              <a:rPr lang="en-US" dirty="0">
+                <a:hlinkClick r:id="rId6"/>
+              </a:rPr>
+              <a:t>http://jeremydmiller.com/2013/01/02/continuous-design-and-reversibility-at-agile-vancouver-video</a:t>
+            </a:r>
+            <a:r>
+              <a:rPr lang="en-US" dirty="0" smtClean="0">
+                <a:hlinkClick r:id="rId6"/>
+              </a:rPr>
+              <a:t>/</a:t>
+            </a:r>
+            <a:endParaRPr lang="en-US" dirty="0" smtClean="0"/>
+          </a:p>
+          <a:p>
+            <a:pPr lvl="1"/>
+            <a:endParaRPr lang="en-US" dirty="0" smtClean="0"/>
+          </a:p>
+          <a:p>
+            <a:endParaRPr lang="en-US" dirty="0"/>
+          </a:p>
+        </p:txBody>
+      </p:sp>
+    </p:spTree>
+    <p:extLst>
+      <p:ext uri="{BB962C8B-B14F-4D97-AF65-F5344CB8AC3E}">
+        <p14:creationId xmlns:p14="http://schemas.microsoft.com/office/powerpoint/2010/main" val="2591485194"/>
+      </p:ext>
+    </p:extLst>
+  </p:cSld>
+  <p:clrMapOvr>
+    <a:masterClrMapping/>
+  </p:clrMapOvr>
+  <mc:AlternateContent xmlns:mc="http://schemas.openxmlformats.org/markup-compatibility/2006">
+    <mc:Choice xmlns:p14="http://schemas.microsoft.com/office/powerpoint/2010/main" Requires="p14">
+      <p:transition p14:dur="350">
+        <p:fade/>
+      </p:transition>
+    </mc:Choice>
+    <mc:Fallback>
+      <p:transition>
         <p:fade/>
       </p:transition>
     </mc:Fallback>
@@ -4629,12 +4835,12 @@
   </p:clrMapOvr>
   <mc:AlternateContent xmlns:mc="http://schemas.openxmlformats.org/markup-compatibility/2006">
     <mc:Choice xmlns:p14="http://schemas.microsoft.com/office/powerpoint/2010/main" Requires="p14">
-      <p:transition spd="med" p14:dur="700">
+      <p:transition p14:dur="350">
         <p:fade/>
       </p:transition>
     </mc:Choice>
     <mc:Fallback>
-      <p:transition spd="med">
+      <p:transition>
         <p:fade/>
       </p:transition>
     </mc:Fallback>
@@ -4807,12 +5013,12 @@
   </p:clrMapOvr>
   <mc:AlternateContent xmlns:mc="http://schemas.openxmlformats.org/markup-compatibility/2006">
     <mc:Choice xmlns:p14="http://schemas.microsoft.com/office/powerpoint/2010/main" Requires="p14">
-      <p:transition spd="med" p14:dur="700">
+      <p:transition p14:dur="350">
         <p:fade/>
       </p:transition>
     </mc:Choice>
     <mc:Fallback>
-      <p:transition spd="med">
+      <p:transition>
         <p:fade/>
       </p:transition>
     </mc:Fallback>
@@ -4861,7 +5067,7 @@
           <a:p>
             <a:r>
               <a:rPr lang="en-US" dirty="0" smtClean="0"/>
-              <a:t>Indexes</a:t>
+              <a:t>Safe by Default</a:t>
             </a:r>
             <a:endParaRPr lang="en-US" dirty="0"/>
           </a:p>
@@ -4880,7 +5086,7 @@
         <p:spPr>
           <a:xfrm>
             <a:off x="457200" y="1600200"/>
-            <a:ext cx="7696200" cy="4800600"/>
+            <a:ext cx="7924800" cy="4800600"/>
           </a:xfrm>
         </p:spPr>
         <p:txBody>
@@ -4889,89 +5095,87 @@
           <a:p>
             <a:r>
               <a:rPr lang="en-US" dirty="0" smtClean="0"/>
-              <a:t>Auto indexes are a very easy start point</a:t>
+              <a:t>Unbounded queries return the first </a:t>
+            </a:r>
+            <a:r>
+              <a:rPr lang="en-US" b="1" dirty="0" smtClean="0"/>
+              <a:t>128</a:t>
+            </a:r>
+            <a:r>
+              <a:rPr lang="en-US" dirty="0" smtClean="0"/>
+              <a:t> results</a:t>
             </a:r>
           </a:p>
           <a:p>
             <a:pPr lvl="1"/>
             <a:r>
               <a:rPr lang="en-US" dirty="0" smtClean="0"/>
-              <a:t>Will be automatically disabled if not accessed after a while</a:t>
-            </a:r>
-          </a:p>
-          <a:p>
-            <a:r>
-              <a:rPr lang="en-US" dirty="0" smtClean="0"/>
-              <a:t>Static indexes are still recommended for most operations</a:t>
+              <a:t>Use Take() to adjust this, up to a maximum of </a:t>
+            </a:r>
+            <a:r>
+              <a:rPr lang="en-US" b="1" dirty="0" smtClean="0"/>
+              <a:t>1024</a:t>
+            </a:r>
+            <a:r>
+              <a:rPr lang="en-US" dirty="0" smtClean="0"/>
+              <a:t> results</a:t>
             </a:r>
           </a:p>
           <a:p>
             <a:pPr lvl="1"/>
             <a:r>
               <a:rPr lang="en-US" dirty="0" smtClean="0"/>
-              <a:t>Inherit from </a:t>
+              <a:t>Use </a:t>
             </a:r>
             <a:r>
               <a:rPr lang="en-US" dirty="0" err="1" smtClean="0"/>
-              <a:t>AbstractIndexCreationTask</a:t>
+              <a:t>session.Advanced.Stream</a:t>
+            </a:r>
+            <a:r>
+              <a:rPr lang="en-US" dirty="0" smtClean="0"/>
+              <a:t>() if you really need it</a:t>
+            </a:r>
+          </a:p>
+          <a:p>
+            <a:r>
+              <a:rPr lang="en-US" dirty="0" smtClean="0"/>
+              <a:t>A session has a default limit of </a:t>
+            </a:r>
+            <a:r>
+              <a:rPr lang="en-US" b="1" dirty="0" smtClean="0"/>
+              <a:t>30</a:t>
+            </a:r>
+            <a:r>
+              <a:rPr lang="en-US" dirty="0" smtClean="0"/>
+              <a:t> remote calls</a:t>
+            </a:r>
+          </a:p>
+          <a:p>
+            <a:r>
+              <a:rPr lang="en-US" dirty="0" smtClean="0"/>
+              <a:t>A session can override this limit by setting </a:t>
+            </a:r>
+            <a:r>
+              <a:rPr lang="en-US" dirty="0" err="1" smtClean="0"/>
+              <a:t>IDocumentSession.Advanced.MaxNumberOfRequestsPerSession</a:t>
             </a:r>
             <a:endParaRPr lang="en-US" dirty="0" smtClean="0"/>
           </a:p>
           <a:p>
-            <a:pPr lvl="1"/>
-            <a:r>
-              <a:rPr lang="en-US" dirty="0" smtClean="0"/>
-              <a:t>Call </a:t>
+            <a:r>
+              <a:rPr lang="en-US" dirty="0" smtClean="0"/>
+              <a:t>Or application wide through </a:t>
             </a:r>
             <a:r>
               <a:rPr lang="en-US" dirty="0" err="1" smtClean="0"/>
-              <a:t>IndexCreation.CreateIndexes</a:t>
-            </a:r>
-            <a:r>
-              <a:rPr lang="en-US" dirty="0" smtClean="0"/>
-              <a:t>() on app startup</a:t>
-            </a:r>
-          </a:p>
-          <a:p>
-            <a:pPr lvl="1"/>
-            <a:r>
-              <a:rPr lang="en-US" dirty="0" smtClean="0"/>
-              <a:t>Indexes can be locked from the studio if you’ve made manual changes and haven’t deployed your app yet.</a:t>
-            </a:r>
-          </a:p>
-          <a:p>
-            <a:pPr lvl="1"/>
-            <a:r>
-              <a:rPr lang="en-US" dirty="0" smtClean="0"/>
-              <a:t>The different options on an index can be confusing</a:t>
-            </a:r>
-          </a:p>
-          <a:p>
-            <a:pPr lvl="1"/>
-            <a:r>
-              <a:rPr lang="en-US" dirty="0" smtClean="0"/>
-              <a:t>An auto index can be a good starting point</a:t>
-            </a:r>
-          </a:p>
-          <a:p>
-            <a:r>
-              <a:rPr lang="en-US" dirty="0" smtClean="0"/>
-              <a:t>Queries don’t need to be modified, </a:t>
-            </a:r>
-            <a:r>
-              <a:rPr lang="en-US" dirty="0" err="1" smtClean="0"/>
-              <a:t>RavenDB</a:t>
-            </a:r>
-            <a:r>
-              <a:rPr lang="en-US" dirty="0" smtClean="0"/>
-              <a:t> will automatically choose the appropriate index</a:t>
-            </a:r>
-          </a:p>
-          <a:p>
-            <a:pPr lvl="1"/>
-            <a:r>
-              <a:rPr lang="en-US" dirty="0" smtClean="0"/>
-              <a:t>You can optionally specify which index to use when calling Query()</a:t>
+              <a:t>IDocumentStore.Conventions.MaxNumberOfRequestsPerSession</a:t>
+            </a:r>
+            <a:endParaRPr lang="en-US" dirty="0" smtClean="0"/>
+          </a:p>
+          <a:p>
+            <a:r>
+              <a:rPr lang="en-US" dirty="0" smtClean="0"/>
+              <a:t>If you find yourself hitting this limit, you probably need to rethink your approach</a:t>
             </a:r>
             <a:endParaRPr lang="en-US" dirty="0"/>
           </a:p>
@@ -4980,7 +5184,7 @@
     </p:spTree>
     <p:extLst>
       <p:ext uri="{BB962C8B-B14F-4D97-AF65-F5344CB8AC3E}">
-        <p14:creationId xmlns:p14="http://schemas.microsoft.com/office/powerpoint/2010/main" val="3768422466"/>
+        <p14:creationId xmlns:p14="http://schemas.microsoft.com/office/powerpoint/2010/main" val="610810724"/>
       </p:ext>
     </p:extLst>
   </p:cSld>
@@ -4989,12 +5193,12 @@
   </p:clrMapOvr>
   <mc:AlternateContent xmlns:mc="http://schemas.openxmlformats.org/markup-compatibility/2006">
     <mc:Choice xmlns:p14="http://schemas.microsoft.com/office/powerpoint/2010/main" Requires="p14">
-      <p:transition spd="med" p14:dur="700">
+      <p:transition p14:dur="350">
         <p:fade/>
       </p:transition>
     </mc:Choice>
     <mc:Fallback>
-      <p:transition spd="med">
+      <p:transition>
         <p:fade/>
       </p:transition>
     </mc:Fallback>
@@ -5043,7 +5247,7 @@
           <a:p>
             <a:r>
               <a:rPr lang="en-US" dirty="0" smtClean="0"/>
-              <a:t>Replication</a:t>
+              <a:t>Indexes</a:t>
             </a:r>
             <a:endParaRPr lang="en-US" dirty="0"/>
           </a:p>
@@ -5059,14 +5263,43 @@
             <p:ph idx="1"/>
           </p:nvPr>
         </p:nvSpPr>
-        <p:spPr/>
-        <p:txBody>
-          <a:bodyPr/>
-          <a:lstStyle/>
-          <a:p>
+        <p:spPr>
+          <a:xfrm>
+            <a:off x="457200" y="1600200"/>
+            <a:ext cx="7696200" cy="4800600"/>
+          </a:xfrm>
+        </p:spPr>
+        <p:txBody>
+          <a:bodyPr/>
+          <a:lstStyle/>
+          <a:p>
+            <a:r>
+              <a:rPr lang="en-US" dirty="0" smtClean="0"/>
+              <a:t>Auto indexes are a very easy start point</a:t>
+            </a:r>
+          </a:p>
+          <a:p>
+            <a:pPr lvl="1"/>
+            <a:r>
+              <a:rPr lang="en-US" dirty="0" smtClean="0"/>
+              <a:t>Will be automatically disabled if not accessed after a while</a:t>
+            </a:r>
+          </a:p>
+          <a:p>
+            <a:r>
+              <a:rPr lang="en-US" dirty="0" smtClean="0"/>
+              <a:t>Static indexes are still recommended for most operations</a:t>
+            </a:r>
+          </a:p>
+          <a:p>
+            <a:pPr lvl="1"/>
+            <a:r>
+              <a:rPr lang="en-US" dirty="0" smtClean="0"/>
+              <a:t>Inherit from </a:t>
+            </a:r>
             <a:r>
               <a:rPr lang="en-US" dirty="0" err="1" smtClean="0"/>
-              <a:t>FailoverBehavior</a:t>
+              <a:t>AbstractIndexCreationTask</a:t>
             </a:r>
             <a:endParaRPr lang="en-US" dirty="0" smtClean="0"/>
           </a:p>
@@ -5074,72 +5307,57 @@
             <a:pPr lvl="1"/>
             <a:r>
               <a:rPr lang="en-US" dirty="0" smtClean="0"/>
-              <a:t>Default is </a:t>
+              <a:t>Call </a:t>
             </a:r>
             <a:r>
               <a:rPr lang="en-US" dirty="0" err="1" smtClean="0"/>
-              <a:t>AllowReadsFromSecondaries</a:t>
-            </a:r>
-            <a:r>
-              <a:rPr lang="en-US" dirty="0" smtClean="0"/>
-              <a:t> (no writes)</a:t>
+              <a:t>IndexCreation.CreateIndexes</a:t>
+            </a:r>
+            <a:r>
+              <a:rPr lang="en-US" dirty="0" smtClean="0"/>
+              <a:t>() on app startup</a:t>
             </a:r>
           </a:p>
           <a:p>
             <a:pPr lvl="1"/>
             <a:r>
+              <a:rPr lang="en-US" dirty="0" smtClean="0"/>
+              <a:t>Indexes can be locked from the studio if you’ve made manual changes and haven’t deployed your app yet.</a:t>
+            </a:r>
+          </a:p>
+          <a:p>
+            <a:pPr lvl="1"/>
+            <a:r>
+              <a:rPr lang="en-US" dirty="0" smtClean="0"/>
+              <a:t>The different options on an index can be confusing</a:t>
+            </a:r>
+          </a:p>
+          <a:p>
+            <a:pPr lvl="1"/>
+            <a:r>
+              <a:rPr lang="en-US" dirty="0" smtClean="0"/>
+              <a:t>An auto index can be a good starting point</a:t>
+            </a:r>
+          </a:p>
+          <a:p>
+            <a:r>
+              <a:rPr lang="en-US" dirty="0" smtClean="0"/>
+              <a:t>Queries don’t need to be modified, </a:t>
+            </a:r>
+            <a:r>
               <a:rPr lang="en-US" dirty="0" err="1" smtClean="0"/>
-              <a:t>AllowReadsFromSecondariesAndWritesToSecondaries</a:t>
-            </a:r>
-            <a:endParaRPr lang="en-US" dirty="0" smtClean="0"/>
+              <a:t>RavenDB</a:t>
+            </a:r>
+            <a:r>
+              <a:rPr lang="en-US" dirty="0" smtClean="0"/>
+              <a:t> will automatically choose the appropriate index</a:t>
+            </a:r>
           </a:p>
           <a:p>
             <a:pPr lvl="1"/>
             <a:r>
-              <a:rPr lang="en-US" dirty="0" err="1" smtClean="0"/>
-              <a:t>FailImmediately</a:t>
-            </a:r>
-            <a:endParaRPr lang="en-US" dirty="0" smtClean="0"/>
-          </a:p>
-          <a:p>
-            <a:pPr lvl="1"/>
-            <a:r>
-              <a:rPr lang="en-US" dirty="0" err="1" smtClean="0"/>
-              <a:t>ReadFromAllServers</a:t>
-            </a:r>
-            <a:endParaRPr lang="en-US" dirty="0" smtClean="0"/>
-          </a:p>
-          <a:p>
-            <a:r>
-              <a:rPr lang="en-US" dirty="0"/>
-              <a:t>Master-slave</a:t>
-            </a:r>
-          </a:p>
-          <a:p>
-            <a:pPr lvl="1"/>
-            <a:r>
-              <a:rPr lang="en-US" dirty="0"/>
-              <a:t>Provides failover but changes on the slave are not replicated back to the master node.</a:t>
-            </a:r>
-          </a:p>
-          <a:p>
-            <a:r>
-              <a:rPr lang="en-US" dirty="0" smtClean="0"/>
-              <a:t>Master-master</a:t>
-            </a:r>
-          </a:p>
-          <a:p>
-            <a:pPr lvl="1"/>
-            <a:r>
-              <a:rPr lang="en-US" dirty="0" smtClean="0"/>
-              <a:t>Writes to the primary server as long as it is up.</a:t>
-            </a:r>
-          </a:p>
-          <a:p>
-            <a:pPr lvl="1"/>
-            <a:r>
-              <a:rPr lang="en-US" dirty="0" smtClean="0"/>
-              <a:t>Writes to the secondary get replicated back to the primary when it comes back online.</a:t>
+              <a:rPr lang="en-US" dirty="0" smtClean="0"/>
+              <a:t>You can optionally specify which index to use when calling Query()</a:t>
             </a:r>
             <a:endParaRPr lang="en-US" dirty="0"/>
           </a:p>
@@ -5148,7 +5366,7 @@
     </p:spTree>
     <p:extLst>
       <p:ext uri="{BB962C8B-B14F-4D97-AF65-F5344CB8AC3E}">
-        <p14:creationId xmlns:p14="http://schemas.microsoft.com/office/powerpoint/2010/main" val="3550692995"/>
+        <p14:creationId xmlns:p14="http://schemas.microsoft.com/office/powerpoint/2010/main" val="3768422466"/>
       </p:ext>
     </p:extLst>
   </p:cSld>
@@ -5157,12 +5375,12 @@
   </p:clrMapOvr>
   <mc:AlternateContent xmlns:mc="http://schemas.openxmlformats.org/markup-compatibility/2006">
     <mc:Choice xmlns:p14="http://schemas.microsoft.com/office/powerpoint/2010/main" Requires="p14">
-      <p:transition spd="med" p14:dur="700">
+      <p:transition p14:dur="350">
         <p:fade/>
       </p:transition>
     </mc:Choice>
     <mc:Fallback>
-      <p:transition spd="med">
+      <p:transition>
         <p:fade/>
       </p:transition>
     </mc:Fallback>
@@ -5211,7 +5429,7 @@
           <a:p>
             <a:r>
               <a:rPr lang="en-US" dirty="0" smtClean="0"/>
-              <a:t>Conflicts</a:t>
+              <a:t>Replication</a:t>
             </a:r>
             <a:endParaRPr lang="en-US" dirty="0"/>
           </a:p>
@@ -5233,71 +5451,81 @@
           <a:lstStyle/>
           <a:p>
             <a:r>
-              <a:rPr lang="en-US" dirty="0" smtClean="0"/>
-              <a:t>Resolve manually through the studio</a:t>
-            </a:r>
-          </a:p>
-          <a:p>
-            <a:r>
-              <a:rPr lang="en-US" dirty="0" smtClean="0"/>
-              <a:t>Handle them in your application by catching </a:t>
-            </a:r>
-            <a:r>
               <a:rPr lang="en-US" dirty="0" err="1" smtClean="0"/>
-              <a:t>ConflictExceptions</a:t>
-            </a:r>
-            <a:r>
-              <a:rPr lang="en-US" dirty="0" smtClean="0"/>
-              <a:t> (not recommended)</a:t>
-            </a:r>
-          </a:p>
-          <a:p>
-            <a:r>
-              <a:rPr lang="en-US" dirty="0" smtClean="0"/>
-              <a:t>Or </a:t>
-            </a:r>
+              <a:t>FailoverBehavior</a:t>
+            </a:r>
+            <a:endParaRPr lang="en-US" dirty="0" smtClean="0"/>
+          </a:p>
+          <a:p>
+            <a:pPr lvl="1"/>
+            <a:r>
+              <a:rPr lang="en-US" dirty="0" smtClean="0"/>
+              <a:t>Default is </a:t>
+            </a:r>
+            <a:r>
+              <a:rPr lang="en-US" dirty="0" err="1" smtClean="0"/>
+              <a:t>AllowReadsFromSecondaries</a:t>
+            </a:r>
+            <a:r>
+              <a:rPr lang="en-US" dirty="0" smtClean="0"/>
+              <a:t> (no writes)</a:t>
+            </a:r>
+          </a:p>
+          <a:p>
+            <a:pPr lvl="1"/>
+            <a:r>
+              <a:rPr lang="en-US" dirty="0" err="1" smtClean="0"/>
+              <a:t>AllowReadsFromSecondariesAndWritesToSecondaries</a:t>
+            </a:r>
+            <a:endParaRPr lang="en-US" dirty="0" smtClean="0"/>
+          </a:p>
+          <a:p>
+            <a:pPr lvl="1"/>
+            <a:r>
+              <a:rPr lang="en-US" dirty="0" err="1" smtClean="0"/>
+              <a:t>FailImmediately</a:t>
+            </a:r>
+            <a:endParaRPr lang="en-US" dirty="0" smtClean="0"/>
+          </a:p>
+          <a:p>
+            <a:pPr lvl="1"/>
+            <a:r>
+              <a:rPr lang="en-US" dirty="0" err="1" smtClean="0"/>
+              <a:t>ReadFromAllServers</a:t>
+            </a:r>
+            <a:endParaRPr lang="en-US" dirty="0" smtClean="0"/>
+          </a:p>
+          <a:p>
             <a:r>
               <a:rPr lang="en-US" dirty="0"/>
-              <a:t>by implementing an </a:t>
-            </a:r>
-            <a:r>
-              <a:rPr lang="en-US" dirty="0" err="1" smtClean="0"/>
-              <a:t>IDocumentConflictListener</a:t>
-            </a:r>
-            <a:endParaRPr lang="en-US" dirty="0" smtClean="0"/>
-          </a:p>
-          <a:p>
-            <a:r>
-              <a:rPr lang="en-US" dirty="0" smtClean="0"/>
-              <a:t>Or handle them on the server by writing an </a:t>
-            </a:r>
-            <a:r>
-              <a:rPr lang="en-US" dirty="0" err="1" smtClean="0"/>
-              <a:t>AbstractDocumentReplicationConflictResolver</a:t>
-            </a:r>
-            <a:endParaRPr lang="en-US" dirty="0" smtClean="0"/>
+              <a:t>Master-slave</a:t>
+            </a:r>
           </a:p>
           <a:p>
             <a:pPr lvl="1"/>
             <a:r>
-              <a:rPr lang="en-US" dirty="0" smtClean="0"/>
-              <a:t>Place the </a:t>
-            </a:r>
-            <a:r>
-              <a:rPr lang="en-US" dirty="0" err="1" smtClean="0"/>
-              <a:t>dll</a:t>
-            </a:r>
-            <a:r>
-              <a:rPr lang="en-US" dirty="0" smtClean="0"/>
-              <a:t> into the Plugins folder of the </a:t>
-            </a:r>
-            <a:r>
-              <a:rPr lang="en-US" dirty="0" err="1" smtClean="0"/>
-              <a:t>RavenDB</a:t>
-            </a:r>
-            <a:r>
-              <a:rPr lang="en-US" dirty="0" smtClean="0"/>
-              <a:t> process</a:t>
+              <a:rPr lang="en-US" dirty="0"/>
+              <a:t>Provides failover but changes on the slave are not replicated back to the master node.</a:t>
+            </a:r>
+          </a:p>
+          <a:p>
+            <a:r>
+              <a:rPr lang="en-US" dirty="0" smtClean="0"/>
+              <a:t>Master-master</a:t>
+            </a:r>
+          </a:p>
+          <a:p>
+            <a:pPr lvl="1"/>
+            <a:r>
+              <a:rPr lang="en-US" dirty="0" smtClean="0"/>
+              <a:t>Writes to the primary server as long as it is up.</a:t>
+            </a:r>
+          </a:p>
+          <a:p>
+            <a:pPr lvl="1"/>
+            <a:r>
+              <a:rPr lang="en-US" dirty="0" smtClean="0"/>
+              <a:t>Writes to the secondary get replicated back to the primary when it comes back online.</a:t>
             </a:r>
             <a:endParaRPr lang="en-US" dirty="0"/>
           </a:p>
@@ -5306,7 +5534,7 @@
     </p:spTree>
     <p:extLst>
       <p:ext uri="{BB962C8B-B14F-4D97-AF65-F5344CB8AC3E}">
-        <p14:creationId xmlns:p14="http://schemas.microsoft.com/office/powerpoint/2010/main" val="746222546"/>
+        <p14:creationId xmlns:p14="http://schemas.microsoft.com/office/powerpoint/2010/main" val="3550692995"/>
       </p:ext>
     </p:extLst>
   </p:cSld>
@@ -5315,12 +5543,12 @@
   </p:clrMapOvr>
   <mc:AlternateContent xmlns:mc="http://schemas.openxmlformats.org/markup-compatibility/2006">
     <mc:Choice xmlns:p14="http://schemas.microsoft.com/office/powerpoint/2010/main" Requires="p14">
-      <p:transition spd="med" p14:dur="700">
+      <p:transition p14:dur="350">
         <p:fade/>
       </p:transition>
     </mc:Choice>
     <mc:Fallback>
-      <p:transition spd="med">
+      <p:transition>
         <p:fade/>
       </p:transition>
     </mc:Fallback>
@@ -5369,7 +5597,7 @@
           <a:p>
             <a:r>
               <a:rPr lang="en-US" dirty="0" smtClean="0"/>
-              <a:t>Backup/Restore</a:t>
+              <a:t>Conflicts</a:t>
             </a:r>
             <a:endParaRPr lang="en-US" dirty="0"/>
           </a:p>
@@ -5392,51 +5620,70 @@
           <a:p>
             <a:r>
               <a:rPr lang="en-US" dirty="0" smtClean="0"/>
-              <a:t>IT is creating nightly and incremental backups using VSS</a:t>
-            </a:r>
-          </a:p>
-          <a:p>
-            <a:r>
-              <a:rPr lang="en-US" dirty="0" smtClean="0"/>
-              <a:t>We can also create backups through the studio or Raven.Backup.exe</a:t>
-            </a:r>
-          </a:p>
-          <a:p>
-            <a:r>
-              <a:rPr lang="en-US" dirty="0" smtClean="0"/>
-              <a:t>Restore is an offline operation</a:t>
-            </a:r>
+              <a:t>Resolve manually through the studio</a:t>
+            </a:r>
+          </a:p>
+          <a:p>
+            <a:r>
+              <a:rPr lang="en-US" dirty="0" smtClean="0"/>
+              <a:t>Handle them in your application by catching </a:t>
+            </a:r>
+            <a:r>
+              <a:rPr lang="en-US" dirty="0" err="1" smtClean="0"/>
+              <a:t>ConflictExceptions</a:t>
+            </a:r>
+            <a:r>
+              <a:rPr lang="en-US" dirty="0" smtClean="0"/>
+              <a:t> (not recommended)</a:t>
+            </a:r>
+          </a:p>
+          <a:p>
+            <a:r>
+              <a:rPr lang="en-US" dirty="0" smtClean="0"/>
+              <a:t>Or </a:t>
+            </a:r>
+            <a:r>
+              <a:rPr lang="en-US" dirty="0"/>
+              <a:t>by implementing an </a:t>
+            </a:r>
+            <a:r>
+              <a:rPr lang="en-US" dirty="0" err="1" smtClean="0"/>
+              <a:t>IDocumentConflictListener</a:t>
+            </a:r>
+            <a:endParaRPr lang="en-US" dirty="0" smtClean="0"/>
+          </a:p>
+          <a:p>
+            <a:r>
+              <a:rPr lang="en-US" dirty="0" smtClean="0"/>
+              <a:t>Or handle them on the server by writing an </a:t>
+            </a:r>
+            <a:r>
+              <a:rPr lang="en-US" dirty="0" err="1" smtClean="0"/>
+              <a:t>AbstractDocumentReplicationConflictResolver</a:t>
+            </a:r>
+            <a:endParaRPr lang="en-US" dirty="0" smtClean="0"/>
           </a:p>
           <a:p>
             <a:pPr lvl="1"/>
             <a:r>
               <a:rPr lang="en-US" dirty="0" smtClean="0"/>
-              <a:t>VSS backups are restored by copying the data back to the original location and starting </a:t>
+              <a:t>Place the </a:t>
+            </a:r>
+            <a:r>
+              <a:rPr lang="en-US" dirty="0" err="1" smtClean="0"/>
+              <a:t>dll</a:t>
+            </a:r>
+            <a:r>
+              <a:rPr lang="en-US" dirty="0" smtClean="0"/>
+              <a:t> into the Plugins folder of the </a:t>
             </a:r>
             <a:r>
               <a:rPr lang="en-US" dirty="0" err="1" smtClean="0"/>
               <a:t>RavenDB</a:t>
             </a:r>
-            <a:endParaRPr lang="en-US" dirty="0" smtClean="0"/>
-          </a:p>
-          <a:p>
-            <a:pPr lvl="1"/>
-            <a:r>
-              <a:rPr lang="en-US" dirty="0" smtClean="0"/>
-              <a:t>Other backups can be restored through the studio or Raven.Backup.exe</a:t>
-            </a:r>
-          </a:p>
-          <a:p>
-            <a:r>
-              <a:rPr lang="en-US" dirty="0" smtClean="0"/>
-              <a:t>Import/Export can also come in handy</a:t>
-            </a:r>
-          </a:p>
-          <a:p>
-            <a:pPr lvl="1"/>
-            <a:r>
-              <a:rPr lang="en-US" dirty="0" smtClean="0"/>
-              <a:t>Can be done through the studio or by using Raven.Smuggler.exe</a:t>
+            <a:r>
+              <a:rPr lang="en-US" dirty="0" smtClean="0"/>
+              <a:t> process</a:t>
             </a:r>
             <a:endParaRPr lang="en-US" dirty="0"/>
           </a:p>
@@ -5445,7 +5692,7 @@
     </p:spTree>
     <p:extLst>
       <p:ext uri="{BB962C8B-B14F-4D97-AF65-F5344CB8AC3E}">
-        <p14:creationId xmlns:p14="http://schemas.microsoft.com/office/powerpoint/2010/main" val="2691524604"/>
+        <p14:creationId xmlns:p14="http://schemas.microsoft.com/office/powerpoint/2010/main" val="746222546"/>
       </p:ext>
     </p:extLst>
   </p:cSld>
@@ -5454,12 +5701,12 @@
   </p:clrMapOvr>
   <mc:AlternateContent xmlns:mc="http://schemas.openxmlformats.org/markup-compatibility/2006">
     <mc:Choice xmlns:p14="http://schemas.microsoft.com/office/powerpoint/2010/main" Requires="p14">
-      <p:transition spd="med" p14:dur="700">
+      <p:transition p14:dur="350">
         <p:fade/>
       </p:transition>
     </mc:Choice>
     <mc:Fallback>
-      <p:transition spd="med">
+      <p:transition>
         <p:fade/>
       </p:transition>
     </mc:Fallback>
@@ -5508,7 +5755,7 @@
           <a:p>
             <a:r>
               <a:rPr lang="en-US" dirty="0" smtClean="0"/>
-              <a:t>Resources</a:t>
+              <a:t>Backup/Restore</a:t>
             </a:r>
             <a:endParaRPr lang="en-US" dirty="0"/>
           </a:p>
@@ -5524,127 +5771,59 @@
             <p:ph idx="1"/>
           </p:nvPr>
         </p:nvSpPr>
-        <p:spPr>
-          <a:xfrm>
-            <a:off x="457200" y="1600200"/>
-            <a:ext cx="7924800" cy="4800600"/>
-          </a:xfrm>
-        </p:spPr>
-        <p:txBody>
-          <a:bodyPr/>
-          <a:lstStyle/>
-          <a:p>
-            <a:r>
-              <a:rPr lang="en-US" dirty="0" smtClean="0"/>
-              <a:t>Documentation can be found </a:t>
-            </a:r>
-            <a:r>
-              <a:rPr lang="en-US" dirty="0"/>
-              <a:t>at </a:t>
-            </a:r>
-            <a:r>
-              <a:rPr lang="en-US" dirty="0">
-                <a:hlinkClick r:id="rId2"/>
-              </a:rPr>
-              <a:t>http://ravendb.net/docs</a:t>
-            </a:r>
-            <a:r>
-              <a:rPr lang="en-US" dirty="0" smtClean="0">
-                <a:hlinkClick r:id="rId2"/>
-              </a:rPr>
-              <a:t>/</a:t>
+        <p:spPr/>
+        <p:txBody>
+          <a:bodyPr/>
+          <a:lstStyle/>
+          <a:p>
+            <a:r>
+              <a:rPr lang="en-US" dirty="0" smtClean="0"/>
+              <a:t>IT is creating nightly and incremental backups using VSS</a:t>
+            </a:r>
+          </a:p>
+          <a:p>
+            <a:r>
+              <a:rPr lang="en-US" dirty="0" smtClean="0"/>
+              <a:t>We can also create backups through the studio or Raven.Backup.exe</a:t>
+            </a:r>
+          </a:p>
+          <a:p>
+            <a:r>
+              <a:rPr lang="en-US" dirty="0" smtClean="0"/>
+              <a:t>Restore is an offline operation</a:t>
+            </a:r>
+          </a:p>
+          <a:p>
+            <a:pPr lvl="1"/>
+            <a:r>
+              <a:rPr lang="en-US" dirty="0" smtClean="0"/>
+              <a:t>VSS backups are restored by copying the data back to the original location and starting </a:t>
+            </a:r>
+            <a:r>
+              <a:rPr lang="en-US" dirty="0" err="1" smtClean="0"/>
+              <a:t>RavenDB</a:t>
             </a:r>
             <a:endParaRPr lang="en-US" dirty="0" smtClean="0"/>
           </a:p>
           <a:p>
-            <a:r>
-              <a:rPr lang="en-US" dirty="0" smtClean="0"/>
-              <a:t>Mailing list</a:t>
-            </a:r>
-            <a:r>
-              <a:rPr lang="en-US" dirty="0"/>
-              <a:t>: </a:t>
-            </a:r>
-            <a:r>
-              <a:rPr lang="en-US" dirty="0">
-                <a:hlinkClick r:id="rId3"/>
-              </a:rPr>
-              <a:t>https://groups.google.com/forum/#!</a:t>
-            </a:r>
-            <a:r>
-              <a:rPr lang="en-US" dirty="0" smtClean="0">
-                <a:hlinkClick r:id="rId3"/>
-              </a:rPr>
-              <a:t>forum/ravendb</a:t>
-            </a:r>
-            <a:endParaRPr lang="en-US" dirty="0" smtClean="0"/>
-          </a:p>
-          <a:p>
-            <a:r>
-              <a:rPr lang="en-US" dirty="0" err="1" smtClean="0"/>
-              <a:t>GitHub</a:t>
-            </a:r>
-            <a:r>
-              <a:rPr lang="en-US" dirty="0"/>
-              <a:t>: </a:t>
-            </a:r>
-            <a:r>
-              <a:rPr lang="en-US" dirty="0">
-                <a:hlinkClick r:id="rId4"/>
-              </a:rPr>
-              <a:t>https://github.com/ravendb</a:t>
-            </a:r>
-            <a:r>
-              <a:rPr lang="en-US" dirty="0" smtClean="0">
-                <a:hlinkClick r:id="rId4"/>
-              </a:rPr>
-              <a:t>/</a:t>
-            </a:r>
-            <a:endParaRPr lang="en-US" dirty="0" smtClean="0"/>
-          </a:p>
-          <a:p>
-            <a:r>
-              <a:rPr lang="en-US" dirty="0" smtClean="0"/>
-              <a:t>Jeremy Miller on Reversibility: </a:t>
-            </a:r>
-          </a:p>
-          <a:p>
             <a:pPr lvl="1"/>
             <a:r>
-              <a:rPr lang="en-US" dirty="0">
-                <a:hlinkClick r:id="rId5"/>
-              </a:rPr>
-              <a:t>http://codebetter.com/jeremymiller/2008/02/11/first-causes-reversibility</a:t>
-            </a:r>
-            <a:r>
-              <a:rPr lang="en-US" dirty="0" smtClean="0">
-                <a:hlinkClick r:id="rId5"/>
-              </a:rPr>
-              <a:t>/</a:t>
-            </a:r>
-            <a:endParaRPr lang="en-US" dirty="0" smtClean="0"/>
+              <a:rPr lang="en-US" dirty="0" smtClean="0"/>
+              <a:t>Other backups can be restored through the studio or Raven.Backup.exe</a:t>
+            </a:r>
+          </a:p>
+          <a:p>
+            <a:r>
+              <a:rPr lang="en-US" dirty="0" smtClean="0"/>
+              <a:t>Import/Export can also come in handy</a:t>
+            </a:r>
           </a:p>
           <a:p>
             <a:pPr lvl="1"/>
             <a:r>
-              <a:rPr lang="en-US" dirty="0">
-                <a:hlinkClick r:id="rId6"/>
-              </a:rPr>
-              <a:t>http://jeremydmiller.com/2013/01/02/continuous-design-and-reversibility-at-agile-vancouver-video</a:t>
-            </a:r>
-            <a:r>
-              <a:rPr lang="en-US" dirty="0" smtClean="0">
-                <a:hlinkClick r:id="rId6"/>
-              </a:rPr>
-              <a:t>/</a:t>
-            </a:r>
-            <a:endParaRPr lang="en-US" dirty="0" smtClean="0"/>
-          </a:p>
-          <a:p>
-            <a:pPr lvl="1"/>
-            <a:endParaRPr lang="en-US" dirty="0" smtClean="0"/>
-          </a:p>
-          <a:p>
+              <a:rPr lang="en-US" dirty="0" smtClean="0"/>
+              <a:t>Can be done through the studio or by using Raven.Smuggler.exe</a:t>
+            </a:r>
             <a:endParaRPr lang="en-US" dirty="0"/>
           </a:p>
         </p:txBody>
@@ -5652,7 +5831,7 @@
     </p:spTree>
     <p:extLst>
       <p:ext uri="{BB962C8B-B14F-4D97-AF65-F5344CB8AC3E}">
-        <p14:creationId xmlns:p14="http://schemas.microsoft.com/office/powerpoint/2010/main" val="2591485194"/>
+        <p14:creationId xmlns:p14="http://schemas.microsoft.com/office/powerpoint/2010/main" val="2691524604"/>
       </p:ext>
     </p:extLst>
   </p:cSld>
@@ -5661,12 +5840,231 @@
   </p:clrMapOvr>
   <mc:AlternateContent xmlns:mc="http://schemas.openxmlformats.org/markup-compatibility/2006">
     <mc:Choice xmlns:p14="http://schemas.microsoft.com/office/powerpoint/2010/main" Requires="p14">
-      <p:transition spd="med" p14:dur="700">
+      <p:transition p14:dur="350">
         <p:fade/>
       </p:transition>
     </mc:Choice>
     <mc:Fallback>
-      <p:transition spd="med">
+      <p:transition>
+        <p:fade/>
+      </p:transition>
+    </mc:Fallback>
+  </mc:AlternateContent>
+  <p:timing>
+    <p:tnLst>
+      <p:par>
+        <p:cTn id="1" dur="indefinite" restart="never" nodeType="tmRoot"/>
+      </p:par>
+    </p:tnLst>
+  </p:timing>
+</p:sld>
+</file>
+
+<file path=ppt/slides/slide9.xml><?xml version="1.0" encoding="utf-8"?>
+<p:sld xmlns:a="http://schemas.openxmlformats.org/drawingml/2006/main" xmlns:r="http://schemas.openxmlformats.org/officeDocument/2006/relationships" xmlns:p="http://schemas.openxmlformats.org/presentationml/2006/main">
+  <p:cSld>
+    <p:spTree>
+      <p:nvGrpSpPr>
+        <p:cNvPr id="1" name=""/>
+        <p:cNvGrpSpPr/>
+        <p:nvPr/>
+      </p:nvGrpSpPr>
+      <p:grpSpPr>
+        <a:xfrm>
+          <a:off x="0" y="0"/>
+          <a:ext cx="0" cy="0"/>
+          <a:chOff x="0" y="0"/>
+          <a:chExt cx="0" cy="0"/>
+        </a:xfrm>
+      </p:grpSpPr>
+      <p:sp>
+        <p:nvSpPr>
+          <p:cNvPr id="2" name="Title 1"/>
+          <p:cNvSpPr>
+            <a:spLocks noGrp="1"/>
+          </p:cNvSpPr>
+          <p:nvPr>
+            <p:ph type="title"/>
+          </p:nvPr>
+        </p:nvSpPr>
+        <p:spPr/>
+        <p:txBody>
+          <a:bodyPr/>
+          <a:lstStyle/>
+          <a:p>
+            <a:r>
+              <a:rPr lang="en-US" dirty="0" smtClean="0"/>
+              <a:t>Final Thoughts</a:t>
+            </a:r>
+            <a:endParaRPr lang="en-US" dirty="0"/>
+          </a:p>
+        </p:txBody>
+      </p:sp>
+      <p:sp>
+        <p:nvSpPr>
+          <p:cNvPr id="3" name="Content Placeholder 2"/>
+          <p:cNvSpPr>
+            <a:spLocks noGrp="1"/>
+          </p:cNvSpPr>
+          <p:nvPr>
+            <p:ph idx="1"/>
+          </p:nvPr>
+        </p:nvSpPr>
+        <p:spPr>
+          <a:xfrm>
+            <a:off x="457200" y="1600200"/>
+            <a:ext cx="3352800" cy="4800600"/>
+          </a:xfrm>
+        </p:spPr>
+        <p:txBody>
+          <a:bodyPr/>
+          <a:lstStyle/>
+          <a:p>
+            <a:r>
+              <a:rPr lang="en-US" dirty="0" smtClean="0"/>
+              <a:t>Think!</a:t>
+            </a:r>
+          </a:p>
+          <a:p>
+            <a:pPr lvl="1"/>
+            <a:r>
+              <a:rPr lang="en-US" dirty="0" smtClean="0"/>
+              <a:t>About your data</a:t>
+            </a:r>
+          </a:p>
+          <a:p>
+            <a:pPr lvl="1"/>
+            <a:r>
+              <a:rPr lang="en-US" dirty="0"/>
+              <a:t>A</a:t>
+            </a:r>
+            <a:r>
+              <a:rPr lang="en-US" dirty="0" smtClean="0"/>
+              <a:t>nd how it’s accessed</a:t>
+            </a:r>
+          </a:p>
+          <a:p>
+            <a:pPr lvl="1"/>
+            <a:r>
+              <a:rPr lang="en-US" dirty="0"/>
+              <a:t>A</a:t>
+            </a:r>
+            <a:r>
+              <a:rPr lang="en-US" dirty="0" smtClean="0"/>
+              <a:t>nd how it’ll change</a:t>
+            </a:r>
+          </a:p>
+          <a:p>
+            <a:r>
+              <a:rPr lang="en-US" dirty="0" smtClean="0"/>
+              <a:t>RTFM</a:t>
+            </a:r>
+          </a:p>
+          <a:p>
+            <a:r>
+              <a:rPr lang="en-US" dirty="0" smtClean="0"/>
+              <a:t>Make </a:t>
+            </a:r>
+            <a:r>
+              <a:rPr lang="en-US" dirty="0" err="1" smtClean="0"/>
+              <a:t>RavenDB</a:t>
+            </a:r>
+            <a:r>
+              <a:rPr lang="en-US" dirty="0" smtClean="0"/>
+              <a:t> work for you, not against you</a:t>
+            </a:r>
+          </a:p>
+        </p:txBody>
+      </p:sp>
+      <p:pic>
+        <p:nvPicPr>
+          <p:cNvPr id="1026" name="Picture 2" descr="C:\Projects\Presentations\RavenDB\git\docs\rtfm.png"/>
+          <p:cNvPicPr>
+            <a:picLocks noChangeAspect="1" noChangeArrowheads="1"/>
+          </p:cNvPicPr>
+          <p:nvPr/>
+        </p:nvPicPr>
+        <p:blipFill>
+          <a:blip r:embed="rId2">
+            <a:extLst>
+              <a:ext uri="{28A0092B-C50C-407E-A947-70E740481C1C}">
+                <a14:useLocalDpi xmlns:a14="http://schemas.microsoft.com/office/drawing/2010/main" val="0"/>
+              </a:ext>
+            </a:extLst>
+          </a:blip>
+          <a:srcRect/>
+          <a:stretch>
+            <a:fillRect/>
+          </a:stretch>
+        </p:blipFill>
+        <p:spPr bwMode="auto">
+          <a:xfrm>
+            <a:off x="4013200" y="1346199"/>
+            <a:ext cx="4445000" cy="5511801"/>
+          </a:xfrm>
+          <a:prstGeom prst="rect">
+            <a:avLst/>
+          </a:prstGeom>
+          <a:noFill/>
+          <a:extLst>
+            <a:ext uri="{909E8E84-426E-40DD-AFC4-6F175D3DCCD1}">
+              <a14:hiddenFill xmlns:a14="http://schemas.microsoft.com/office/drawing/2010/main">
+                <a:solidFill>
+                  <a:srgbClr val="FFFFFF"/>
+                </a:solidFill>
+              </a14:hiddenFill>
+            </a:ext>
+          </a:extLst>
+        </p:spPr>
+      </p:pic>
+      <p:sp>
+        <p:nvSpPr>
+          <p:cNvPr id="4" name="TextBox 3"/>
+          <p:cNvSpPr txBox="1"/>
+          <p:nvPr/>
+        </p:nvSpPr>
+        <p:spPr>
+          <a:xfrm>
+            <a:off x="6324600" y="6513477"/>
+            <a:ext cx="2172005" cy="369332"/>
+          </a:xfrm>
+          <a:prstGeom prst="rect">
+            <a:avLst/>
+          </a:prstGeom>
+          <a:noFill/>
+        </p:spPr>
+        <p:txBody>
+          <a:bodyPr wrap="none" rtlCol="0">
+            <a:spAutoFit/>
+          </a:bodyPr>
+          <a:lstStyle/>
+          <a:p>
+            <a:r>
+              <a:rPr lang="en-US" cap="small" dirty="0"/>
+              <a:t>http://xkcd.com/293/</a:t>
+            </a:r>
+            <a:endParaRPr lang="en-US" dirty="0"/>
+          </a:p>
+        </p:txBody>
+      </p:sp>
+    </p:spTree>
+    <p:extLst>
+      <p:ext uri="{BB962C8B-B14F-4D97-AF65-F5344CB8AC3E}">
+        <p14:creationId xmlns:p14="http://schemas.microsoft.com/office/powerpoint/2010/main" val="1092538587"/>
+      </p:ext>
+    </p:extLst>
+  </p:cSld>
+  <p:clrMapOvr>
+    <a:masterClrMapping/>
+  </p:clrMapOvr>
+  <mc:AlternateContent xmlns:mc="http://schemas.openxmlformats.org/markup-compatibility/2006">
+    <mc:Choice xmlns:p14="http://schemas.microsoft.com/office/powerpoint/2010/main" Requires="p14">
+      <p:transition p14:dur="350">
+        <p:fade/>
+      </p:transition>
+    </mc:Choice>
+    <mc:Fallback>
+      <p:transition>
         <p:fade/>
       </p:transition>
     </mc:Fallback>

--- a/docs/RavenDB.pptx
+++ b/docs/RavenDB.pptx
@@ -10,8 +10,8 @@
   <p:sldIdLst>
     <p:sldId id="256" r:id="rId2"/>
     <p:sldId id="257" r:id="rId3"/>
-    <p:sldId id="258" r:id="rId4"/>
-    <p:sldId id="264" r:id="rId5"/>
+    <p:sldId id="264" r:id="rId4"/>
+    <p:sldId id="258" r:id="rId5"/>
     <p:sldId id="259" r:id="rId6"/>
     <p:sldId id="260" r:id="rId7"/>
     <p:sldId id="263" r:id="rId8"/>
@@ -201,7 +201,7 @@
           <a:p>
             <a:fld id="{6CBD5C98-7F79-422E-BD07-32DA2D269530}" type="datetimeFigureOut">
               <a:rPr lang="en-US" smtClean="0"/>
-              <a:t>2/14/2014</a:t>
+              <a:t>2/19/2014</a:t>
             </a:fld>
             <a:endParaRPr lang="en-US"/>
           </a:p>
@@ -543,7 +543,7 @@
             </a:r>
             <a:r>
               <a:rPr lang="en-US" baseline="0" dirty="0" smtClean="0"/>
-              <a:t> as a data store, and haven’t taken advantage of many of the additional features it provides, so let me explain some of the reasons why we’ve gone that route up to this point.</a:t>
+              <a:t> as a data store, and haven’t taken advantage of some of the more advanced features it provides, so let me explain some of the reasons why we’ve gone that route up to this point.</a:t>
             </a:r>
             <a:endParaRPr lang="en-US" dirty="0" smtClean="0"/>
           </a:p>
@@ -784,71 +784,35 @@
           <a:p>
             <a:r>
               <a:rPr lang="en-US" dirty="0" smtClean="0"/>
-              <a:t>I find automatic</a:t>
+              <a:t>Can anyone tell me some different ways you can avoid hitting the session limit?</a:t>
+            </a:r>
+          </a:p>
+          <a:p>
+            <a:r>
+              <a:rPr lang="en-US" dirty="0" smtClean="0"/>
+              <a:t>-You</a:t>
             </a:r>
             <a:r>
               <a:rPr lang="en-US" baseline="0" dirty="0" smtClean="0"/>
-              <a:t> indexes to be a good starting point for most queries, but there a few caveats with them.  First, </a:t>
-            </a:r>
-            <a:r>
-              <a:rPr lang="en-US" baseline="0" dirty="0" err="1" smtClean="0"/>
-              <a:t>RavenDB</a:t>
-            </a:r>
+              <a:t> can pass multiple document ids to Load() to get all the documents in one trip to the server.</a:t>
+            </a:r>
+          </a:p>
+          <a:p>
             <a:r>
               <a:rPr lang="en-US" baseline="0" dirty="0" smtClean="0"/>
-              <a:t> can only generate indexes for simple queries, and we’ve seen a few cases where the auto-index of a moderately complex query returned the wrong data.  You’ll want to be sure to have tests for your queries.</a:t>
-            </a:r>
-          </a:p>
-          <a:p>
-            <a:endParaRPr lang="en-US" baseline="0" dirty="0" smtClean="0"/>
+              <a:t>-You can use the Include() method when querying to include a related document.  Then when Load that document, the session will already have it in memory.</a:t>
+            </a:r>
           </a:p>
           <a:p>
             <a:r>
               <a:rPr lang="en-US" baseline="0" dirty="0" smtClean="0"/>
-              <a:t>The traditional type of index in </a:t>
-            </a:r>
-            <a:r>
-              <a:rPr lang="en-US" baseline="0" dirty="0" err="1" smtClean="0"/>
-              <a:t>RavenDB</a:t>
-            </a:r>
-            <a:r>
-              <a:rPr lang="en-US" baseline="0" dirty="0" smtClean="0"/>
-              <a:t> is known as a static index.  The </a:t>
-            </a:r>
-            <a:r>
-              <a:rPr lang="en-US" baseline="0" dirty="0" err="1" smtClean="0"/>
-              <a:t>RavenDB</a:t>
-            </a:r>
-            <a:r>
-              <a:rPr lang="en-US" baseline="0" dirty="0" smtClean="0"/>
-              <a:t> documentation still says that static indexes are the recommended way to do most queries.  Static indexes can be created from the management studio or from your application.  The benefit of creating them within your application is that you get the usual compile-time checks and </a:t>
-            </a:r>
-            <a:r>
-              <a:rPr lang="en-US" baseline="0" dirty="0" err="1" smtClean="0"/>
-              <a:t>intellisense</a:t>
-            </a:r>
-            <a:r>
-              <a:rPr lang="en-US" baseline="0" dirty="0" smtClean="0"/>
-              <a:t>.</a:t>
-            </a:r>
-          </a:p>
-          <a:p>
-            <a:endParaRPr lang="en-US" baseline="0" dirty="0" smtClean="0"/>
-          </a:p>
-          <a:p>
-            <a:r>
-              <a:rPr lang="en-US" baseline="0" dirty="0" smtClean="0"/>
-              <a:t>If you need to modify an index in the management studio and haven’t yet deployed the update to the index definition in your application, you can lock the index in the studio so it won’t revert back when the application restarts.</a:t>
-            </a:r>
-          </a:p>
-          <a:p>
-            <a:endParaRPr lang="en-US" baseline="0" dirty="0" smtClean="0"/>
-          </a:p>
-          <a:p>
-            <a:r>
-              <a:rPr lang="en-US" baseline="0" dirty="0" smtClean="0"/>
-              <a:t>There are a lot of other things you can do with indexes that I won’t cover now, but they’re all covered in the online documentation.</a:t>
-            </a:r>
+              <a:t>-You can rethink your document design.  Perhaps the data should be grouped into </a:t>
+            </a:r>
+            <a:r>
+              <a:rPr lang="en-US" baseline="0" smtClean="0"/>
+              <a:t>one document.</a:t>
+            </a:r>
+            <a:endParaRPr lang="en-US" dirty="0"/>
           </a:p>
         </p:txBody>
       </p:sp>
@@ -869,7 +833,7 @@
           <a:p>
             <a:fld id="{9EA69067-E6A7-4411-95E7-7AC23FA09CA0}" type="slidenum">
               <a:rPr lang="en-US" smtClean="0"/>
-              <a:t>5</a:t>
+              <a:t>3</a:t>
             </a:fld>
             <a:endParaRPr lang="en-US"/>
           </a:p>
@@ -878,7 +842,7 @@
     </p:spTree>
     <p:extLst>
       <p:ext uri="{BB962C8B-B14F-4D97-AF65-F5344CB8AC3E}">
-        <p14:creationId xmlns:p14="http://schemas.microsoft.com/office/powerpoint/2010/main" val="2635129486"/>
+        <p14:creationId xmlns:p14="http://schemas.microsoft.com/office/powerpoint/2010/main" val="763767251"/>
       </p:ext>
     </p:extLst>
   </p:cSld>
@@ -934,25 +898,71 @@
           <a:p>
             <a:r>
               <a:rPr lang="en-US" dirty="0" smtClean="0"/>
-              <a:t>Can anyone tell me the difference</a:t>
+              <a:t>I find automatic</a:t>
             </a:r>
             <a:r>
               <a:rPr lang="en-US" baseline="0" dirty="0" smtClean="0"/>
-              <a:t> between scalability and high availability?</a:t>
-            </a:r>
-          </a:p>
-          <a:p>
+              <a:t> indexes to be a good starting point for most queries, but there a few caveats with them.  First, </a:t>
+            </a:r>
+            <a:r>
+              <a:rPr lang="en-US" baseline="0" dirty="0" err="1" smtClean="0"/>
+              <a:t>RavenDB</a:t>
+            </a:r>
             <a:r>
               <a:rPr lang="en-US" baseline="0" dirty="0" smtClean="0"/>
-              <a:t>Scalability – performance, the ability to handle the number of users of your system</a:t>
-            </a:r>
+              <a:t> can only generate indexes for simple queries, and we’ve seen a few cases where the auto-index of a moderately complex query returned the wrong data.  You’ll want to be sure to have tests for your queries.</a:t>
+            </a:r>
+          </a:p>
+          <a:p>
+            <a:endParaRPr lang="en-US" baseline="0" dirty="0" smtClean="0"/>
           </a:p>
           <a:p>
             <a:r>
               <a:rPr lang="en-US" baseline="0" dirty="0" smtClean="0"/>
-              <a:t>High Availability – uptime, the ability to continue operating when one or more servers go down</a:t>
-            </a:r>
-            <a:endParaRPr lang="en-US" dirty="0"/>
+              <a:t>The traditional type of index in </a:t>
+            </a:r>
+            <a:r>
+              <a:rPr lang="en-US" baseline="0" dirty="0" err="1" smtClean="0"/>
+              <a:t>RavenDB</a:t>
+            </a:r>
+            <a:r>
+              <a:rPr lang="en-US" baseline="0" dirty="0" smtClean="0"/>
+              <a:t> is known as a static index.  The </a:t>
+            </a:r>
+            <a:r>
+              <a:rPr lang="en-US" baseline="0" dirty="0" err="1" smtClean="0"/>
+              <a:t>RavenDB</a:t>
+            </a:r>
+            <a:r>
+              <a:rPr lang="en-US" baseline="0" dirty="0" smtClean="0"/>
+              <a:t> documentation still says that static indexes are the recommended way to do most queries.  Static indexes can be created from the management studio or from your application.  The benefit of creating them within your application is that you get the usual compile-time checks and </a:t>
+            </a:r>
+            <a:r>
+              <a:rPr lang="en-US" baseline="0" dirty="0" err="1" smtClean="0"/>
+              <a:t>intellisense</a:t>
+            </a:r>
+            <a:r>
+              <a:rPr lang="en-US" baseline="0" dirty="0" smtClean="0"/>
+              <a:t>.</a:t>
+            </a:r>
+          </a:p>
+          <a:p>
+            <a:endParaRPr lang="en-US" baseline="0" dirty="0" smtClean="0"/>
+          </a:p>
+          <a:p>
+            <a:r>
+              <a:rPr lang="en-US" baseline="0" dirty="0" smtClean="0"/>
+              <a:t>If you need to modify an index in the management studio and haven’t yet deployed the update to the index definition in your application, you can lock the index in the studio so it won’t revert back when the application restarts.</a:t>
+            </a:r>
+          </a:p>
+          <a:p>
+            <a:endParaRPr lang="en-US" baseline="0" dirty="0" smtClean="0"/>
+          </a:p>
+          <a:p>
+            <a:r>
+              <a:rPr lang="en-US" baseline="0" dirty="0" smtClean="0"/>
+              <a:t>There are a lot of other things you can do with indexes that I won’t cover now, but they’re all covered in the online documentation.</a:t>
+            </a:r>
           </a:p>
         </p:txBody>
       </p:sp>
@@ -973,7 +983,7 @@
           <a:p>
             <a:fld id="{9EA69067-E6A7-4411-95E7-7AC23FA09CA0}" type="slidenum">
               <a:rPr lang="en-US" smtClean="0"/>
-              <a:t>6</a:t>
+              <a:t>5</a:t>
             </a:fld>
             <a:endParaRPr lang="en-US"/>
           </a:p>
@@ -982,7 +992,7 @@
     </p:spTree>
     <p:extLst>
       <p:ext uri="{BB962C8B-B14F-4D97-AF65-F5344CB8AC3E}">
-        <p14:creationId xmlns:p14="http://schemas.microsoft.com/office/powerpoint/2010/main" val="503015712"/>
+        <p14:creationId xmlns:p14="http://schemas.microsoft.com/office/powerpoint/2010/main" val="2635129486"/>
       </p:ext>
     </p:extLst>
   </p:cSld>
@@ -1038,6 +1048,110 @@
           <a:p>
             <a:r>
               <a:rPr lang="en-US" dirty="0" smtClean="0"/>
+              <a:t>Can anyone tell me the difference</a:t>
+            </a:r>
+            <a:r>
+              <a:rPr lang="en-US" baseline="0" dirty="0" smtClean="0"/>
+              <a:t> between scalability and high availability?</a:t>
+            </a:r>
+          </a:p>
+          <a:p>
+            <a:r>
+              <a:rPr lang="en-US" baseline="0" dirty="0" smtClean="0"/>
+              <a:t>Scalability – performance, the ability to handle the number of users of your system</a:t>
+            </a:r>
+          </a:p>
+          <a:p>
+            <a:r>
+              <a:rPr lang="en-US" baseline="0" dirty="0" smtClean="0"/>
+              <a:t>High Availability – uptime, the ability to continue operating when one or more servers go down</a:t>
+            </a:r>
+            <a:endParaRPr lang="en-US" dirty="0"/>
+          </a:p>
+        </p:txBody>
+      </p:sp>
+      <p:sp>
+        <p:nvSpPr>
+          <p:cNvPr id="4" name="Slide Number Placeholder 3"/>
+          <p:cNvSpPr>
+            <a:spLocks noGrp="1"/>
+          </p:cNvSpPr>
+          <p:nvPr>
+            <p:ph type="sldNum" sz="quarter" idx="10"/>
+          </p:nvPr>
+        </p:nvSpPr>
+        <p:spPr/>
+        <p:txBody>
+          <a:bodyPr/>
+          <a:lstStyle/>
+          <a:p>
+            <a:fld id="{9EA69067-E6A7-4411-95E7-7AC23FA09CA0}" type="slidenum">
+              <a:rPr lang="en-US" smtClean="0"/>
+              <a:t>6</a:t>
+            </a:fld>
+            <a:endParaRPr lang="en-US"/>
+          </a:p>
+        </p:txBody>
+      </p:sp>
+    </p:spTree>
+    <p:extLst>
+      <p:ext uri="{BB962C8B-B14F-4D97-AF65-F5344CB8AC3E}">
+        <p14:creationId xmlns:p14="http://schemas.microsoft.com/office/powerpoint/2010/main" val="503015712"/>
+      </p:ext>
+    </p:extLst>
+  </p:cSld>
+  <p:clrMapOvr>
+    <a:masterClrMapping/>
+  </p:clrMapOvr>
+</p:notes>
+</file>
+
+<file path=ppt/notesSlides/notesSlide6.xml><?xml version="1.0" encoding="utf-8"?>
+<p:notes xmlns:a="http://schemas.openxmlformats.org/drawingml/2006/main" xmlns:r="http://schemas.openxmlformats.org/officeDocument/2006/relationships" xmlns:p="http://schemas.openxmlformats.org/presentationml/2006/main">
+  <p:cSld>
+    <p:spTree>
+      <p:nvGrpSpPr>
+        <p:cNvPr id="1" name=""/>
+        <p:cNvGrpSpPr/>
+        <p:nvPr/>
+      </p:nvGrpSpPr>
+      <p:grpSpPr>
+        <a:xfrm>
+          <a:off x="0" y="0"/>
+          <a:ext cx="0" cy="0"/>
+          <a:chOff x="0" y="0"/>
+          <a:chExt cx="0" cy="0"/>
+        </a:xfrm>
+      </p:grpSpPr>
+      <p:sp>
+        <p:nvSpPr>
+          <p:cNvPr id="2" name="Slide Image Placeholder 1"/>
+          <p:cNvSpPr>
+            <a:spLocks noGrp="1" noRot="1" noChangeAspect="1"/>
+          </p:cNvSpPr>
+          <p:nvPr>
+            <p:ph type="sldImg"/>
+          </p:nvPr>
+        </p:nvSpPr>
+        <p:spPr/>
+      </p:sp>
+      <p:sp>
+        <p:nvSpPr>
+          <p:cNvPr id="3" name="Notes Placeholder 2"/>
+          <p:cNvSpPr>
+            <a:spLocks noGrp="1"/>
+          </p:cNvSpPr>
+          <p:nvPr>
+            <p:ph type="body" idx="1"/>
+          </p:nvPr>
+        </p:nvSpPr>
+        <p:spPr/>
+        <p:txBody>
+          <a:bodyPr/>
+          <a:lstStyle/>
+          <a:p>
+            <a:r>
+              <a:rPr lang="en-US" dirty="0" smtClean="0"/>
               <a:t>When using replication,</a:t>
             </a:r>
             <a:r>
@@ -1180,7 +1294,7 @@
 </p:notes>
 </file>
 
-<file path=ppt/notesSlides/notesSlide6.xml><?xml version="1.0" encoding="utf-8"?>
+<file path=ppt/notesSlides/notesSlide7.xml><?xml version="1.0" encoding="utf-8"?>
 <p:notes xmlns:a="http://schemas.openxmlformats.org/drawingml/2006/main" xmlns:r="http://schemas.openxmlformats.org/officeDocument/2006/relationships" xmlns:p="http://schemas.openxmlformats.org/presentationml/2006/main">
   <p:cSld>
     <p:spTree>
@@ -1459,7 +1573,7 @@
             <a:fld id="{1D8BD707-D9CF-40AE-B4C6-C98DA3205C09}" type="datetimeFigureOut">
               <a:rPr lang="en-US" smtClean="0"/>
               <a:pPr/>
-              <a:t>2/14/2014</a:t>
+              <a:t>2/19/2014</a:t>
             </a:fld>
             <a:endParaRPr lang="en-US"/>
           </a:p>
@@ -1626,7 +1740,7 @@
             <a:fld id="{1D8BD707-D9CF-40AE-B4C6-C98DA3205C09}" type="datetimeFigureOut">
               <a:rPr lang="en-US" smtClean="0"/>
               <a:pPr/>
-              <a:t>2/14/2014</a:t>
+              <a:t>2/19/2014</a:t>
             </a:fld>
             <a:endParaRPr lang="en-US"/>
           </a:p>
@@ -1803,7 +1917,7 @@
             <a:fld id="{1D8BD707-D9CF-40AE-B4C6-C98DA3205C09}" type="datetimeFigureOut">
               <a:rPr lang="en-US" smtClean="0"/>
               <a:pPr/>
-              <a:t>2/14/2014</a:t>
+              <a:t>2/19/2014</a:t>
             </a:fld>
             <a:endParaRPr lang="en-US"/>
           </a:p>
@@ -1970,7 +2084,7 @@
             <a:fld id="{1D8BD707-D9CF-40AE-B4C6-C98DA3205C09}" type="datetimeFigureOut">
               <a:rPr lang="en-US" smtClean="0"/>
               <a:pPr/>
-              <a:t>2/14/2014</a:t>
+              <a:t>2/19/2014</a:t>
             </a:fld>
             <a:endParaRPr lang="en-US"/>
           </a:p>
@@ -2213,7 +2327,7 @@
             <a:fld id="{1D8BD707-D9CF-40AE-B4C6-C98DA3205C09}" type="datetimeFigureOut">
               <a:rPr lang="en-US" smtClean="0"/>
               <a:pPr/>
-              <a:t>2/14/2014</a:t>
+              <a:t>2/19/2014</a:t>
             </a:fld>
             <a:endParaRPr lang="en-US"/>
           </a:p>
@@ -2498,7 +2612,7 @@
             <a:fld id="{1D8BD707-D9CF-40AE-B4C6-C98DA3205C09}" type="datetimeFigureOut">
               <a:rPr lang="en-US" smtClean="0"/>
               <a:pPr/>
-              <a:t>2/14/2014</a:t>
+              <a:t>2/19/2014</a:t>
             </a:fld>
             <a:endParaRPr lang="en-US"/>
           </a:p>
@@ -2929,7 +3043,7 @@
             <a:fld id="{1D8BD707-D9CF-40AE-B4C6-C98DA3205C09}" type="datetimeFigureOut">
               <a:rPr lang="en-US" smtClean="0"/>
               <a:pPr/>
-              <a:t>2/14/2014</a:t>
+              <a:t>2/19/2014</a:t>
             </a:fld>
             <a:endParaRPr lang="en-US"/>
           </a:p>
@@ -3044,7 +3158,7 @@
             <a:fld id="{1D8BD707-D9CF-40AE-B4C6-C98DA3205C09}" type="datetimeFigureOut">
               <a:rPr lang="en-US" smtClean="0"/>
               <a:pPr/>
-              <a:t>2/14/2014</a:t>
+              <a:t>2/19/2014</a:t>
             </a:fld>
             <a:endParaRPr lang="en-US"/>
           </a:p>
@@ -3136,7 +3250,7 @@
             <a:fld id="{1D8BD707-D9CF-40AE-B4C6-C98DA3205C09}" type="datetimeFigureOut">
               <a:rPr lang="en-US" smtClean="0"/>
               <a:pPr/>
-              <a:t>2/14/2014</a:t>
+              <a:t>2/19/2014</a:t>
             </a:fld>
             <a:endParaRPr lang="en-US"/>
           </a:p>
@@ -3327,7 +3441,7 @@
             <a:fld id="{1D8BD707-D9CF-40AE-B4C6-C98DA3205C09}" type="datetimeFigureOut">
               <a:rPr lang="en-US" smtClean="0"/>
               <a:pPr/>
-              <a:t>2/14/2014</a:t>
+              <a:t>2/19/2014</a:t>
             </a:fld>
             <a:endParaRPr lang="en-US"/>
           </a:p>
@@ -3647,7 +3761,7 @@
             <a:fld id="{1D8BD707-D9CF-40AE-B4C6-C98DA3205C09}" type="datetimeFigureOut">
               <a:rPr lang="en-US" smtClean="0"/>
               <a:pPr/>
-              <a:t>2/14/2014</a:t>
+              <a:t>2/19/2014</a:t>
             </a:fld>
             <a:endParaRPr lang="en-US"/>
           </a:p>
@@ -4029,7 +4143,7 @@
             <a:fld id="{1D8BD707-D9CF-40AE-B4C6-C98DA3205C09}" type="datetimeFigureOut">
               <a:rPr lang="en-US" smtClean="0"/>
               <a:pPr/>
-              <a:t>2/14/2014</a:t>
+              <a:t>2/19/2014</a:t>
             </a:fld>
             <a:endParaRPr lang="en-US"/>
           </a:p>
@@ -4404,36 +4518,6 @@
           </a:p>
         </p:txBody>
       </p:sp>
-      <p:pic>
-        <p:nvPicPr>
-          <p:cNvPr id="5" name="Picture 4"/>
-          <p:cNvPicPr>
-            <a:picLocks noChangeAspect="1"/>
-          </p:cNvPicPr>
-          <p:nvPr/>
-        </p:nvPicPr>
-        <p:blipFill>
-          <a:blip r:embed="rId3">
-            <a:extLst>
-              <a:ext uri="{28A0092B-C50C-407E-A947-70E740481C1C}">
-                <a14:useLocalDpi xmlns:a14="http://schemas.microsoft.com/office/drawing/2010/main" val="0"/>
-              </a:ext>
-            </a:extLst>
-          </a:blip>
-          <a:stretch>
-            <a:fillRect/>
-          </a:stretch>
-        </p:blipFill>
-        <p:spPr>
-          <a:xfrm>
-            <a:off x="4953000" y="5486400"/>
-            <a:ext cx="3429000" cy="1190625"/>
-          </a:xfrm>
-          <a:prstGeom prst="rect">
-            <a:avLst/>
-          </a:prstGeom>
-        </p:spPr>
-      </p:pic>
     </p:spTree>
     <p:extLst>
       <p:ext uri="{BB962C8B-B14F-4D97-AF65-F5344CB8AC3E}">
@@ -4444,13 +4528,13 @@
   <p:clrMapOvr>
     <a:masterClrMapping/>
   </p:clrMapOvr>
-  <mc:AlternateContent xmlns:mc="http://schemas.openxmlformats.org/markup-compatibility/2006">
-    <mc:Choice xmlns:p14="http://schemas.microsoft.com/office/powerpoint/2010/main" Requires="p14">
+  <mc:AlternateContent xmlns:mc="http://schemas.openxmlformats.org/markup-compatibility/2006" xmlns:p14="http://schemas.microsoft.com/office/powerpoint/2010/main">
+    <mc:Choice Requires="p14">
       <p:transition p14:dur="350">
         <p:fade/>
       </p:transition>
     </mc:Choice>
-    <mc:Fallback>
+    <mc:Fallback xmlns="">
       <p:transition>
         <p:fade/>
       </p:transition>
@@ -4651,13 +4735,13 @@
   <p:clrMapOvr>
     <a:masterClrMapping/>
   </p:clrMapOvr>
-  <mc:AlternateContent xmlns:mc="http://schemas.openxmlformats.org/markup-compatibility/2006">
-    <mc:Choice xmlns:p14="http://schemas.microsoft.com/office/powerpoint/2010/main" Requires="p14">
+  <mc:AlternateContent xmlns:mc="http://schemas.openxmlformats.org/markup-compatibility/2006" xmlns:p14="http://schemas.microsoft.com/office/powerpoint/2010/main">
+    <mc:Choice Requires="p14">
       <p:transition p14:dur="350">
         <p:fade/>
       </p:transition>
     </mc:Choice>
-    <mc:Fallback>
+    <mc:Fallback xmlns="">
       <p:transition>
         <p:fade/>
       </p:transition>
@@ -4801,8 +4885,9 @@
             <a:pPr lvl="1"/>
             <a:r>
               <a:rPr lang="en-US" dirty="0" smtClean="0"/>
-              <a:t>Can only make use of the basic features</a:t>
-            </a:r>
+              <a:t>Might have to forego using some features</a:t>
+            </a:r>
+            <a:endParaRPr lang="en-US" dirty="0" smtClean="0"/>
           </a:p>
           <a:p>
             <a:pPr lvl="1"/>
@@ -4833,13 +4918,13 @@
   <p:clrMapOvr>
     <a:masterClrMapping/>
   </p:clrMapOvr>
-  <mc:AlternateContent xmlns:mc="http://schemas.openxmlformats.org/markup-compatibility/2006">
-    <mc:Choice xmlns:p14="http://schemas.microsoft.com/office/powerpoint/2010/main" Requires="p14">
+  <mc:AlternateContent xmlns:mc="http://schemas.openxmlformats.org/markup-compatibility/2006" xmlns:p14="http://schemas.microsoft.com/office/powerpoint/2010/main">
+    <mc:Choice Requires="p14">
       <p:transition p14:dur="350">
         <p:fade/>
       </p:transition>
     </mc:Choice>
-    <mc:Fallback>
+    <mc:Fallback xmlns="">
       <p:transition>
         <p:fade/>
       </p:transition>
@@ -4889,7 +4974,7 @@
           <a:p>
             <a:r>
               <a:rPr lang="en-US" dirty="0" smtClean="0"/>
-              <a:t>It Just Works (mostly)</a:t>
+              <a:t>Safe by Default</a:t>
             </a:r>
             <a:endParaRPr lang="en-US" dirty="0"/>
           </a:p>
@@ -4905,119 +4990,129 @@
             <p:ph idx="1"/>
           </p:nvPr>
         </p:nvSpPr>
-        <p:spPr/>
-        <p:txBody>
-          <a:bodyPr/>
-          <a:lstStyle/>
-          <a:p>
+        <p:spPr>
+          <a:xfrm>
+            <a:off x="457200" y="1600200"/>
+            <a:ext cx="7924800" cy="4800600"/>
+          </a:xfrm>
+        </p:spPr>
+        <p:txBody>
+          <a:bodyPr/>
+          <a:lstStyle/>
+          <a:p>
+            <a:r>
+              <a:rPr lang="en-US" dirty="0" smtClean="0"/>
+              <a:t>Unbounded queries return the first </a:t>
+            </a:r>
+            <a:r>
+              <a:rPr lang="en-US" b="1" dirty="0" smtClean="0"/>
+              <a:t>128</a:t>
+            </a:r>
+            <a:r>
+              <a:rPr lang="en-US" dirty="0" smtClean="0"/>
+              <a:t> results</a:t>
+            </a:r>
+          </a:p>
+          <a:p>
+            <a:pPr lvl="1"/>
+            <a:r>
+              <a:rPr lang="en-US" dirty="0" smtClean="0"/>
+              <a:t>Use Take() to adjust this, up to a maximum of </a:t>
+            </a:r>
+            <a:r>
+              <a:rPr lang="en-US" b="1" dirty="0" smtClean="0"/>
+              <a:t>1024</a:t>
+            </a:r>
+            <a:r>
+              <a:rPr lang="en-US" dirty="0" smtClean="0"/>
+              <a:t> results</a:t>
+            </a:r>
+          </a:p>
+          <a:p>
+            <a:pPr lvl="1"/>
+            <a:r>
+              <a:rPr lang="en-US" dirty="0" smtClean="0"/>
+              <a:t>Use </a:t>
+            </a:r>
             <a:r>
               <a:rPr lang="en-US" dirty="0" err="1" smtClean="0"/>
-              <a:t>RavenDB</a:t>
-            </a:r>
-            <a:r>
-              <a:rPr lang="en-US" dirty="0" smtClean="0"/>
-              <a:t> is </a:t>
+              <a:t>session.Advanced.Stream</a:t>
+            </a:r>
+            <a:r>
+              <a:rPr lang="en-US" dirty="0" smtClean="0"/>
+              <a:t>() if you really need it</a:t>
+            </a:r>
+          </a:p>
+          <a:p>
+            <a:r>
+              <a:rPr lang="en-US" dirty="0" smtClean="0"/>
+              <a:t>A session has a default limit of </a:t>
             </a:r>
             <a:r>
               <a:rPr lang="en-US" b="1" dirty="0" smtClean="0"/>
-              <a:t>asynchronous</a:t>
-            </a:r>
-          </a:p>
-          <a:p>
-            <a:pPr lvl="1"/>
-            <a:r>
-              <a:rPr lang="en-US" dirty="0" smtClean="0"/>
-              <a:t>Load() will always return the latest version</a:t>
-            </a:r>
-          </a:p>
-          <a:p>
-            <a:pPr lvl="1"/>
-            <a:r>
-              <a:rPr lang="en-US" dirty="0" smtClean="0"/>
-              <a:t>Query() can be stale</a:t>
-            </a:r>
-          </a:p>
-          <a:p>
+              <a:t>30</a:t>
+            </a:r>
+            <a:r>
+              <a:rPr lang="en-US" dirty="0" smtClean="0"/>
+              <a:t> remote calls</a:t>
+            </a:r>
+          </a:p>
+          <a:p>
+            <a:r>
+              <a:rPr lang="en-US" dirty="0" smtClean="0"/>
+              <a:t>A session can override this limit by setting </a:t>
+            </a:r>
             <a:r>
               <a:rPr lang="en-US" dirty="0" err="1" smtClean="0"/>
-              <a:t>WaitForNonStaleResults</a:t>
-            </a:r>
-            <a:r>
-              <a:rPr lang="en-US" dirty="0" smtClean="0"/>
-              <a:t>()</a:t>
-            </a:r>
-          </a:p>
-          <a:p>
-            <a:pPr lvl="1"/>
-            <a:r>
-              <a:rPr lang="en-US" dirty="0" smtClean="0"/>
-              <a:t>Only use in tests</a:t>
-            </a:r>
-          </a:p>
-          <a:p>
+              <a:t>IDocumentSession.Advanced.MaxNumberOfRequestsPerSession</a:t>
+            </a:r>
+            <a:endParaRPr lang="en-US" dirty="0" smtClean="0"/>
+          </a:p>
+          <a:p>
+            <a:r>
+              <a:rPr lang="en-US" dirty="0" smtClean="0"/>
+              <a:t>Or </a:t>
+            </a:r>
+            <a:r>
+              <a:rPr lang="en-US" dirty="0" smtClean="0"/>
+              <a:t>application-wide </a:t>
+            </a:r>
+            <a:r>
+              <a:rPr lang="en-US" dirty="0" smtClean="0"/>
+              <a:t>through </a:t>
+            </a:r>
             <a:r>
               <a:rPr lang="en-US" dirty="0" err="1" smtClean="0"/>
-              <a:t>WaitForNonStaleResultsAsOfLastWrite</a:t>
-            </a:r>
-            <a:r>
-              <a:rPr lang="en-US" dirty="0" smtClean="0"/>
-              <a:t>()</a:t>
-            </a:r>
-          </a:p>
-          <a:p>
-            <a:pPr lvl="1"/>
-            <a:r>
-              <a:rPr lang="en-US" dirty="0" smtClean="0"/>
-              <a:t>Waits for the index to include the last write made by the current document store</a:t>
-            </a:r>
-          </a:p>
-          <a:p>
-            <a:pPr lvl="1"/>
-            <a:r>
-              <a:rPr lang="en-US" dirty="0" smtClean="0"/>
-              <a:t>Map/Reduce indexes may still be stale</a:t>
+              <a:t>IDocumentStore.Conventions.MaxNumberOfRequestsPerSession</a:t>
+            </a:r>
+            <a:endParaRPr lang="en-US" dirty="0" smtClean="0"/>
+          </a:p>
+          <a:p>
+            <a:r>
+              <a:rPr lang="en-US" dirty="0" smtClean="0"/>
+              <a:t>If you find yourself hitting this limit, you probably need to rethink your approach</a:t>
             </a:r>
             <a:endParaRPr lang="en-US" dirty="0"/>
-          </a:p>
-          <a:p>
-            <a:r>
-              <a:rPr lang="en-US" dirty="0" err="1" smtClean="0"/>
-              <a:t>WaitForNonStaleResultsAsOfNow</a:t>
-            </a:r>
-            <a:r>
-              <a:rPr lang="en-US" dirty="0" smtClean="0"/>
-              <a:t>()</a:t>
-            </a:r>
-          </a:p>
-          <a:p>
-            <a:r>
-              <a:rPr lang="en-US" dirty="0" err="1" smtClean="0"/>
-              <a:t>WaitForNonStaleResultsAsOf</a:t>
-            </a:r>
-            <a:r>
-              <a:rPr lang="en-US" dirty="0" smtClean="0"/>
-              <a:t>(cutoff)</a:t>
-            </a:r>
           </a:p>
         </p:txBody>
       </p:sp>
     </p:spTree>
     <p:extLst>
       <p:ext uri="{BB962C8B-B14F-4D97-AF65-F5344CB8AC3E}">
-        <p14:creationId xmlns:p14="http://schemas.microsoft.com/office/powerpoint/2010/main" val="3385066756"/>
+        <p14:creationId xmlns:p14="http://schemas.microsoft.com/office/powerpoint/2010/main" val="610810724"/>
       </p:ext>
     </p:extLst>
   </p:cSld>
   <p:clrMapOvr>
     <a:masterClrMapping/>
   </p:clrMapOvr>
-  <mc:AlternateContent xmlns:mc="http://schemas.openxmlformats.org/markup-compatibility/2006">
-    <mc:Choice xmlns:p14="http://schemas.microsoft.com/office/powerpoint/2010/main" Requires="p14">
+  <mc:AlternateContent xmlns:mc="http://schemas.openxmlformats.org/markup-compatibility/2006" xmlns:p14="http://schemas.microsoft.com/office/powerpoint/2010/main">
+    <mc:Choice Requires="p14">
       <p:transition p14:dur="350">
         <p:fade/>
       </p:transition>
     </mc:Choice>
-    <mc:Fallback>
+    <mc:Fallback xmlns="">
       <p:transition>
         <p:fade/>
       </p:transition>
@@ -5067,7 +5162,7 @@
           <a:p>
             <a:r>
               <a:rPr lang="en-US" dirty="0" smtClean="0"/>
-              <a:t>Safe by Default</a:t>
+              <a:t>It Just Works (mostly)</a:t>
             </a:r>
             <a:endParaRPr lang="en-US" dirty="0"/>
           </a:p>
@@ -5083,121 +5178,127 @@
             <p:ph idx="1"/>
           </p:nvPr>
         </p:nvSpPr>
-        <p:spPr>
-          <a:xfrm>
-            <a:off x="457200" y="1600200"/>
-            <a:ext cx="7924800" cy="4800600"/>
-          </a:xfrm>
-        </p:spPr>
-        <p:txBody>
-          <a:bodyPr/>
-          <a:lstStyle/>
-          <a:p>
-            <a:r>
-              <a:rPr lang="en-US" dirty="0" smtClean="0"/>
-              <a:t>Unbounded queries return the first </a:t>
+        <p:spPr/>
+        <p:txBody>
+          <a:bodyPr/>
+          <a:lstStyle/>
+          <a:p>
+            <a:r>
+              <a:rPr lang="en-US" dirty="0" err="1" smtClean="0"/>
+              <a:t>RavenDB</a:t>
+            </a:r>
+            <a:r>
+              <a:rPr lang="en-US" dirty="0" smtClean="0"/>
+              <a:t> is </a:t>
             </a:r>
             <a:r>
               <a:rPr lang="en-US" b="1" dirty="0" smtClean="0"/>
-              <a:t>128</a:t>
-            </a:r>
-            <a:r>
-              <a:rPr lang="en-US" dirty="0" smtClean="0"/>
-              <a:t> results</a:t>
+              <a:t>asynchronous</a:t>
             </a:r>
           </a:p>
           <a:p>
             <a:pPr lvl="1"/>
             <a:r>
               <a:rPr lang="en-US" dirty="0" smtClean="0"/>
-              <a:t>Use Take() to adjust this, up to a maximum of </a:t>
-            </a:r>
-            <a:r>
-              <a:rPr lang="en-US" b="1" dirty="0" smtClean="0"/>
-              <a:t>1024</a:t>
-            </a:r>
-            <a:r>
-              <a:rPr lang="en-US" dirty="0" smtClean="0"/>
-              <a:t> results</a:t>
+              <a:t>Load() will </a:t>
+            </a:r>
+            <a:r>
+              <a:rPr lang="en-US" dirty="0" smtClean="0"/>
+              <a:t>return </a:t>
+            </a:r>
+            <a:r>
+              <a:rPr lang="en-US" dirty="0" smtClean="0"/>
+              <a:t>the latest version</a:t>
             </a:r>
           </a:p>
           <a:p>
             <a:pPr lvl="1"/>
             <a:r>
               <a:rPr lang="en-US" dirty="0" smtClean="0"/>
-              <a:t>Use </a:t>
-            </a:r>
+              <a:t>Query() can be stale</a:t>
+            </a:r>
+          </a:p>
+          <a:p>
             <a:r>
               <a:rPr lang="en-US" dirty="0" err="1" smtClean="0"/>
-              <a:t>session.Advanced.Stream</a:t>
-            </a:r>
-            <a:r>
-              <a:rPr lang="en-US" dirty="0" smtClean="0"/>
-              <a:t>() if you really need it</a:t>
-            </a:r>
-          </a:p>
-          <a:p>
-            <a:r>
-              <a:rPr lang="en-US" dirty="0" smtClean="0"/>
-              <a:t>A session has a default limit of </a:t>
-            </a:r>
-            <a:r>
-              <a:rPr lang="en-US" b="1" dirty="0" smtClean="0"/>
-              <a:t>30</a:t>
-            </a:r>
-            <a:r>
-              <a:rPr lang="en-US" dirty="0" smtClean="0"/>
-              <a:t> remote calls</a:t>
-            </a:r>
-          </a:p>
-          <a:p>
-            <a:r>
-              <a:rPr lang="en-US" dirty="0" smtClean="0"/>
-              <a:t>A session can override this limit by setting </a:t>
-            </a:r>
+              <a:t>WaitForNonStaleResults</a:t>
+            </a:r>
+            <a:r>
+              <a:rPr lang="en-US" dirty="0" smtClean="0"/>
+              <a:t>()</a:t>
+            </a:r>
+          </a:p>
+          <a:p>
+            <a:pPr lvl="1"/>
+            <a:r>
+              <a:rPr lang="en-US" dirty="0" smtClean="0"/>
+              <a:t>Only use in tests</a:t>
+            </a:r>
+          </a:p>
+          <a:p>
             <a:r>
               <a:rPr lang="en-US" dirty="0" err="1" smtClean="0"/>
-              <a:t>IDocumentSession.Advanced.MaxNumberOfRequestsPerSession</a:t>
-            </a:r>
-            <a:endParaRPr lang="en-US" dirty="0" smtClean="0"/>
-          </a:p>
-          <a:p>
-            <a:r>
-              <a:rPr lang="en-US" dirty="0" smtClean="0"/>
-              <a:t>Or application wide through </a:t>
-            </a:r>
+              <a:t>WaitForNonStaleResultsAsOfLastWrite</a:t>
+            </a:r>
+            <a:r>
+              <a:rPr lang="en-US" dirty="0" smtClean="0"/>
+              <a:t>()</a:t>
+            </a:r>
+          </a:p>
+          <a:p>
+            <a:pPr lvl="1"/>
+            <a:r>
+              <a:rPr lang="en-US" dirty="0" smtClean="0"/>
+              <a:t>Waits for the index to include the last write made by the current document store</a:t>
+            </a:r>
+          </a:p>
+          <a:p>
+            <a:pPr lvl="1"/>
+            <a:r>
+              <a:rPr lang="en-US" dirty="0" smtClean="0"/>
+              <a:t>Map/Reduce indexes may still be stale</a:t>
+            </a:r>
+            <a:endParaRPr lang="en-US" dirty="0"/>
+          </a:p>
+          <a:p>
             <a:r>
               <a:rPr lang="en-US" dirty="0" err="1" smtClean="0"/>
-              <a:t>IDocumentStore.Conventions.MaxNumberOfRequestsPerSession</a:t>
-            </a:r>
-            <a:endParaRPr lang="en-US" dirty="0" smtClean="0"/>
-          </a:p>
-          <a:p>
-            <a:r>
-              <a:rPr lang="en-US" dirty="0" smtClean="0"/>
-              <a:t>If you find yourself hitting this limit, you probably need to rethink your approach</a:t>
-            </a:r>
-            <a:endParaRPr lang="en-US" dirty="0"/>
+              <a:t>WaitForNonStaleResultsAsOfNow</a:t>
+            </a:r>
+            <a:r>
+              <a:rPr lang="en-US" dirty="0" smtClean="0"/>
+              <a:t>()</a:t>
+            </a:r>
+          </a:p>
+          <a:p>
+            <a:r>
+              <a:rPr lang="en-US" dirty="0" err="1" smtClean="0"/>
+              <a:t>WaitForNonStaleResultsAsOf</a:t>
+            </a:r>
+            <a:r>
+              <a:rPr lang="en-US" dirty="0" smtClean="0"/>
+              <a:t>(cutoff)</a:t>
+            </a:r>
           </a:p>
         </p:txBody>
       </p:sp>
     </p:spTree>
     <p:extLst>
       <p:ext uri="{BB962C8B-B14F-4D97-AF65-F5344CB8AC3E}">
-        <p14:creationId xmlns:p14="http://schemas.microsoft.com/office/powerpoint/2010/main" val="610810724"/>
+        <p14:creationId xmlns:p14="http://schemas.microsoft.com/office/powerpoint/2010/main" val="3385066756"/>
       </p:ext>
     </p:extLst>
   </p:cSld>
   <p:clrMapOvr>
     <a:masterClrMapping/>
   </p:clrMapOvr>
-  <mc:AlternateContent xmlns:mc="http://schemas.openxmlformats.org/markup-compatibility/2006">
-    <mc:Choice xmlns:p14="http://schemas.microsoft.com/office/powerpoint/2010/main" Requires="p14">
+  <mc:AlternateContent xmlns:mc="http://schemas.openxmlformats.org/markup-compatibility/2006" xmlns:p14="http://schemas.microsoft.com/office/powerpoint/2010/main">
+    <mc:Choice Requires="p14">
       <p:transition p14:dur="350">
         <p:fade/>
       </p:transition>
     </mc:Choice>
-    <mc:Fallback>
+    <mc:Fallback xmlns="">
       <p:transition>
         <p:fade/>
       </p:transition>
@@ -5373,13 +5474,13 @@
   <p:clrMapOvr>
     <a:masterClrMapping/>
   </p:clrMapOvr>
-  <mc:AlternateContent xmlns:mc="http://schemas.openxmlformats.org/markup-compatibility/2006">
-    <mc:Choice xmlns:p14="http://schemas.microsoft.com/office/powerpoint/2010/main" Requires="p14">
+  <mc:AlternateContent xmlns:mc="http://schemas.openxmlformats.org/markup-compatibility/2006" xmlns:p14="http://schemas.microsoft.com/office/powerpoint/2010/main">
+    <mc:Choice Requires="p14">
       <p:transition p14:dur="350">
         <p:fade/>
       </p:transition>
     </mc:Choice>
-    <mc:Fallback>
+    <mc:Fallback xmlns="">
       <p:transition>
         <p:fade/>
       </p:transition>
@@ -5541,13 +5642,13 @@
   <p:clrMapOvr>
     <a:masterClrMapping/>
   </p:clrMapOvr>
-  <mc:AlternateContent xmlns:mc="http://schemas.openxmlformats.org/markup-compatibility/2006">
-    <mc:Choice xmlns:p14="http://schemas.microsoft.com/office/powerpoint/2010/main" Requires="p14">
+  <mc:AlternateContent xmlns:mc="http://schemas.openxmlformats.org/markup-compatibility/2006" xmlns:p14="http://schemas.microsoft.com/office/powerpoint/2010/main">
+    <mc:Choice Requires="p14">
       <p:transition p14:dur="350">
         <p:fade/>
       </p:transition>
     </mc:Choice>
-    <mc:Fallback>
+    <mc:Fallback xmlns="">
       <p:transition>
         <p:fade/>
       </p:transition>
@@ -5699,13 +5800,13 @@
   <p:clrMapOvr>
     <a:masterClrMapping/>
   </p:clrMapOvr>
-  <mc:AlternateContent xmlns:mc="http://schemas.openxmlformats.org/markup-compatibility/2006">
-    <mc:Choice xmlns:p14="http://schemas.microsoft.com/office/powerpoint/2010/main" Requires="p14">
+  <mc:AlternateContent xmlns:mc="http://schemas.openxmlformats.org/markup-compatibility/2006" xmlns:p14="http://schemas.microsoft.com/office/powerpoint/2010/main">
+    <mc:Choice Requires="p14">
       <p:transition p14:dur="350">
         <p:fade/>
       </p:transition>
     </mc:Choice>
-    <mc:Fallback>
+    <mc:Fallback xmlns="">
       <p:transition>
         <p:fade/>
       </p:transition>
@@ -5778,7 +5879,7 @@
           <a:p>
             <a:r>
               <a:rPr lang="en-US" dirty="0" smtClean="0"/>
-              <a:t>IT is creating nightly and incremental backups using VSS</a:t>
+              <a:t>IT creates nightly and incremental backups using VSS</a:t>
             </a:r>
           </a:p>
           <a:p>
@@ -5838,13 +5939,13 @@
   <p:clrMapOvr>
     <a:masterClrMapping/>
   </p:clrMapOvr>
-  <mc:AlternateContent xmlns:mc="http://schemas.openxmlformats.org/markup-compatibility/2006">
-    <mc:Choice xmlns:p14="http://schemas.microsoft.com/office/powerpoint/2010/main" Requires="p14">
+  <mc:AlternateContent xmlns:mc="http://schemas.openxmlformats.org/markup-compatibility/2006" xmlns:p14="http://schemas.microsoft.com/office/powerpoint/2010/main">
+    <mc:Choice Requires="p14">
       <p:transition p14:dur="350">
         <p:fade/>
       </p:transition>
     </mc:Choice>
-    <mc:Fallback>
+    <mc:Fallback xmlns="">
       <p:transition>
         <p:fade/>
       </p:transition>
@@ -5958,20 +6059,6 @@
             <a:r>
               <a:rPr lang="en-US" dirty="0" smtClean="0"/>
               <a:t>RTFM</a:t>
-            </a:r>
-          </a:p>
-          <a:p>
-            <a:r>
-              <a:rPr lang="en-US" dirty="0" smtClean="0"/>
-              <a:t>Make </a:t>
-            </a:r>
-            <a:r>
-              <a:rPr lang="en-US" dirty="0" err="1" smtClean="0"/>
-              <a:t>RavenDB</a:t>
-            </a:r>
-            <a:r>
-              <a:rPr lang="en-US" dirty="0" smtClean="0"/>
-              <a:t> work for you, not against you</a:t>
             </a:r>
           </a:p>
         </p:txBody>
@@ -6057,13 +6144,13 @@
   <p:clrMapOvr>
     <a:masterClrMapping/>
   </p:clrMapOvr>
-  <mc:AlternateContent xmlns:mc="http://schemas.openxmlformats.org/markup-compatibility/2006">
-    <mc:Choice xmlns:p14="http://schemas.microsoft.com/office/powerpoint/2010/main" Requires="p14">
+  <mc:AlternateContent xmlns:mc="http://schemas.openxmlformats.org/markup-compatibility/2006" xmlns:p14="http://schemas.microsoft.com/office/powerpoint/2010/main">
+    <mc:Choice Requires="p14">
       <p:transition p14:dur="350">
         <p:fade/>
       </p:transition>
     </mc:Choice>
-    <mc:Fallback>
+    <mc:Fallback xmlns="">
       <p:transition>
         <p:fade/>
       </p:transition>
